--- a/Deck/tdd_ktalk.pptx
+++ b/Deck/tdd_ktalk.pptx
@@ -5,13 +5,19 @@
     <p:sldMasterId id="2147483780" r:id="rId1"/>
   </p:sldMasterIdLst>
   <p:notesMasterIdLst>
-    <p:notesMasterId r:id="rId6"/>
+    <p:notesMasterId r:id="rId12"/>
   </p:notesMasterIdLst>
   <p:sldIdLst>
     <p:sldId id="257" r:id="rId2"/>
     <p:sldId id="256" r:id="rId3"/>
     <p:sldId id="258" r:id="rId4"/>
     <p:sldId id="260" r:id="rId5"/>
+    <p:sldId id="261" r:id="rId6"/>
+    <p:sldId id="262" r:id="rId7"/>
+    <p:sldId id="263" r:id="rId8"/>
+    <p:sldId id="264" r:id="rId9"/>
+    <p:sldId id="265" r:id="rId10"/>
+    <p:sldId id="266" r:id="rId11"/>
   </p:sldIdLst>
   <p:sldSz cx="12192000" cy="6858000"/>
   <p:notesSz cx="6858000" cy="9144000"/>
@@ -617,6 +623,12 @@
             </a:r>
             <a:endParaRPr lang="en-US" dirty="0"/>
           </a:p>
+          <a:p>
+            <a:r>
+              <a:rPr lang="en-US" dirty="0"/>
+              <a:t>How many bugs you should expect from QA ? 0</a:t>
+            </a:r>
+          </a:p>
         </p:txBody>
       </p:sp>
       <p:sp>
@@ -745,6 +757,725 @@
     <p:extLst>
       <p:ext uri="{BB962C8B-B14F-4D97-AF65-F5344CB8AC3E}">
         <p14:creationId xmlns:p14="http://schemas.microsoft.com/office/powerpoint/2010/main" val="3897049814"/>
+      </p:ext>
+    </p:extLst>
+  </p:cSld>
+  <p:clrMapOvr>
+    <a:masterClrMapping/>
+  </p:clrMapOvr>
+</p:notes>
+</file>
+
+<file path=ppt/notesSlides/notesSlide4.xml><?xml version="1.0" encoding="utf-8"?>
+<p:notes xmlns:a="http://schemas.openxmlformats.org/drawingml/2006/main" xmlns:r="http://schemas.openxmlformats.org/officeDocument/2006/relationships" xmlns:p="http://schemas.openxmlformats.org/presentationml/2006/main">
+  <p:cSld>
+    <p:spTree>
+      <p:nvGrpSpPr>
+        <p:cNvPr id="1" name=""/>
+        <p:cNvGrpSpPr/>
+        <p:nvPr/>
+      </p:nvGrpSpPr>
+      <p:grpSpPr>
+        <a:xfrm>
+          <a:off x="0" y="0"/>
+          <a:ext cx="0" cy="0"/>
+          <a:chOff x="0" y="0"/>
+          <a:chExt cx="0" cy="0"/>
+        </a:xfrm>
+      </p:grpSpPr>
+      <p:sp>
+        <p:nvSpPr>
+          <p:cNvPr id="58370" name="Rectangle 2"/>
+          <p:cNvSpPr>
+            <a:spLocks noChangeArrowheads="1" noTextEdit="1"/>
+          </p:cNvSpPr>
+          <p:nvPr>
+            <p:ph type="sldImg"/>
+          </p:nvPr>
+        </p:nvSpPr>
+        <p:spPr>
+          <a:ln/>
+        </p:spPr>
+      </p:sp>
+      <p:sp>
+        <p:nvSpPr>
+          <p:cNvPr id="58371" name="Rectangle 3"/>
+          <p:cNvSpPr>
+            <a:spLocks noGrp="1" noChangeArrowheads="1"/>
+          </p:cNvSpPr>
+          <p:nvPr>
+            <p:ph type="body" idx="1"/>
+          </p:nvPr>
+        </p:nvSpPr>
+        <p:spPr>
+          <a:noFill/>
+          <a:ln w="9525"/>
+          <a:extLst>
+            <a:ext uri="{909E8E84-426E-40DD-AFC4-6F175D3DCCD1}">
+              <a14:hiddenFill xmlns:a14="http://schemas.microsoft.com/office/drawing/2010/main">
+                <a:solidFill>
+                  <a:srgbClr val="FFFFFF"/>
+                </a:solidFill>
+              </a14:hiddenFill>
+            </a:ext>
+            <a:ext uri="{91240B29-F687-4F45-9708-019B960494DF}">
+              <a14:hiddenLine xmlns:a14="http://schemas.microsoft.com/office/drawing/2010/main" w="9525">
+                <a:solidFill>
+                  <a:srgbClr val="000000"/>
+                </a:solidFill>
+                <a:miter lim="800000"/>
+                <a:headEnd/>
+                <a:tailEnd/>
+              </a14:hiddenLine>
+            </a:ext>
+          </a:extLst>
+        </p:spPr>
+        <p:txBody>
+          <a:bodyPr/>
+          <a:lstStyle/>
+          <a:p>
+            <a:endParaRPr lang="de-DE" altLang="en-US">
+              <a:latin typeface="Times" panose="02020603050405020304" pitchFamily="18" charset="0"/>
+            </a:endParaRPr>
+          </a:p>
+        </p:txBody>
+      </p:sp>
+    </p:spTree>
+    <p:extLst>
+      <p:ext uri="{BB962C8B-B14F-4D97-AF65-F5344CB8AC3E}">
+        <p14:creationId xmlns:p14="http://schemas.microsoft.com/office/powerpoint/2010/main" val="1277130799"/>
+      </p:ext>
+    </p:extLst>
+  </p:cSld>
+  <p:clrMapOvr>
+    <a:masterClrMapping/>
+  </p:clrMapOvr>
+</p:notes>
+</file>
+
+<file path=ppt/notesSlides/notesSlide5.xml><?xml version="1.0" encoding="utf-8"?>
+<p:notes xmlns:a="http://schemas.openxmlformats.org/drawingml/2006/main" xmlns:r="http://schemas.openxmlformats.org/officeDocument/2006/relationships" xmlns:p="http://schemas.openxmlformats.org/presentationml/2006/main">
+  <p:cSld>
+    <p:spTree>
+      <p:nvGrpSpPr>
+        <p:cNvPr id="1" name=""/>
+        <p:cNvGrpSpPr/>
+        <p:nvPr/>
+      </p:nvGrpSpPr>
+      <p:grpSpPr>
+        <a:xfrm>
+          <a:off x="0" y="0"/>
+          <a:ext cx="0" cy="0"/>
+          <a:chOff x="0" y="0"/>
+          <a:chExt cx="0" cy="0"/>
+        </a:xfrm>
+      </p:grpSpPr>
+      <p:sp>
+        <p:nvSpPr>
+          <p:cNvPr id="60418" name="Rectangle 2"/>
+          <p:cNvSpPr>
+            <a:spLocks noChangeArrowheads="1" noTextEdit="1"/>
+          </p:cNvSpPr>
+          <p:nvPr>
+            <p:ph type="sldImg"/>
+          </p:nvPr>
+        </p:nvSpPr>
+        <p:spPr>
+          <a:ln/>
+        </p:spPr>
+      </p:sp>
+      <p:sp>
+        <p:nvSpPr>
+          <p:cNvPr id="60419" name="Rectangle 3"/>
+          <p:cNvSpPr>
+            <a:spLocks noGrp="1" noChangeArrowheads="1"/>
+          </p:cNvSpPr>
+          <p:nvPr>
+            <p:ph type="body" idx="1"/>
+          </p:nvPr>
+        </p:nvSpPr>
+        <p:spPr>
+          <a:noFill/>
+          <a:ln w="9525"/>
+          <a:extLst>
+            <a:ext uri="{909E8E84-426E-40DD-AFC4-6F175D3DCCD1}">
+              <a14:hiddenFill xmlns:a14="http://schemas.microsoft.com/office/drawing/2010/main">
+                <a:solidFill>
+                  <a:srgbClr val="FFFFFF"/>
+                </a:solidFill>
+              </a14:hiddenFill>
+            </a:ext>
+            <a:ext uri="{91240B29-F687-4F45-9708-019B960494DF}">
+              <a14:hiddenLine xmlns:a14="http://schemas.microsoft.com/office/drawing/2010/main" w="9525">
+                <a:solidFill>
+                  <a:srgbClr val="000000"/>
+                </a:solidFill>
+                <a:miter lim="800000"/>
+                <a:headEnd/>
+                <a:tailEnd/>
+              </a14:hiddenLine>
+            </a:ext>
+          </a:extLst>
+        </p:spPr>
+        <p:txBody>
+          <a:bodyPr/>
+          <a:lstStyle/>
+          <a:p>
+            <a:endParaRPr lang="de-DE" altLang="en-US">
+              <a:latin typeface="Times" panose="02020603050405020304" pitchFamily="18" charset="0"/>
+            </a:endParaRPr>
+          </a:p>
+        </p:txBody>
+      </p:sp>
+    </p:spTree>
+    <p:extLst>
+      <p:ext uri="{BB962C8B-B14F-4D97-AF65-F5344CB8AC3E}">
+        <p14:creationId xmlns:p14="http://schemas.microsoft.com/office/powerpoint/2010/main" val="104342497"/>
+      </p:ext>
+    </p:extLst>
+  </p:cSld>
+  <p:clrMapOvr>
+    <a:masterClrMapping/>
+  </p:clrMapOvr>
+</p:notes>
+</file>
+
+<file path=ppt/notesSlides/notesSlide6.xml><?xml version="1.0" encoding="utf-8"?>
+<p:notes xmlns:a="http://schemas.openxmlformats.org/drawingml/2006/main" xmlns:r="http://schemas.openxmlformats.org/officeDocument/2006/relationships" xmlns:p="http://schemas.openxmlformats.org/presentationml/2006/main">
+  <p:cSld>
+    <p:spTree>
+      <p:nvGrpSpPr>
+        <p:cNvPr id="1" name=""/>
+        <p:cNvGrpSpPr/>
+        <p:nvPr/>
+      </p:nvGrpSpPr>
+      <p:grpSpPr>
+        <a:xfrm>
+          <a:off x="0" y="0"/>
+          <a:ext cx="0" cy="0"/>
+          <a:chOff x="0" y="0"/>
+          <a:chExt cx="0" cy="0"/>
+        </a:xfrm>
+      </p:grpSpPr>
+      <p:sp>
+        <p:nvSpPr>
+          <p:cNvPr id="2" name="Slide Image Placeholder 1"/>
+          <p:cNvSpPr>
+            <a:spLocks noGrp="1" noRot="1" noChangeAspect="1"/>
+          </p:cNvSpPr>
+          <p:nvPr>
+            <p:ph type="sldImg"/>
+          </p:nvPr>
+        </p:nvSpPr>
+        <p:spPr>
+          <a:xfrm>
+            <a:off x="685800" y="1143000"/>
+            <a:ext cx="5486400" cy="3086100"/>
+          </a:xfrm>
+        </p:spPr>
+      </p:sp>
+      <p:sp>
+        <p:nvSpPr>
+          <p:cNvPr id="3" name="Notes Placeholder 2"/>
+          <p:cNvSpPr>
+            <a:spLocks noGrp="1"/>
+          </p:cNvSpPr>
+          <p:nvPr>
+            <p:ph type="body" idx="1"/>
+          </p:nvPr>
+        </p:nvSpPr>
+        <p:spPr/>
+        <p:txBody>
+          <a:bodyPr/>
+          <a:lstStyle/>
+          <a:p>
+            <a:r>
+              <a:rPr lang="en-US" sz="1200" b="0" i="0" kern="1200" dirty="0">
+                <a:solidFill>
+                  <a:schemeClr val="tx1"/>
+                </a:solidFill>
+                <a:effectLst/>
+                <a:latin typeface="+mn-lt"/>
+                <a:ea typeface="+mn-ea"/>
+                <a:cs typeface="+mn-cs"/>
+              </a:rPr>
+              <a:t>http://www.typescriptlang.org/index.html#download-links</a:t>
+            </a:r>
+          </a:p>
+          <a:p>
+            <a:r>
+              <a:rPr lang="en-US" sz="1200" b="0" i="0" kern="1200" dirty="0">
+                <a:solidFill>
+                  <a:schemeClr val="tx1"/>
+                </a:solidFill>
+                <a:effectLst/>
+                <a:latin typeface="+mn-lt"/>
+                <a:ea typeface="+mn-ea"/>
+                <a:cs typeface="+mn-cs"/>
+              </a:rPr>
+              <a:t>Using</a:t>
+            </a:r>
+            <a:r>
+              <a:rPr lang="en-US" sz="1200" b="0" i="0" kern="1200" baseline="0" dirty="0">
+                <a:solidFill>
+                  <a:schemeClr val="tx1"/>
+                </a:solidFill>
+                <a:effectLst/>
+                <a:latin typeface="+mn-lt"/>
+                <a:ea typeface="+mn-ea"/>
+                <a:cs typeface="+mn-cs"/>
+              </a:rPr>
+              <a:t> vs code(hands up)</a:t>
+            </a:r>
+            <a:endParaRPr lang="en-US" sz="1200" b="0" i="0" kern="1200" dirty="0">
+              <a:solidFill>
+                <a:schemeClr val="tx1"/>
+              </a:solidFill>
+              <a:effectLst/>
+              <a:latin typeface="+mn-lt"/>
+              <a:ea typeface="+mn-ea"/>
+              <a:cs typeface="+mn-cs"/>
+            </a:endParaRPr>
+          </a:p>
+          <a:p>
+            <a:r>
+              <a:rPr lang="en-US" sz="1200" b="0" i="0" kern="1200" dirty="0">
+                <a:solidFill>
+                  <a:schemeClr val="tx1"/>
+                </a:solidFill>
+                <a:effectLst/>
+                <a:latin typeface="+mn-lt"/>
+                <a:ea typeface="+mn-ea"/>
+                <a:cs typeface="+mn-cs"/>
+              </a:rPr>
+              <a:t>http://alm.tools/</a:t>
+            </a:r>
+          </a:p>
+          <a:p>
+            <a:endParaRPr lang="en-US" dirty="0"/>
+          </a:p>
+        </p:txBody>
+      </p:sp>
+      <p:sp>
+        <p:nvSpPr>
+          <p:cNvPr id="4" name="Slide Number Placeholder 3"/>
+          <p:cNvSpPr>
+            <a:spLocks noGrp="1"/>
+          </p:cNvSpPr>
+          <p:nvPr>
+            <p:ph type="sldNum" sz="quarter" idx="10"/>
+          </p:nvPr>
+        </p:nvSpPr>
+        <p:spPr/>
+        <p:txBody>
+          <a:bodyPr/>
+          <a:lstStyle/>
+          <a:p>
+            <a:fld id="{646BAD84-FD8D-44DF-839C-76EF4E440AED}" type="slidenum">
+              <a:rPr lang="en-US" smtClean="0"/>
+              <a:t>7</a:t>
+            </a:fld>
+            <a:endParaRPr lang="en-US"/>
+          </a:p>
+        </p:txBody>
+      </p:sp>
+    </p:spTree>
+    <p:extLst>
+      <p:ext uri="{BB962C8B-B14F-4D97-AF65-F5344CB8AC3E}">
+        <p14:creationId xmlns:p14="http://schemas.microsoft.com/office/powerpoint/2010/main" val="3158788336"/>
+      </p:ext>
+    </p:extLst>
+  </p:cSld>
+  <p:clrMapOvr>
+    <a:masterClrMapping/>
+  </p:clrMapOvr>
+</p:notes>
+</file>
+
+<file path=ppt/notesSlides/notesSlide7.xml><?xml version="1.0" encoding="utf-8"?>
+<p:notes xmlns:a="http://schemas.openxmlformats.org/drawingml/2006/main" xmlns:r="http://schemas.openxmlformats.org/officeDocument/2006/relationships" xmlns:p="http://schemas.openxmlformats.org/presentationml/2006/main">
+  <p:cSld>
+    <p:spTree>
+      <p:nvGrpSpPr>
+        <p:cNvPr id="1" name=""/>
+        <p:cNvGrpSpPr/>
+        <p:nvPr/>
+      </p:nvGrpSpPr>
+      <p:grpSpPr>
+        <a:xfrm>
+          <a:off x="0" y="0"/>
+          <a:ext cx="0" cy="0"/>
+          <a:chOff x="0" y="0"/>
+          <a:chExt cx="0" cy="0"/>
+        </a:xfrm>
+      </p:grpSpPr>
+      <p:sp>
+        <p:nvSpPr>
+          <p:cNvPr id="2" name="Slide Image Placeholder 1"/>
+          <p:cNvSpPr>
+            <a:spLocks noGrp="1" noRot="1" noChangeAspect="1"/>
+          </p:cNvSpPr>
+          <p:nvPr>
+            <p:ph type="sldImg"/>
+          </p:nvPr>
+        </p:nvSpPr>
+        <p:spPr>
+          <a:xfrm>
+            <a:off x="685800" y="1143000"/>
+            <a:ext cx="5486400" cy="3086100"/>
+          </a:xfrm>
+        </p:spPr>
+      </p:sp>
+      <p:sp>
+        <p:nvSpPr>
+          <p:cNvPr id="3" name="Notes Placeholder 2"/>
+          <p:cNvSpPr>
+            <a:spLocks noGrp="1"/>
+          </p:cNvSpPr>
+          <p:nvPr>
+            <p:ph type="body" idx="1"/>
+          </p:nvPr>
+        </p:nvSpPr>
+        <p:spPr/>
+        <p:txBody>
+          <a:bodyPr/>
+          <a:lstStyle/>
+          <a:p>
+            <a:r>
+              <a:rPr lang="en-US" sz="1200" b="0" i="0" kern="1200" dirty="0">
+                <a:solidFill>
+                  <a:schemeClr val="tx1"/>
+                </a:solidFill>
+                <a:effectLst/>
+                <a:latin typeface="+mn-lt"/>
+                <a:ea typeface="+mn-ea"/>
+                <a:cs typeface="+mn-cs"/>
+              </a:rPr>
+              <a:t>http://www.typescriptlang.org/index.html#download-links</a:t>
+            </a:r>
+          </a:p>
+          <a:p>
+            <a:r>
+              <a:rPr lang="en-US" sz="1200" b="0" i="0" kern="1200" dirty="0">
+                <a:solidFill>
+                  <a:schemeClr val="tx1"/>
+                </a:solidFill>
+                <a:effectLst/>
+                <a:latin typeface="+mn-lt"/>
+                <a:ea typeface="+mn-ea"/>
+                <a:cs typeface="+mn-cs"/>
+              </a:rPr>
+              <a:t>Using</a:t>
+            </a:r>
+            <a:r>
+              <a:rPr lang="en-US" sz="1200" b="0" i="0" kern="1200" baseline="0" dirty="0">
+                <a:solidFill>
+                  <a:schemeClr val="tx1"/>
+                </a:solidFill>
+                <a:effectLst/>
+                <a:latin typeface="+mn-lt"/>
+                <a:ea typeface="+mn-ea"/>
+                <a:cs typeface="+mn-cs"/>
+              </a:rPr>
+              <a:t> vs code(hands up)</a:t>
+            </a:r>
+            <a:endParaRPr lang="en-US" sz="1200" b="0" i="0" kern="1200" dirty="0">
+              <a:solidFill>
+                <a:schemeClr val="tx1"/>
+              </a:solidFill>
+              <a:effectLst/>
+              <a:latin typeface="+mn-lt"/>
+              <a:ea typeface="+mn-ea"/>
+              <a:cs typeface="+mn-cs"/>
+            </a:endParaRPr>
+          </a:p>
+          <a:p>
+            <a:r>
+              <a:rPr lang="en-US" sz="1200" b="0" i="0" kern="1200" dirty="0">
+                <a:solidFill>
+                  <a:schemeClr val="tx1"/>
+                </a:solidFill>
+                <a:effectLst/>
+                <a:latin typeface="+mn-lt"/>
+                <a:ea typeface="+mn-ea"/>
+                <a:cs typeface="+mn-cs"/>
+              </a:rPr>
+              <a:t>http://alm.tools/</a:t>
+            </a:r>
+          </a:p>
+          <a:p>
+            <a:endParaRPr lang="en-US" dirty="0"/>
+          </a:p>
+        </p:txBody>
+      </p:sp>
+      <p:sp>
+        <p:nvSpPr>
+          <p:cNvPr id="4" name="Slide Number Placeholder 3"/>
+          <p:cNvSpPr>
+            <a:spLocks noGrp="1"/>
+          </p:cNvSpPr>
+          <p:nvPr>
+            <p:ph type="sldNum" sz="quarter" idx="10"/>
+          </p:nvPr>
+        </p:nvSpPr>
+        <p:spPr/>
+        <p:txBody>
+          <a:bodyPr/>
+          <a:lstStyle/>
+          <a:p>
+            <a:fld id="{646BAD84-FD8D-44DF-839C-76EF4E440AED}" type="slidenum">
+              <a:rPr lang="en-US" smtClean="0"/>
+              <a:t>8</a:t>
+            </a:fld>
+            <a:endParaRPr lang="en-US"/>
+          </a:p>
+        </p:txBody>
+      </p:sp>
+    </p:spTree>
+    <p:extLst>
+      <p:ext uri="{BB962C8B-B14F-4D97-AF65-F5344CB8AC3E}">
+        <p14:creationId xmlns:p14="http://schemas.microsoft.com/office/powerpoint/2010/main" val="4110218756"/>
+      </p:ext>
+    </p:extLst>
+  </p:cSld>
+  <p:clrMapOvr>
+    <a:masterClrMapping/>
+  </p:clrMapOvr>
+</p:notes>
+</file>
+
+<file path=ppt/notesSlides/notesSlide8.xml><?xml version="1.0" encoding="utf-8"?>
+<p:notes xmlns:a="http://schemas.openxmlformats.org/drawingml/2006/main" xmlns:r="http://schemas.openxmlformats.org/officeDocument/2006/relationships" xmlns:p="http://schemas.openxmlformats.org/presentationml/2006/main">
+  <p:cSld>
+    <p:spTree>
+      <p:nvGrpSpPr>
+        <p:cNvPr id="1" name=""/>
+        <p:cNvGrpSpPr/>
+        <p:nvPr/>
+      </p:nvGrpSpPr>
+      <p:grpSpPr>
+        <a:xfrm>
+          <a:off x="0" y="0"/>
+          <a:ext cx="0" cy="0"/>
+          <a:chOff x="0" y="0"/>
+          <a:chExt cx="0" cy="0"/>
+        </a:xfrm>
+      </p:grpSpPr>
+      <p:sp>
+        <p:nvSpPr>
+          <p:cNvPr id="2" name="Slide Image Placeholder 1"/>
+          <p:cNvSpPr>
+            <a:spLocks noGrp="1" noRot="1" noChangeAspect="1"/>
+          </p:cNvSpPr>
+          <p:nvPr>
+            <p:ph type="sldImg"/>
+          </p:nvPr>
+        </p:nvSpPr>
+        <p:spPr>
+          <a:xfrm>
+            <a:off x="685800" y="1143000"/>
+            <a:ext cx="5486400" cy="3086100"/>
+          </a:xfrm>
+        </p:spPr>
+      </p:sp>
+      <p:sp>
+        <p:nvSpPr>
+          <p:cNvPr id="3" name="Notes Placeholder 2"/>
+          <p:cNvSpPr>
+            <a:spLocks noGrp="1"/>
+          </p:cNvSpPr>
+          <p:nvPr>
+            <p:ph type="body" idx="1"/>
+          </p:nvPr>
+        </p:nvSpPr>
+        <p:spPr/>
+        <p:txBody>
+          <a:bodyPr/>
+          <a:lstStyle/>
+          <a:p>
+            <a:endParaRPr lang="en-US" dirty="0"/>
+          </a:p>
+        </p:txBody>
+      </p:sp>
+      <p:sp>
+        <p:nvSpPr>
+          <p:cNvPr id="4" name="Slide Number Placeholder 3"/>
+          <p:cNvSpPr>
+            <a:spLocks noGrp="1"/>
+          </p:cNvSpPr>
+          <p:nvPr>
+            <p:ph type="sldNum" sz="quarter" idx="10"/>
+          </p:nvPr>
+        </p:nvSpPr>
+        <p:spPr/>
+        <p:txBody>
+          <a:bodyPr/>
+          <a:lstStyle/>
+          <a:p>
+            <a:fld id="{646BAD84-FD8D-44DF-839C-76EF4E440AED}" type="slidenum">
+              <a:rPr lang="en-US" smtClean="0"/>
+              <a:t>9</a:t>
+            </a:fld>
+            <a:endParaRPr lang="en-US"/>
+          </a:p>
+        </p:txBody>
+      </p:sp>
+    </p:spTree>
+    <p:extLst>
+      <p:ext uri="{BB962C8B-B14F-4D97-AF65-F5344CB8AC3E}">
+        <p14:creationId xmlns:p14="http://schemas.microsoft.com/office/powerpoint/2010/main" val="4106828808"/>
+      </p:ext>
+    </p:extLst>
+  </p:cSld>
+  <p:clrMapOvr>
+    <a:masterClrMapping/>
+  </p:clrMapOvr>
+</p:notes>
+</file>
+
+<file path=ppt/notesSlides/notesSlide9.xml><?xml version="1.0" encoding="utf-8"?>
+<p:notes xmlns:a="http://schemas.openxmlformats.org/drawingml/2006/main" xmlns:r="http://schemas.openxmlformats.org/officeDocument/2006/relationships" xmlns:p="http://schemas.openxmlformats.org/presentationml/2006/main">
+  <p:cSld>
+    <p:spTree>
+      <p:nvGrpSpPr>
+        <p:cNvPr id="1" name=""/>
+        <p:cNvGrpSpPr/>
+        <p:nvPr/>
+      </p:nvGrpSpPr>
+      <p:grpSpPr>
+        <a:xfrm>
+          <a:off x="0" y="0"/>
+          <a:ext cx="0" cy="0"/>
+          <a:chOff x="0" y="0"/>
+          <a:chExt cx="0" cy="0"/>
+        </a:xfrm>
+      </p:grpSpPr>
+      <p:sp>
+        <p:nvSpPr>
+          <p:cNvPr id="2" name="Slide Image Placeholder 1"/>
+          <p:cNvSpPr>
+            <a:spLocks noGrp="1" noRot="1" noChangeAspect="1"/>
+          </p:cNvSpPr>
+          <p:nvPr>
+            <p:ph type="sldImg"/>
+          </p:nvPr>
+        </p:nvSpPr>
+        <p:spPr>
+          <a:xfrm>
+            <a:off x="685800" y="1143000"/>
+            <a:ext cx="5486400" cy="3086100"/>
+          </a:xfrm>
+        </p:spPr>
+      </p:sp>
+      <p:sp>
+        <p:nvSpPr>
+          <p:cNvPr id="3" name="Notes Placeholder 2"/>
+          <p:cNvSpPr>
+            <a:spLocks noGrp="1"/>
+          </p:cNvSpPr>
+          <p:nvPr>
+            <p:ph type="body" idx="1"/>
+          </p:nvPr>
+        </p:nvSpPr>
+        <p:spPr/>
+        <p:txBody>
+          <a:bodyPr/>
+          <a:lstStyle/>
+          <a:p>
+            <a:r>
+              <a:rPr lang="en-US" sz="1200" b="0" i="0" kern="1200" dirty="0">
+                <a:solidFill>
+                  <a:schemeClr val="tx1"/>
+                </a:solidFill>
+                <a:effectLst/>
+                <a:latin typeface="+mn-lt"/>
+                <a:ea typeface="+mn-ea"/>
+                <a:cs typeface="+mn-cs"/>
+              </a:rPr>
+              <a:t>http://www.typescriptlang.org/index.html#download-links</a:t>
+            </a:r>
+          </a:p>
+          <a:p>
+            <a:r>
+              <a:rPr lang="en-US" sz="1200" b="0" i="0" kern="1200" dirty="0">
+                <a:solidFill>
+                  <a:schemeClr val="tx1"/>
+                </a:solidFill>
+                <a:effectLst/>
+                <a:latin typeface="+mn-lt"/>
+                <a:ea typeface="+mn-ea"/>
+                <a:cs typeface="+mn-cs"/>
+              </a:rPr>
+              <a:t>Using</a:t>
+            </a:r>
+            <a:r>
+              <a:rPr lang="en-US" sz="1200" b="0" i="0" kern="1200" baseline="0" dirty="0">
+                <a:solidFill>
+                  <a:schemeClr val="tx1"/>
+                </a:solidFill>
+                <a:effectLst/>
+                <a:latin typeface="+mn-lt"/>
+                <a:ea typeface="+mn-ea"/>
+                <a:cs typeface="+mn-cs"/>
+              </a:rPr>
+              <a:t> vs code(hands up)</a:t>
+            </a:r>
+            <a:endParaRPr lang="en-US" sz="1200" b="0" i="0" kern="1200" dirty="0">
+              <a:solidFill>
+                <a:schemeClr val="tx1"/>
+              </a:solidFill>
+              <a:effectLst/>
+              <a:latin typeface="+mn-lt"/>
+              <a:ea typeface="+mn-ea"/>
+              <a:cs typeface="+mn-cs"/>
+            </a:endParaRPr>
+          </a:p>
+          <a:p>
+            <a:r>
+              <a:rPr lang="en-US" sz="1200" b="0" i="0" kern="1200" dirty="0">
+                <a:solidFill>
+                  <a:schemeClr val="tx1"/>
+                </a:solidFill>
+                <a:effectLst/>
+                <a:latin typeface="+mn-lt"/>
+                <a:ea typeface="+mn-ea"/>
+                <a:cs typeface="+mn-cs"/>
+              </a:rPr>
+              <a:t>http://alm.tools/</a:t>
+            </a:r>
+          </a:p>
+          <a:p>
+            <a:endParaRPr lang="en-US" dirty="0"/>
+          </a:p>
+        </p:txBody>
+      </p:sp>
+      <p:sp>
+        <p:nvSpPr>
+          <p:cNvPr id="4" name="Slide Number Placeholder 3"/>
+          <p:cNvSpPr>
+            <a:spLocks noGrp="1"/>
+          </p:cNvSpPr>
+          <p:nvPr>
+            <p:ph type="sldNum" sz="quarter" idx="10"/>
+          </p:nvPr>
+        </p:nvSpPr>
+        <p:spPr/>
+        <p:txBody>
+          <a:bodyPr/>
+          <a:lstStyle/>
+          <a:p>
+            <a:fld id="{646BAD84-FD8D-44DF-839C-76EF4E440AED}" type="slidenum">
+              <a:rPr lang="en-US" smtClean="0"/>
+              <a:t>10</a:t>
+            </a:fld>
+            <a:endParaRPr lang="en-US"/>
+          </a:p>
+        </p:txBody>
+      </p:sp>
+    </p:spTree>
+    <p:extLst>
+      <p:ext uri="{BB962C8B-B14F-4D97-AF65-F5344CB8AC3E}">
+        <p14:creationId xmlns:p14="http://schemas.microsoft.com/office/powerpoint/2010/main" val="2310041472"/>
       </p:ext>
     </p:extLst>
   </p:cSld>
@@ -6842,6 +7573,149 @@
 </p:sld>
 </file>
 
+<file path=ppt/slides/slide10.xml><?xml version="1.0" encoding="utf-8"?>
+<p:sld xmlns:a="http://schemas.openxmlformats.org/drawingml/2006/main" xmlns:r="http://schemas.openxmlformats.org/officeDocument/2006/relationships" xmlns:p="http://schemas.openxmlformats.org/presentationml/2006/main">
+  <p:cSld>
+    <p:spTree>
+      <p:nvGrpSpPr>
+        <p:cNvPr id="1" name=""/>
+        <p:cNvGrpSpPr/>
+        <p:nvPr/>
+      </p:nvGrpSpPr>
+      <p:grpSpPr>
+        <a:xfrm>
+          <a:off x="0" y="0"/>
+          <a:ext cx="0" cy="0"/>
+          <a:chOff x="0" y="0"/>
+          <a:chExt cx="0" cy="0"/>
+        </a:xfrm>
+      </p:grpSpPr>
+      <p:sp>
+        <p:nvSpPr>
+          <p:cNvPr id="2" name="Title 1"/>
+          <p:cNvSpPr>
+            <a:spLocks noGrp="1"/>
+          </p:cNvSpPr>
+          <p:nvPr>
+            <p:ph type="title"/>
+          </p:nvPr>
+        </p:nvSpPr>
+        <p:spPr/>
+        <p:txBody>
+          <a:bodyPr/>
+          <a:lstStyle/>
+          <a:p>
+            <a:r>
+              <a:rPr lang="en-US" dirty="0">
+                <a:solidFill>
+                  <a:schemeClr val="bg2">
+                    <a:lumMod val="20000"/>
+                    <a:lumOff val="80000"/>
+                  </a:schemeClr>
+                </a:solidFill>
+              </a:rPr>
+              <a:t>Thank you</a:t>
+            </a:r>
+            <a:endParaRPr lang="en-US" dirty="0"/>
+          </a:p>
+        </p:txBody>
+      </p:sp>
+      <p:sp>
+        <p:nvSpPr>
+          <p:cNvPr id="3" name="Content Placeholder 2"/>
+          <p:cNvSpPr>
+            <a:spLocks noGrp="1"/>
+          </p:cNvSpPr>
+          <p:nvPr>
+            <p:ph idx="1"/>
+          </p:nvPr>
+        </p:nvSpPr>
+        <p:spPr/>
+        <p:txBody>
+          <a:bodyPr/>
+          <a:lstStyle/>
+          <a:p>
+            <a:r>
+              <a:rPr lang="en-US" dirty="0">
+                <a:solidFill>
+                  <a:schemeClr val="bg2">
+                    <a:lumMod val="20000"/>
+                    <a:lumOff val="80000"/>
+                  </a:schemeClr>
+                </a:solidFill>
+              </a:rPr>
+              <a:t>Email:	cranaweera@virtusapolaris.com</a:t>
+            </a:r>
+          </a:p>
+          <a:p>
+            <a:r>
+              <a:rPr lang="en-US" dirty="0">
+                <a:solidFill>
+                  <a:schemeClr val="bg2">
+                    <a:lumMod val="20000"/>
+                    <a:lumOff val="80000"/>
+                  </a:schemeClr>
+                </a:solidFill>
+              </a:rPr>
+              <a:t>GitHub: 	https://github.com/chan4lk/k-talk</a:t>
+            </a:r>
+          </a:p>
+        </p:txBody>
+      </p:sp>
+      <p:pic>
+        <p:nvPicPr>
+          <p:cNvPr id="4" name="Picture 3" descr="https://raw.githubusercontent.com/remojansen/logo.ts/master/ts.png"/>
+          <p:cNvPicPr>
+            <a:picLocks noChangeAspect="1" noChangeArrowheads="1"/>
+          </p:cNvPicPr>
+          <p:nvPr/>
+        </p:nvPicPr>
+        <p:blipFill>
+          <a:blip r:embed="rId3">
+            <a:extLst>
+              <a:ext uri="{28A0092B-C50C-407E-A947-70E740481C1C}">
+                <a14:useLocalDpi xmlns:a14="http://schemas.microsoft.com/office/drawing/2010/main" val="0"/>
+              </a:ext>
+            </a:extLst>
+          </a:blip>
+          <a:srcRect/>
+          <a:stretch>
+            <a:fillRect/>
+          </a:stretch>
+        </p:blipFill>
+        <p:spPr bwMode="auto">
+          <a:xfrm>
+            <a:off x="10220496" y="4916314"/>
+            <a:ext cx="1796155" cy="1796155"/>
+          </a:xfrm>
+          <a:prstGeom prst="rect">
+            <a:avLst/>
+          </a:prstGeom>
+          <a:noFill/>
+          <a:extLst>
+            <a:ext uri="{909E8E84-426E-40DD-AFC4-6F175D3DCCD1}">
+              <a14:hiddenFill xmlns:a14="http://schemas.microsoft.com/office/drawing/2010/main">
+                <a:solidFill>
+                  <a:srgbClr val="FFFFFF"/>
+                </a:solidFill>
+              </a14:hiddenFill>
+            </a:ext>
+          </a:extLst>
+        </p:spPr>
+      </p:pic>
+    </p:spTree>
+    <p:extLst>
+      <p:ext uri="{BB962C8B-B14F-4D97-AF65-F5344CB8AC3E}">
+        <p14:creationId xmlns:p14="http://schemas.microsoft.com/office/powerpoint/2010/main" val="1773293301"/>
+      </p:ext>
+    </p:extLst>
+  </p:cSld>
+  <p:clrMapOvr>
+    <a:masterClrMapping/>
+  </p:clrMapOvr>
+</p:sld>
+</file>
+
 <file path=ppt/slides/slide2.xml><?xml version="1.0" encoding="utf-8"?>
 <p:sld xmlns:a="http://schemas.openxmlformats.org/drawingml/2006/main" xmlns:r="http://schemas.openxmlformats.org/officeDocument/2006/relationships" xmlns:p="http://schemas.openxmlformats.org/presentationml/2006/main">
   <p:cSld>
@@ -7157,6 +8031,3077 @@
     <p:extLst>
       <p:ext uri="{BB962C8B-B14F-4D97-AF65-F5344CB8AC3E}">
         <p14:creationId xmlns:p14="http://schemas.microsoft.com/office/powerpoint/2010/main" val="69455351"/>
+      </p:ext>
+    </p:extLst>
+  </p:cSld>
+  <p:clrMapOvr>
+    <a:masterClrMapping/>
+  </p:clrMapOvr>
+</p:sld>
+</file>
+
+<file path=ppt/slides/slide5.xml><?xml version="1.0" encoding="utf-8"?>
+<p:sld xmlns:a="http://schemas.openxmlformats.org/drawingml/2006/main" xmlns:r="http://schemas.openxmlformats.org/officeDocument/2006/relationships" xmlns:p="http://schemas.openxmlformats.org/presentationml/2006/main" showMasterPhAnim="0">
+  <p:cSld>
+    <p:spTree>
+      <p:nvGrpSpPr>
+        <p:cNvPr id="1" name=""/>
+        <p:cNvGrpSpPr/>
+        <p:nvPr/>
+      </p:nvGrpSpPr>
+      <p:grpSpPr>
+        <a:xfrm>
+          <a:off x="0" y="0"/>
+          <a:ext cx="0" cy="0"/>
+          <a:chOff x="0" y="0"/>
+          <a:chExt cx="0" cy="0"/>
+        </a:xfrm>
+      </p:grpSpPr>
+      <p:sp>
+        <p:nvSpPr>
+          <p:cNvPr id="57346" name="Rectangle 4"/>
+          <p:cNvSpPr>
+            <a:spLocks noGrp="1" noChangeArrowheads="1"/>
+          </p:cNvSpPr>
+          <p:nvPr>
+            <p:ph type="title"/>
+          </p:nvPr>
+        </p:nvSpPr>
+        <p:spPr/>
+        <p:txBody>
+          <a:bodyPr/>
+          <a:lstStyle/>
+          <a:p>
+            <a:r>
+              <a:rPr lang="en-US" altLang="en-US"/>
+              <a:t>Types of  Testing</a:t>
+            </a:r>
+          </a:p>
+        </p:txBody>
+      </p:sp>
+      <p:sp>
+        <p:nvSpPr>
+          <p:cNvPr id="40965" name="Rectangle 5"/>
+          <p:cNvSpPr>
+            <a:spLocks noGrp="1" noChangeArrowheads="1"/>
+          </p:cNvSpPr>
+          <p:nvPr>
+            <p:ph type="body" idx="1"/>
+          </p:nvPr>
+        </p:nvSpPr>
+        <p:spPr/>
+        <p:txBody>
+          <a:bodyPr/>
+          <a:lstStyle/>
+          <a:p>
+            <a:r>
+              <a:rPr lang="en-US" altLang="en-US">
+                <a:solidFill>
+                  <a:srgbClr val="FC0128"/>
+                </a:solidFill>
+              </a:rPr>
+              <a:t>Unit Testing</a:t>
+            </a:r>
+            <a:endParaRPr lang="en-US" altLang="en-US"/>
+          </a:p>
+          <a:p>
+            <a:pPr lvl="1"/>
+            <a:r>
+              <a:rPr lang="en-US" altLang="en-US"/>
+              <a:t>Individual component (class or subsystem)</a:t>
+            </a:r>
+          </a:p>
+          <a:p>
+            <a:pPr lvl="1"/>
+            <a:r>
+              <a:rPr lang="en-US" altLang="en-US"/>
+              <a:t>Carried out by developers</a:t>
+            </a:r>
+          </a:p>
+          <a:p>
+            <a:pPr lvl="1"/>
+            <a:r>
+              <a:rPr lang="en-US" altLang="en-US" u="sng"/>
+              <a:t>Goal:</a:t>
+            </a:r>
+            <a:r>
+              <a:rPr lang="en-US" altLang="en-US"/>
+              <a:t> Confirm that the component or subsystem is correctly coded and carries out the intended functionality</a:t>
+            </a:r>
+          </a:p>
+          <a:p>
+            <a:r>
+              <a:rPr lang="en-US" altLang="en-US">
+                <a:solidFill>
+                  <a:srgbClr val="FC0128"/>
+                </a:solidFill>
+              </a:rPr>
+              <a:t>Integration Testing</a:t>
+            </a:r>
+            <a:endParaRPr lang="en-US" altLang="en-US"/>
+          </a:p>
+          <a:p>
+            <a:pPr lvl="1"/>
+            <a:r>
+              <a:rPr lang="en-US" altLang="en-US"/>
+              <a:t>Groups of subsystems (collection of subsystems) and eventually the entire system</a:t>
+            </a:r>
+          </a:p>
+          <a:p>
+            <a:pPr lvl="1"/>
+            <a:r>
+              <a:rPr lang="en-US" altLang="en-US"/>
+              <a:t>Carried out by developers</a:t>
+            </a:r>
+          </a:p>
+          <a:p>
+            <a:pPr lvl="1"/>
+            <a:r>
+              <a:rPr lang="en-US" altLang="en-US" u="sng"/>
+              <a:t>Goal</a:t>
+            </a:r>
+            <a:r>
+              <a:rPr lang="en-US" altLang="en-US"/>
+              <a:t>:  Test the interfaces among the subsystems.</a:t>
+            </a:r>
+          </a:p>
+        </p:txBody>
+      </p:sp>
+      <p:sp>
+        <p:nvSpPr>
+          <p:cNvPr id="40966" name="AutoShape 6"/>
+          <p:cNvSpPr>
+            <a:spLocks noChangeArrowheads="1"/>
+          </p:cNvSpPr>
+          <p:nvPr/>
+        </p:nvSpPr>
+        <p:spPr bwMode="auto">
+          <a:xfrm>
+            <a:off x="7391401" y="304800"/>
+            <a:ext cx="519113" cy="457200"/>
+          </a:xfrm>
+          <a:prstGeom prst="roundRect">
+            <a:avLst>
+              <a:gd name="adj" fmla="val 16667"/>
+            </a:avLst>
+          </a:prstGeom>
+          <a:solidFill>
+            <a:schemeClr val="bg1"/>
+          </a:solidFill>
+          <a:ln w="12700">
+            <a:solidFill>
+              <a:schemeClr val="tx1"/>
+            </a:solidFill>
+            <a:round/>
+            <a:headEnd/>
+            <a:tailEnd/>
+          </a:ln>
+        </p:spPr>
+        <p:txBody>
+          <a:bodyPr wrap="none" anchor="ctr"/>
+          <a:lstStyle>
+            <a:lvl1pPr>
+              <a:defRPr sz="2400" b="1">
+                <a:solidFill>
+                  <a:schemeClr val="tx1"/>
+                </a:solidFill>
+                <a:latin typeface="Times" panose="02020603050405020304" pitchFamily="18" charset="0"/>
+                <a:ea typeface="MS PGothic" panose="020B0600070205080204" pitchFamily="34" charset="-128"/>
+              </a:defRPr>
+            </a:lvl1pPr>
+            <a:lvl2pPr marL="37931725" indent="-37474525">
+              <a:defRPr sz="2400" b="1">
+                <a:solidFill>
+                  <a:schemeClr val="tx1"/>
+                </a:solidFill>
+                <a:latin typeface="Times" panose="02020603050405020304" pitchFamily="18" charset="0"/>
+                <a:ea typeface="MS PGothic" panose="020B0600070205080204" pitchFamily="34" charset="-128"/>
+              </a:defRPr>
+            </a:lvl2pPr>
+            <a:lvl3pPr>
+              <a:defRPr sz="2400" b="1">
+                <a:solidFill>
+                  <a:schemeClr val="tx1"/>
+                </a:solidFill>
+                <a:latin typeface="Times" panose="02020603050405020304" pitchFamily="18" charset="0"/>
+                <a:ea typeface="MS PGothic" panose="020B0600070205080204" pitchFamily="34" charset="-128"/>
+              </a:defRPr>
+            </a:lvl3pPr>
+            <a:lvl4pPr>
+              <a:defRPr sz="2400" b="1">
+                <a:solidFill>
+                  <a:schemeClr val="tx1"/>
+                </a:solidFill>
+                <a:latin typeface="Times" panose="02020603050405020304" pitchFamily="18" charset="0"/>
+                <a:ea typeface="MS PGothic" panose="020B0600070205080204" pitchFamily="34" charset="-128"/>
+              </a:defRPr>
+            </a:lvl4pPr>
+            <a:lvl5pPr>
+              <a:defRPr sz="2400" b="1">
+                <a:solidFill>
+                  <a:schemeClr val="tx1"/>
+                </a:solidFill>
+                <a:latin typeface="Times" panose="02020603050405020304" pitchFamily="18" charset="0"/>
+                <a:ea typeface="MS PGothic" panose="020B0600070205080204" pitchFamily="34" charset="-128"/>
+              </a:defRPr>
+            </a:lvl5pPr>
+            <a:lvl6pPr marL="457200" eaLnBrk="0" fontAlgn="base" hangingPunct="0">
+              <a:spcBef>
+                <a:spcPct val="0"/>
+              </a:spcBef>
+              <a:spcAft>
+                <a:spcPct val="0"/>
+              </a:spcAft>
+              <a:defRPr sz="2400" b="1">
+                <a:solidFill>
+                  <a:schemeClr val="tx1"/>
+                </a:solidFill>
+                <a:latin typeface="Times" panose="02020603050405020304" pitchFamily="18" charset="0"/>
+                <a:ea typeface="MS PGothic" panose="020B0600070205080204" pitchFamily="34" charset="-128"/>
+              </a:defRPr>
+            </a:lvl6pPr>
+            <a:lvl7pPr marL="914400" eaLnBrk="0" fontAlgn="base" hangingPunct="0">
+              <a:spcBef>
+                <a:spcPct val="0"/>
+              </a:spcBef>
+              <a:spcAft>
+                <a:spcPct val="0"/>
+              </a:spcAft>
+              <a:defRPr sz="2400" b="1">
+                <a:solidFill>
+                  <a:schemeClr val="tx1"/>
+                </a:solidFill>
+                <a:latin typeface="Times" panose="02020603050405020304" pitchFamily="18" charset="0"/>
+                <a:ea typeface="MS PGothic" panose="020B0600070205080204" pitchFamily="34" charset="-128"/>
+              </a:defRPr>
+            </a:lvl7pPr>
+            <a:lvl8pPr marL="1371600" eaLnBrk="0" fontAlgn="base" hangingPunct="0">
+              <a:spcBef>
+                <a:spcPct val="0"/>
+              </a:spcBef>
+              <a:spcAft>
+                <a:spcPct val="0"/>
+              </a:spcAft>
+              <a:defRPr sz="2400" b="1">
+                <a:solidFill>
+                  <a:schemeClr val="tx1"/>
+                </a:solidFill>
+                <a:latin typeface="Times" panose="02020603050405020304" pitchFamily="18" charset="0"/>
+                <a:ea typeface="MS PGothic" panose="020B0600070205080204" pitchFamily="34" charset="-128"/>
+              </a:defRPr>
+            </a:lvl8pPr>
+            <a:lvl9pPr marL="1828800" eaLnBrk="0" fontAlgn="base" hangingPunct="0">
+              <a:spcBef>
+                <a:spcPct val="0"/>
+              </a:spcBef>
+              <a:spcAft>
+                <a:spcPct val="0"/>
+              </a:spcAft>
+              <a:defRPr sz="2400" b="1">
+                <a:solidFill>
+                  <a:schemeClr val="tx1"/>
+                </a:solidFill>
+                <a:latin typeface="Times" panose="02020603050405020304" pitchFamily="18" charset="0"/>
+                <a:ea typeface="MS PGothic" panose="020B0600070205080204" pitchFamily="34" charset="-128"/>
+              </a:defRPr>
+            </a:lvl9pPr>
+          </a:lstStyle>
+          <a:p>
+            <a:pPr algn="ctr"/>
+            <a:r>
+              <a:rPr lang="de-DE" altLang="en-US" sz="800"/>
+              <a:t>Unit</a:t>
+            </a:r>
+            <a:br>
+              <a:rPr lang="de-DE" altLang="en-US" sz="800"/>
+            </a:br>
+            <a:r>
+              <a:rPr lang="de-DE" altLang="en-US" sz="800"/>
+              <a:t>Testing</a:t>
+            </a:r>
+          </a:p>
+        </p:txBody>
+      </p:sp>
+      <p:sp>
+        <p:nvSpPr>
+          <p:cNvPr id="57349" name="AutoShape 7"/>
+          <p:cNvSpPr>
+            <a:spLocks noChangeArrowheads="1"/>
+          </p:cNvSpPr>
+          <p:nvPr/>
+        </p:nvSpPr>
+        <p:spPr bwMode="auto">
+          <a:xfrm>
+            <a:off x="9920288" y="304800"/>
+            <a:ext cx="519112" cy="457200"/>
+          </a:xfrm>
+          <a:prstGeom prst="roundRect">
+            <a:avLst>
+              <a:gd name="adj" fmla="val 16667"/>
+            </a:avLst>
+          </a:prstGeom>
+          <a:solidFill>
+            <a:schemeClr val="bg1"/>
+          </a:solidFill>
+          <a:ln w="12700">
+            <a:solidFill>
+              <a:schemeClr val="tx1"/>
+            </a:solidFill>
+            <a:round/>
+            <a:headEnd/>
+            <a:tailEnd/>
+          </a:ln>
+        </p:spPr>
+        <p:txBody>
+          <a:bodyPr wrap="none" anchor="ctr"/>
+          <a:lstStyle>
+            <a:lvl1pPr>
+              <a:defRPr sz="2400" b="1">
+                <a:solidFill>
+                  <a:schemeClr val="tx1"/>
+                </a:solidFill>
+                <a:latin typeface="Times" panose="02020603050405020304" pitchFamily="18" charset="0"/>
+                <a:ea typeface="MS PGothic" panose="020B0600070205080204" pitchFamily="34" charset="-128"/>
+              </a:defRPr>
+            </a:lvl1pPr>
+            <a:lvl2pPr marL="37931725" indent="-37474525">
+              <a:defRPr sz="2400" b="1">
+                <a:solidFill>
+                  <a:schemeClr val="tx1"/>
+                </a:solidFill>
+                <a:latin typeface="Times" panose="02020603050405020304" pitchFamily="18" charset="0"/>
+                <a:ea typeface="MS PGothic" panose="020B0600070205080204" pitchFamily="34" charset="-128"/>
+              </a:defRPr>
+            </a:lvl2pPr>
+            <a:lvl3pPr>
+              <a:defRPr sz="2400" b="1">
+                <a:solidFill>
+                  <a:schemeClr val="tx1"/>
+                </a:solidFill>
+                <a:latin typeface="Times" panose="02020603050405020304" pitchFamily="18" charset="0"/>
+                <a:ea typeface="MS PGothic" panose="020B0600070205080204" pitchFamily="34" charset="-128"/>
+              </a:defRPr>
+            </a:lvl3pPr>
+            <a:lvl4pPr>
+              <a:defRPr sz="2400" b="1">
+                <a:solidFill>
+                  <a:schemeClr val="tx1"/>
+                </a:solidFill>
+                <a:latin typeface="Times" panose="02020603050405020304" pitchFamily="18" charset="0"/>
+                <a:ea typeface="MS PGothic" panose="020B0600070205080204" pitchFamily="34" charset="-128"/>
+              </a:defRPr>
+            </a:lvl4pPr>
+            <a:lvl5pPr>
+              <a:defRPr sz="2400" b="1">
+                <a:solidFill>
+                  <a:schemeClr val="tx1"/>
+                </a:solidFill>
+                <a:latin typeface="Times" panose="02020603050405020304" pitchFamily="18" charset="0"/>
+                <a:ea typeface="MS PGothic" panose="020B0600070205080204" pitchFamily="34" charset="-128"/>
+              </a:defRPr>
+            </a:lvl5pPr>
+            <a:lvl6pPr marL="457200" eaLnBrk="0" fontAlgn="base" hangingPunct="0">
+              <a:spcBef>
+                <a:spcPct val="0"/>
+              </a:spcBef>
+              <a:spcAft>
+                <a:spcPct val="0"/>
+              </a:spcAft>
+              <a:defRPr sz="2400" b="1">
+                <a:solidFill>
+                  <a:schemeClr val="tx1"/>
+                </a:solidFill>
+                <a:latin typeface="Times" panose="02020603050405020304" pitchFamily="18" charset="0"/>
+                <a:ea typeface="MS PGothic" panose="020B0600070205080204" pitchFamily="34" charset="-128"/>
+              </a:defRPr>
+            </a:lvl6pPr>
+            <a:lvl7pPr marL="914400" eaLnBrk="0" fontAlgn="base" hangingPunct="0">
+              <a:spcBef>
+                <a:spcPct val="0"/>
+              </a:spcBef>
+              <a:spcAft>
+                <a:spcPct val="0"/>
+              </a:spcAft>
+              <a:defRPr sz="2400" b="1">
+                <a:solidFill>
+                  <a:schemeClr val="tx1"/>
+                </a:solidFill>
+                <a:latin typeface="Times" panose="02020603050405020304" pitchFamily="18" charset="0"/>
+                <a:ea typeface="MS PGothic" panose="020B0600070205080204" pitchFamily="34" charset="-128"/>
+              </a:defRPr>
+            </a:lvl7pPr>
+            <a:lvl8pPr marL="1371600" eaLnBrk="0" fontAlgn="base" hangingPunct="0">
+              <a:spcBef>
+                <a:spcPct val="0"/>
+              </a:spcBef>
+              <a:spcAft>
+                <a:spcPct val="0"/>
+              </a:spcAft>
+              <a:defRPr sz="2400" b="1">
+                <a:solidFill>
+                  <a:schemeClr val="tx1"/>
+                </a:solidFill>
+                <a:latin typeface="Times" panose="02020603050405020304" pitchFamily="18" charset="0"/>
+                <a:ea typeface="MS PGothic" panose="020B0600070205080204" pitchFamily="34" charset="-128"/>
+              </a:defRPr>
+            </a:lvl8pPr>
+            <a:lvl9pPr marL="1828800" eaLnBrk="0" fontAlgn="base" hangingPunct="0">
+              <a:spcBef>
+                <a:spcPct val="0"/>
+              </a:spcBef>
+              <a:spcAft>
+                <a:spcPct val="0"/>
+              </a:spcAft>
+              <a:defRPr sz="2400" b="1">
+                <a:solidFill>
+                  <a:schemeClr val="tx1"/>
+                </a:solidFill>
+                <a:latin typeface="Times" panose="02020603050405020304" pitchFamily="18" charset="0"/>
+                <a:ea typeface="MS PGothic" panose="020B0600070205080204" pitchFamily="34" charset="-128"/>
+              </a:defRPr>
+            </a:lvl9pPr>
+          </a:lstStyle>
+          <a:p>
+            <a:pPr algn="ctr"/>
+            <a:r>
+              <a:rPr lang="de-DE" altLang="en-US" sz="800"/>
+              <a:t>Acceptance</a:t>
+            </a:r>
+            <a:br>
+              <a:rPr lang="de-DE" altLang="en-US" sz="800"/>
+            </a:br>
+            <a:r>
+              <a:rPr lang="de-DE" altLang="en-US" sz="800"/>
+              <a:t>Testing</a:t>
+            </a:r>
+          </a:p>
+        </p:txBody>
+      </p:sp>
+      <p:sp>
+        <p:nvSpPr>
+          <p:cNvPr id="40968" name="AutoShape 8"/>
+          <p:cNvSpPr>
+            <a:spLocks noChangeArrowheads="1"/>
+          </p:cNvSpPr>
+          <p:nvPr/>
+        </p:nvSpPr>
+        <p:spPr bwMode="auto">
+          <a:xfrm>
+            <a:off x="8234363" y="304800"/>
+            <a:ext cx="519112" cy="457200"/>
+          </a:xfrm>
+          <a:prstGeom prst="roundRect">
+            <a:avLst>
+              <a:gd name="adj" fmla="val 16667"/>
+            </a:avLst>
+          </a:prstGeom>
+          <a:solidFill>
+            <a:schemeClr val="bg1"/>
+          </a:solidFill>
+          <a:ln w="12700">
+            <a:solidFill>
+              <a:schemeClr val="tx1"/>
+            </a:solidFill>
+            <a:round/>
+            <a:headEnd/>
+            <a:tailEnd/>
+          </a:ln>
+        </p:spPr>
+        <p:txBody>
+          <a:bodyPr wrap="none" anchor="ctr"/>
+          <a:lstStyle>
+            <a:lvl1pPr>
+              <a:defRPr sz="2400" b="1">
+                <a:solidFill>
+                  <a:schemeClr val="tx1"/>
+                </a:solidFill>
+                <a:latin typeface="Times" panose="02020603050405020304" pitchFamily="18" charset="0"/>
+                <a:ea typeface="MS PGothic" panose="020B0600070205080204" pitchFamily="34" charset="-128"/>
+              </a:defRPr>
+            </a:lvl1pPr>
+            <a:lvl2pPr marL="37931725" indent="-37474525">
+              <a:defRPr sz="2400" b="1">
+                <a:solidFill>
+                  <a:schemeClr val="tx1"/>
+                </a:solidFill>
+                <a:latin typeface="Times" panose="02020603050405020304" pitchFamily="18" charset="0"/>
+                <a:ea typeface="MS PGothic" panose="020B0600070205080204" pitchFamily="34" charset="-128"/>
+              </a:defRPr>
+            </a:lvl2pPr>
+            <a:lvl3pPr>
+              <a:defRPr sz="2400" b="1">
+                <a:solidFill>
+                  <a:schemeClr val="tx1"/>
+                </a:solidFill>
+                <a:latin typeface="Times" panose="02020603050405020304" pitchFamily="18" charset="0"/>
+                <a:ea typeface="MS PGothic" panose="020B0600070205080204" pitchFamily="34" charset="-128"/>
+              </a:defRPr>
+            </a:lvl3pPr>
+            <a:lvl4pPr>
+              <a:defRPr sz="2400" b="1">
+                <a:solidFill>
+                  <a:schemeClr val="tx1"/>
+                </a:solidFill>
+                <a:latin typeface="Times" panose="02020603050405020304" pitchFamily="18" charset="0"/>
+                <a:ea typeface="MS PGothic" panose="020B0600070205080204" pitchFamily="34" charset="-128"/>
+              </a:defRPr>
+            </a:lvl4pPr>
+            <a:lvl5pPr>
+              <a:defRPr sz="2400" b="1">
+                <a:solidFill>
+                  <a:schemeClr val="tx1"/>
+                </a:solidFill>
+                <a:latin typeface="Times" panose="02020603050405020304" pitchFamily="18" charset="0"/>
+                <a:ea typeface="MS PGothic" panose="020B0600070205080204" pitchFamily="34" charset="-128"/>
+              </a:defRPr>
+            </a:lvl5pPr>
+            <a:lvl6pPr marL="457200" eaLnBrk="0" fontAlgn="base" hangingPunct="0">
+              <a:spcBef>
+                <a:spcPct val="0"/>
+              </a:spcBef>
+              <a:spcAft>
+                <a:spcPct val="0"/>
+              </a:spcAft>
+              <a:defRPr sz="2400" b="1">
+                <a:solidFill>
+                  <a:schemeClr val="tx1"/>
+                </a:solidFill>
+                <a:latin typeface="Times" panose="02020603050405020304" pitchFamily="18" charset="0"/>
+                <a:ea typeface="MS PGothic" panose="020B0600070205080204" pitchFamily="34" charset="-128"/>
+              </a:defRPr>
+            </a:lvl6pPr>
+            <a:lvl7pPr marL="914400" eaLnBrk="0" fontAlgn="base" hangingPunct="0">
+              <a:spcBef>
+                <a:spcPct val="0"/>
+              </a:spcBef>
+              <a:spcAft>
+                <a:spcPct val="0"/>
+              </a:spcAft>
+              <a:defRPr sz="2400" b="1">
+                <a:solidFill>
+                  <a:schemeClr val="tx1"/>
+                </a:solidFill>
+                <a:latin typeface="Times" panose="02020603050405020304" pitchFamily="18" charset="0"/>
+                <a:ea typeface="MS PGothic" panose="020B0600070205080204" pitchFamily="34" charset="-128"/>
+              </a:defRPr>
+            </a:lvl7pPr>
+            <a:lvl8pPr marL="1371600" eaLnBrk="0" fontAlgn="base" hangingPunct="0">
+              <a:spcBef>
+                <a:spcPct val="0"/>
+              </a:spcBef>
+              <a:spcAft>
+                <a:spcPct val="0"/>
+              </a:spcAft>
+              <a:defRPr sz="2400" b="1">
+                <a:solidFill>
+                  <a:schemeClr val="tx1"/>
+                </a:solidFill>
+                <a:latin typeface="Times" panose="02020603050405020304" pitchFamily="18" charset="0"/>
+                <a:ea typeface="MS PGothic" panose="020B0600070205080204" pitchFamily="34" charset="-128"/>
+              </a:defRPr>
+            </a:lvl8pPr>
+            <a:lvl9pPr marL="1828800" eaLnBrk="0" fontAlgn="base" hangingPunct="0">
+              <a:spcBef>
+                <a:spcPct val="0"/>
+              </a:spcBef>
+              <a:spcAft>
+                <a:spcPct val="0"/>
+              </a:spcAft>
+              <a:defRPr sz="2400" b="1">
+                <a:solidFill>
+                  <a:schemeClr val="tx1"/>
+                </a:solidFill>
+                <a:latin typeface="Times" panose="02020603050405020304" pitchFamily="18" charset="0"/>
+                <a:ea typeface="MS PGothic" panose="020B0600070205080204" pitchFamily="34" charset="-128"/>
+              </a:defRPr>
+            </a:lvl9pPr>
+          </a:lstStyle>
+          <a:p>
+            <a:pPr algn="ctr"/>
+            <a:r>
+              <a:rPr lang="de-DE" altLang="en-US" sz="800"/>
+              <a:t>Integration</a:t>
+            </a:r>
+            <a:br>
+              <a:rPr lang="de-DE" altLang="en-US" sz="800"/>
+            </a:br>
+            <a:r>
+              <a:rPr lang="de-DE" altLang="en-US" sz="800"/>
+              <a:t>Testing</a:t>
+            </a:r>
+          </a:p>
+        </p:txBody>
+      </p:sp>
+      <p:sp>
+        <p:nvSpPr>
+          <p:cNvPr id="57351" name="AutoShape 9"/>
+          <p:cNvSpPr>
+            <a:spLocks noChangeArrowheads="1"/>
+          </p:cNvSpPr>
+          <p:nvPr/>
+        </p:nvSpPr>
+        <p:spPr bwMode="auto">
+          <a:xfrm>
+            <a:off x="9077326" y="304800"/>
+            <a:ext cx="519113" cy="457200"/>
+          </a:xfrm>
+          <a:prstGeom prst="roundRect">
+            <a:avLst>
+              <a:gd name="adj" fmla="val 16667"/>
+            </a:avLst>
+          </a:prstGeom>
+          <a:solidFill>
+            <a:schemeClr val="bg1"/>
+          </a:solidFill>
+          <a:ln w="12700">
+            <a:solidFill>
+              <a:schemeClr val="tx1"/>
+            </a:solidFill>
+            <a:round/>
+            <a:headEnd/>
+            <a:tailEnd/>
+          </a:ln>
+        </p:spPr>
+        <p:txBody>
+          <a:bodyPr wrap="none" anchor="ctr"/>
+          <a:lstStyle>
+            <a:lvl1pPr>
+              <a:defRPr sz="2400" b="1">
+                <a:solidFill>
+                  <a:schemeClr val="tx1"/>
+                </a:solidFill>
+                <a:latin typeface="Times" panose="02020603050405020304" pitchFamily="18" charset="0"/>
+                <a:ea typeface="MS PGothic" panose="020B0600070205080204" pitchFamily="34" charset="-128"/>
+              </a:defRPr>
+            </a:lvl1pPr>
+            <a:lvl2pPr marL="37931725" indent="-37474525">
+              <a:defRPr sz="2400" b="1">
+                <a:solidFill>
+                  <a:schemeClr val="tx1"/>
+                </a:solidFill>
+                <a:latin typeface="Times" panose="02020603050405020304" pitchFamily="18" charset="0"/>
+                <a:ea typeface="MS PGothic" panose="020B0600070205080204" pitchFamily="34" charset="-128"/>
+              </a:defRPr>
+            </a:lvl2pPr>
+            <a:lvl3pPr>
+              <a:defRPr sz="2400" b="1">
+                <a:solidFill>
+                  <a:schemeClr val="tx1"/>
+                </a:solidFill>
+                <a:latin typeface="Times" panose="02020603050405020304" pitchFamily="18" charset="0"/>
+                <a:ea typeface="MS PGothic" panose="020B0600070205080204" pitchFamily="34" charset="-128"/>
+              </a:defRPr>
+            </a:lvl3pPr>
+            <a:lvl4pPr>
+              <a:defRPr sz="2400" b="1">
+                <a:solidFill>
+                  <a:schemeClr val="tx1"/>
+                </a:solidFill>
+                <a:latin typeface="Times" panose="02020603050405020304" pitchFamily="18" charset="0"/>
+                <a:ea typeface="MS PGothic" panose="020B0600070205080204" pitchFamily="34" charset="-128"/>
+              </a:defRPr>
+            </a:lvl4pPr>
+            <a:lvl5pPr>
+              <a:defRPr sz="2400" b="1">
+                <a:solidFill>
+                  <a:schemeClr val="tx1"/>
+                </a:solidFill>
+                <a:latin typeface="Times" panose="02020603050405020304" pitchFamily="18" charset="0"/>
+                <a:ea typeface="MS PGothic" panose="020B0600070205080204" pitchFamily="34" charset="-128"/>
+              </a:defRPr>
+            </a:lvl5pPr>
+            <a:lvl6pPr marL="457200" eaLnBrk="0" fontAlgn="base" hangingPunct="0">
+              <a:spcBef>
+                <a:spcPct val="0"/>
+              </a:spcBef>
+              <a:spcAft>
+                <a:spcPct val="0"/>
+              </a:spcAft>
+              <a:defRPr sz="2400" b="1">
+                <a:solidFill>
+                  <a:schemeClr val="tx1"/>
+                </a:solidFill>
+                <a:latin typeface="Times" panose="02020603050405020304" pitchFamily="18" charset="0"/>
+                <a:ea typeface="MS PGothic" panose="020B0600070205080204" pitchFamily="34" charset="-128"/>
+              </a:defRPr>
+            </a:lvl6pPr>
+            <a:lvl7pPr marL="914400" eaLnBrk="0" fontAlgn="base" hangingPunct="0">
+              <a:spcBef>
+                <a:spcPct val="0"/>
+              </a:spcBef>
+              <a:spcAft>
+                <a:spcPct val="0"/>
+              </a:spcAft>
+              <a:defRPr sz="2400" b="1">
+                <a:solidFill>
+                  <a:schemeClr val="tx1"/>
+                </a:solidFill>
+                <a:latin typeface="Times" panose="02020603050405020304" pitchFamily="18" charset="0"/>
+                <a:ea typeface="MS PGothic" panose="020B0600070205080204" pitchFamily="34" charset="-128"/>
+              </a:defRPr>
+            </a:lvl7pPr>
+            <a:lvl8pPr marL="1371600" eaLnBrk="0" fontAlgn="base" hangingPunct="0">
+              <a:spcBef>
+                <a:spcPct val="0"/>
+              </a:spcBef>
+              <a:spcAft>
+                <a:spcPct val="0"/>
+              </a:spcAft>
+              <a:defRPr sz="2400" b="1">
+                <a:solidFill>
+                  <a:schemeClr val="tx1"/>
+                </a:solidFill>
+                <a:latin typeface="Times" panose="02020603050405020304" pitchFamily="18" charset="0"/>
+                <a:ea typeface="MS PGothic" panose="020B0600070205080204" pitchFamily="34" charset="-128"/>
+              </a:defRPr>
+            </a:lvl8pPr>
+            <a:lvl9pPr marL="1828800" eaLnBrk="0" fontAlgn="base" hangingPunct="0">
+              <a:spcBef>
+                <a:spcPct val="0"/>
+              </a:spcBef>
+              <a:spcAft>
+                <a:spcPct val="0"/>
+              </a:spcAft>
+              <a:defRPr sz="2400" b="1">
+                <a:solidFill>
+                  <a:schemeClr val="tx1"/>
+                </a:solidFill>
+                <a:latin typeface="Times" panose="02020603050405020304" pitchFamily="18" charset="0"/>
+                <a:ea typeface="MS PGothic" panose="020B0600070205080204" pitchFamily="34" charset="-128"/>
+              </a:defRPr>
+            </a:lvl9pPr>
+          </a:lstStyle>
+          <a:p>
+            <a:pPr algn="ctr"/>
+            <a:r>
+              <a:rPr lang="de-DE" altLang="en-US" sz="800"/>
+              <a:t>System</a:t>
+            </a:r>
+            <a:br>
+              <a:rPr lang="de-DE" altLang="en-US" sz="800"/>
+            </a:br>
+            <a:r>
+              <a:rPr lang="de-DE" altLang="en-US" sz="800"/>
+              <a:t>Testing</a:t>
+            </a:r>
+          </a:p>
+        </p:txBody>
+      </p:sp>
+      <p:cxnSp>
+        <p:nvCxnSpPr>
+          <p:cNvPr id="57352" name="AutoShape 10"/>
+          <p:cNvCxnSpPr>
+            <a:cxnSpLocks noChangeShapeType="1"/>
+          </p:cNvCxnSpPr>
+          <p:nvPr/>
+        </p:nvCxnSpPr>
+        <p:spPr bwMode="auto">
+          <a:xfrm>
+            <a:off x="9594850" y="533400"/>
+            <a:ext cx="323850" cy="0"/>
+          </a:xfrm>
+          <a:prstGeom prst="straightConnector1">
+            <a:avLst/>
+          </a:prstGeom>
+          <a:noFill/>
+          <a:ln w="25400">
+            <a:solidFill>
+              <a:schemeClr val="tx1"/>
+            </a:solidFill>
+            <a:round/>
+            <a:headEnd/>
+            <a:tailEnd type="arrow" w="med" len="med"/>
+          </a:ln>
+          <a:extLst>
+            <a:ext uri="{909E8E84-426E-40DD-AFC4-6F175D3DCCD1}">
+              <a14:hiddenFill xmlns:a14="http://schemas.microsoft.com/office/drawing/2010/main">
+                <a:noFill/>
+              </a14:hiddenFill>
+            </a:ext>
+          </a:extLst>
+        </p:spPr>
+      </p:cxnSp>
+      <p:cxnSp>
+        <p:nvCxnSpPr>
+          <p:cNvPr id="57353" name="AutoShape 11"/>
+          <p:cNvCxnSpPr>
+            <a:cxnSpLocks noChangeShapeType="1"/>
+          </p:cNvCxnSpPr>
+          <p:nvPr/>
+        </p:nvCxnSpPr>
+        <p:spPr bwMode="auto">
+          <a:xfrm>
+            <a:off x="8751888" y="533400"/>
+            <a:ext cx="323850" cy="0"/>
+          </a:xfrm>
+          <a:prstGeom prst="straightConnector1">
+            <a:avLst/>
+          </a:prstGeom>
+          <a:noFill/>
+          <a:ln w="25400">
+            <a:solidFill>
+              <a:schemeClr val="tx1"/>
+            </a:solidFill>
+            <a:round/>
+            <a:headEnd/>
+            <a:tailEnd type="arrow" w="med" len="med"/>
+          </a:ln>
+          <a:extLst>
+            <a:ext uri="{909E8E84-426E-40DD-AFC4-6F175D3DCCD1}">
+              <a14:hiddenFill xmlns:a14="http://schemas.microsoft.com/office/drawing/2010/main">
+                <a:noFill/>
+              </a14:hiddenFill>
+            </a:ext>
+          </a:extLst>
+        </p:spPr>
+      </p:cxnSp>
+      <p:cxnSp>
+        <p:nvCxnSpPr>
+          <p:cNvPr id="57354" name="AutoShape 12"/>
+          <p:cNvCxnSpPr>
+            <a:cxnSpLocks noChangeShapeType="1"/>
+            <a:stCxn id="40966" idx="3"/>
+            <a:endCxn id="40968" idx="1"/>
+          </p:cNvCxnSpPr>
+          <p:nvPr/>
+        </p:nvCxnSpPr>
+        <p:spPr bwMode="auto">
+          <a:xfrm>
+            <a:off x="7910513" y="533400"/>
+            <a:ext cx="323850" cy="0"/>
+          </a:xfrm>
+          <a:prstGeom prst="straightConnector1">
+            <a:avLst/>
+          </a:prstGeom>
+          <a:noFill/>
+          <a:ln w="25400">
+            <a:solidFill>
+              <a:schemeClr val="tx1"/>
+            </a:solidFill>
+            <a:round/>
+            <a:headEnd/>
+            <a:tailEnd type="arrow" w="med" len="med"/>
+          </a:ln>
+          <a:extLst>
+            <a:ext uri="{909E8E84-426E-40DD-AFC4-6F175D3DCCD1}">
+              <a14:hiddenFill xmlns:a14="http://schemas.microsoft.com/office/drawing/2010/main">
+                <a:noFill/>
+              </a14:hiddenFill>
+            </a:ext>
+          </a:extLst>
+        </p:spPr>
+      </p:cxnSp>
+    </p:spTree>
+    <p:extLst>
+      <p:ext uri="{BB962C8B-B14F-4D97-AF65-F5344CB8AC3E}">
+        <p14:creationId xmlns:p14="http://schemas.microsoft.com/office/powerpoint/2010/main" val="1530561319"/>
+      </p:ext>
+    </p:extLst>
+  </p:cSld>
+  <p:clrMapOvr>
+    <a:masterClrMapping/>
+  </p:clrMapOvr>
+  <p:transition/>
+  <p:timing>
+    <p:tnLst>
+      <p:par>
+        <p:cTn id="1" dur="indefinite" restart="never" nodeType="tmRoot">
+          <p:childTnLst>
+            <p:seq concurrent="1" nextAc="seek">
+              <p:cTn id="2" dur="indefinite" nodeType="mainSeq">
+                <p:childTnLst>
+                  <p:par>
+                    <p:cTn id="3" fill="hold" nodeType="clickPar">
+                      <p:stCondLst>
+                        <p:cond delay="indefinite"/>
+                      </p:stCondLst>
+                      <p:childTnLst>
+                        <p:par>
+                          <p:cTn id="4" fill="hold" nodeType="withGroup">
+                            <p:stCondLst>
+                              <p:cond delay="0"/>
+                            </p:stCondLst>
+                            <p:childTnLst>
+                              <p:par>
+                                <p:cTn id="5" presetID="1" presetClass="entr" presetSubtype="0" fill="hold" grpId="0" nodeType="clickEffect">
+                                  <p:stCondLst>
+                                    <p:cond delay="0"/>
+                                  </p:stCondLst>
+                                  <p:childTnLst>
+                                    <p:set>
+                                      <p:cBhvr>
+                                        <p:cTn id="6" dur="1" fill="hold">
+                                          <p:stCondLst>
+                                            <p:cond delay="499"/>
+                                          </p:stCondLst>
+                                        </p:cTn>
+                                        <p:tgtEl>
+                                          <p:spTgt spid="40965">
+                                            <p:txEl>
+                                              <p:pRg st="0" end="0"/>
+                                            </p:txEl>
+                                          </p:spTgt>
+                                        </p:tgtEl>
+                                        <p:attrNameLst>
+                                          <p:attrName>style.visibility</p:attrName>
+                                        </p:attrNameLst>
+                                      </p:cBhvr>
+                                      <p:to>
+                                        <p:strVal val="visible"/>
+                                      </p:to>
+                                    </p:set>
+                                  </p:childTnLst>
+                                </p:cTn>
+                              </p:par>
+                              <p:par>
+                                <p:cTn id="7" presetID="1" presetClass="entr" presetSubtype="0" fill="hold" grpId="0" nodeType="withEffect">
+                                  <p:stCondLst>
+                                    <p:cond delay="0"/>
+                                  </p:stCondLst>
+                                  <p:childTnLst>
+                                    <p:set>
+                                      <p:cBhvr>
+                                        <p:cTn id="8" dur="1" fill="hold">
+                                          <p:stCondLst>
+                                            <p:cond delay="499"/>
+                                          </p:stCondLst>
+                                        </p:cTn>
+                                        <p:tgtEl>
+                                          <p:spTgt spid="40965">
+                                            <p:txEl>
+                                              <p:pRg st="1" end="1"/>
+                                            </p:txEl>
+                                          </p:spTgt>
+                                        </p:tgtEl>
+                                        <p:attrNameLst>
+                                          <p:attrName>style.visibility</p:attrName>
+                                        </p:attrNameLst>
+                                      </p:cBhvr>
+                                      <p:to>
+                                        <p:strVal val="visible"/>
+                                      </p:to>
+                                    </p:set>
+                                  </p:childTnLst>
+                                </p:cTn>
+                              </p:par>
+                              <p:par>
+                                <p:cTn id="9" presetID="1" presetClass="entr" presetSubtype="0" fill="hold" grpId="0" nodeType="withEffect">
+                                  <p:stCondLst>
+                                    <p:cond delay="0"/>
+                                  </p:stCondLst>
+                                  <p:childTnLst>
+                                    <p:set>
+                                      <p:cBhvr>
+                                        <p:cTn id="10" dur="1" fill="hold">
+                                          <p:stCondLst>
+                                            <p:cond delay="499"/>
+                                          </p:stCondLst>
+                                        </p:cTn>
+                                        <p:tgtEl>
+                                          <p:spTgt spid="40965">
+                                            <p:txEl>
+                                              <p:pRg st="2" end="2"/>
+                                            </p:txEl>
+                                          </p:spTgt>
+                                        </p:tgtEl>
+                                        <p:attrNameLst>
+                                          <p:attrName>style.visibility</p:attrName>
+                                        </p:attrNameLst>
+                                      </p:cBhvr>
+                                      <p:to>
+                                        <p:strVal val="visible"/>
+                                      </p:to>
+                                    </p:set>
+                                  </p:childTnLst>
+                                </p:cTn>
+                              </p:par>
+                              <p:par>
+                                <p:cTn id="11" presetID="1" presetClass="entr" presetSubtype="0" fill="hold" grpId="0" nodeType="withEffect">
+                                  <p:stCondLst>
+                                    <p:cond delay="0"/>
+                                  </p:stCondLst>
+                                  <p:childTnLst>
+                                    <p:set>
+                                      <p:cBhvr>
+                                        <p:cTn id="12" dur="1" fill="hold">
+                                          <p:stCondLst>
+                                            <p:cond delay="499"/>
+                                          </p:stCondLst>
+                                        </p:cTn>
+                                        <p:tgtEl>
+                                          <p:spTgt spid="40965">
+                                            <p:txEl>
+                                              <p:pRg st="3" end="3"/>
+                                            </p:txEl>
+                                          </p:spTgt>
+                                        </p:tgtEl>
+                                        <p:attrNameLst>
+                                          <p:attrName>style.visibility</p:attrName>
+                                        </p:attrNameLst>
+                                      </p:cBhvr>
+                                      <p:to>
+                                        <p:strVal val="visible"/>
+                                      </p:to>
+                                    </p:set>
+                                  </p:childTnLst>
+                                </p:cTn>
+                              </p:par>
+                              <p:par>
+                                <p:cTn id="13" presetID="1" presetClass="emph" presetSubtype="2" fill="hold" nodeType="withEffect">
+                                  <p:stCondLst>
+                                    <p:cond delay="0"/>
+                                  </p:stCondLst>
+                                  <p:childTnLst>
+                                    <p:animClr clrSpc="rgb" dir="cw">
+                                      <p:cBhvr>
+                                        <p:cTn id="14" dur="2000" fill="hold"/>
+                                        <p:tgtEl>
+                                          <p:spTgt spid="40966"/>
+                                        </p:tgtEl>
+                                        <p:attrNameLst>
+                                          <p:attrName>fillcolor</p:attrName>
+                                        </p:attrNameLst>
+                                      </p:cBhvr>
+                                      <p:to>
+                                        <a:srgbClr val="0080FF"/>
+                                      </p:to>
+                                    </p:animClr>
+                                    <p:set>
+                                      <p:cBhvr>
+                                        <p:cTn id="15" dur="2000" fill="hold"/>
+                                        <p:tgtEl>
+                                          <p:spTgt spid="40966"/>
+                                        </p:tgtEl>
+                                        <p:attrNameLst>
+                                          <p:attrName>fill.type</p:attrName>
+                                        </p:attrNameLst>
+                                      </p:cBhvr>
+                                      <p:to>
+                                        <p:strVal val="solid"/>
+                                      </p:to>
+                                    </p:set>
+                                    <p:set>
+                                      <p:cBhvr>
+                                        <p:cTn id="16" dur="2000" fill="hold"/>
+                                        <p:tgtEl>
+                                          <p:spTgt spid="40966"/>
+                                        </p:tgtEl>
+                                        <p:attrNameLst>
+                                          <p:attrName>fill.on</p:attrName>
+                                        </p:attrNameLst>
+                                      </p:cBhvr>
+                                      <p:to>
+                                        <p:strVal val="true"/>
+                                      </p:to>
+                                    </p:set>
+                                  </p:childTnLst>
+                                </p:cTn>
+                              </p:par>
+                            </p:childTnLst>
+                          </p:cTn>
+                        </p:par>
+                      </p:childTnLst>
+                    </p:cTn>
+                  </p:par>
+                  <p:par>
+                    <p:cTn id="17" fill="hold" nodeType="clickPar">
+                      <p:stCondLst>
+                        <p:cond delay="indefinite"/>
+                      </p:stCondLst>
+                      <p:childTnLst>
+                        <p:par>
+                          <p:cTn id="18" fill="hold" nodeType="withGroup">
+                            <p:stCondLst>
+                              <p:cond delay="0"/>
+                            </p:stCondLst>
+                            <p:childTnLst>
+                              <p:par>
+                                <p:cTn id="19" presetID="1" presetClass="emph" presetSubtype="2" fill="hold" nodeType="clickEffect">
+                                  <p:stCondLst>
+                                    <p:cond delay="0"/>
+                                  </p:stCondLst>
+                                  <p:childTnLst>
+                                    <p:animClr clrSpc="rgb" dir="cw">
+                                      <p:cBhvr>
+                                        <p:cTn id="20" dur="2000" fill="hold"/>
+                                        <p:tgtEl>
+                                          <p:spTgt spid="40966"/>
+                                        </p:tgtEl>
+                                        <p:attrNameLst>
+                                          <p:attrName>fillcolor</p:attrName>
+                                        </p:attrNameLst>
+                                      </p:cBhvr>
+                                      <p:to>
+                                        <a:schemeClr val="bg1"/>
+                                      </p:to>
+                                    </p:animClr>
+                                    <p:set>
+                                      <p:cBhvr>
+                                        <p:cTn id="21" dur="2000" fill="hold"/>
+                                        <p:tgtEl>
+                                          <p:spTgt spid="40966"/>
+                                        </p:tgtEl>
+                                        <p:attrNameLst>
+                                          <p:attrName>fill.type</p:attrName>
+                                        </p:attrNameLst>
+                                      </p:cBhvr>
+                                      <p:to>
+                                        <p:strVal val="solid"/>
+                                      </p:to>
+                                    </p:set>
+                                    <p:set>
+                                      <p:cBhvr>
+                                        <p:cTn id="22" dur="2000" fill="hold"/>
+                                        <p:tgtEl>
+                                          <p:spTgt spid="40966"/>
+                                        </p:tgtEl>
+                                        <p:attrNameLst>
+                                          <p:attrName>fill.on</p:attrName>
+                                        </p:attrNameLst>
+                                      </p:cBhvr>
+                                      <p:to>
+                                        <p:strVal val="true"/>
+                                      </p:to>
+                                    </p:set>
+                                  </p:childTnLst>
+                                </p:cTn>
+                              </p:par>
+                              <p:par>
+                                <p:cTn id="23" presetID="1" presetClass="entr" presetSubtype="0" fill="hold" grpId="0" nodeType="withEffect">
+                                  <p:stCondLst>
+                                    <p:cond delay="0"/>
+                                  </p:stCondLst>
+                                  <p:childTnLst>
+                                    <p:set>
+                                      <p:cBhvr>
+                                        <p:cTn id="24" dur="1" fill="hold">
+                                          <p:stCondLst>
+                                            <p:cond delay="499"/>
+                                          </p:stCondLst>
+                                        </p:cTn>
+                                        <p:tgtEl>
+                                          <p:spTgt spid="40965">
+                                            <p:txEl>
+                                              <p:pRg st="4" end="4"/>
+                                            </p:txEl>
+                                          </p:spTgt>
+                                        </p:tgtEl>
+                                        <p:attrNameLst>
+                                          <p:attrName>style.visibility</p:attrName>
+                                        </p:attrNameLst>
+                                      </p:cBhvr>
+                                      <p:to>
+                                        <p:strVal val="visible"/>
+                                      </p:to>
+                                    </p:set>
+                                  </p:childTnLst>
+                                </p:cTn>
+                              </p:par>
+                              <p:par>
+                                <p:cTn id="25" presetID="1" presetClass="entr" presetSubtype="0" fill="hold" grpId="0" nodeType="withEffect">
+                                  <p:stCondLst>
+                                    <p:cond delay="0"/>
+                                  </p:stCondLst>
+                                  <p:childTnLst>
+                                    <p:set>
+                                      <p:cBhvr>
+                                        <p:cTn id="26" dur="1" fill="hold">
+                                          <p:stCondLst>
+                                            <p:cond delay="499"/>
+                                          </p:stCondLst>
+                                        </p:cTn>
+                                        <p:tgtEl>
+                                          <p:spTgt spid="40965">
+                                            <p:txEl>
+                                              <p:pRg st="5" end="5"/>
+                                            </p:txEl>
+                                          </p:spTgt>
+                                        </p:tgtEl>
+                                        <p:attrNameLst>
+                                          <p:attrName>style.visibility</p:attrName>
+                                        </p:attrNameLst>
+                                      </p:cBhvr>
+                                      <p:to>
+                                        <p:strVal val="visible"/>
+                                      </p:to>
+                                    </p:set>
+                                  </p:childTnLst>
+                                </p:cTn>
+                              </p:par>
+                              <p:par>
+                                <p:cTn id="27" presetID="1" presetClass="entr" presetSubtype="0" fill="hold" grpId="0" nodeType="withEffect">
+                                  <p:stCondLst>
+                                    <p:cond delay="0"/>
+                                  </p:stCondLst>
+                                  <p:childTnLst>
+                                    <p:set>
+                                      <p:cBhvr>
+                                        <p:cTn id="28" dur="1" fill="hold">
+                                          <p:stCondLst>
+                                            <p:cond delay="499"/>
+                                          </p:stCondLst>
+                                        </p:cTn>
+                                        <p:tgtEl>
+                                          <p:spTgt spid="40965">
+                                            <p:txEl>
+                                              <p:pRg st="6" end="6"/>
+                                            </p:txEl>
+                                          </p:spTgt>
+                                        </p:tgtEl>
+                                        <p:attrNameLst>
+                                          <p:attrName>style.visibility</p:attrName>
+                                        </p:attrNameLst>
+                                      </p:cBhvr>
+                                      <p:to>
+                                        <p:strVal val="visible"/>
+                                      </p:to>
+                                    </p:set>
+                                  </p:childTnLst>
+                                </p:cTn>
+                              </p:par>
+                              <p:par>
+                                <p:cTn id="29" presetID="1" presetClass="entr" presetSubtype="0" fill="hold" grpId="0" nodeType="withEffect">
+                                  <p:stCondLst>
+                                    <p:cond delay="0"/>
+                                  </p:stCondLst>
+                                  <p:childTnLst>
+                                    <p:set>
+                                      <p:cBhvr>
+                                        <p:cTn id="30" dur="1" fill="hold">
+                                          <p:stCondLst>
+                                            <p:cond delay="499"/>
+                                          </p:stCondLst>
+                                        </p:cTn>
+                                        <p:tgtEl>
+                                          <p:spTgt spid="40965">
+                                            <p:txEl>
+                                              <p:pRg st="7" end="7"/>
+                                            </p:txEl>
+                                          </p:spTgt>
+                                        </p:tgtEl>
+                                        <p:attrNameLst>
+                                          <p:attrName>style.visibility</p:attrName>
+                                        </p:attrNameLst>
+                                      </p:cBhvr>
+                                      <p:to>
+                                        <p:strVal val="visible"/>
+                                      </p:to>
+                                    </p:set>
+                                  </p:childTnLst>
+                                </p:cTn>
+                              </p:par>
+                              <p:par>
+                                <p:cTn id="31" presetID="1" presetClass="emph" presetSubtype="2" fill="hold" nodeType="withEffect">
+                                  <p:stCondLst>
+                                    <p:cond delay="0"/>
+                                  </p:stCondLst>
+                                  <p:childTnLst>
+                                    <p:animClr clrSpc="rgb" dir="cw">
+                                      <p:cBhvr>
+                                        <p:cTn id="32" dur="2000" fill="hold"/>
+                                        <p:tgtEl>
+                                          <p:spTgt spid="40968"/>
+                                        </p:tgtEl>
+                                        <p:attrNameLst>
+                                          <p:attrName>fillcolor</p:attrName>
+                                        </p:attrNameLst>
+                                      </p:cBhvr>
+                                      <p:to>
+                                        <a:srgbClr val="0080FF"/>
+                                      </p:to>
+                                    </p:animClr>
+                                    <p:set>
+                                      <p:cBhvr>
+                                        <p:cTn id="33" dur="2000" fill="hold"/>
+                                        <p:tgtEl>
+                                          <p:spTgt spid="40968"/>
+                                        </p:tgtEl>
+                                        <p:attrNameLst>
+                                          <p:attrName>fill.type</p:attrName>
+                                        </p:attrNameLst>
+                                      </p:cBhvr>
+                                      <p:to>
+                                        <p:strVal val="solid"/>
+                                      </p:to>
+                                    </p:set>
+                                    <p:set>
+                                      <p:cBhvr>
+                                        <p:cTn id="34" dur="2000" fill="hold"/>
+                                        <p:tgtEl>
+                                          <p:spTgt spid="40968"/>
+                                        </p:tgtEl>
+                                        <p:attrNameLst>
+                                          <p:attrName>fill.on</p:attrName>
+                                        </p:attrNameLst>
+                                      </p:cBhvr>
+                                      <p:to>
+                                        <p:strVal val="true"/>
+                                      </p:to>
+                                    </p:set>
+                                  </p:childTnLst>
+                                </p:cTn>
+                              </p:par>
+                            </p:childTnLst>
+                          </p:cTn>
+                        </p:par>
+                      </p:childTnLst>
+                    </p:cTn>
+                  </p:par>
+                </p:childTnLst>
+              </p:cTn>
+              <p:prevCondLst>
+                <p:cond evt="onPrev" delay="0">
+                  <p:tgtEl>
+                    <p:sldTgt/>
+                  </p:tgtEl>
+                </p:cond>
+              </p:prevCondLst>
+              <p:nextCondLst>
+                <p:cond evt="onNext" delay="0">
+                  <p:tgtEl>
+                    <p:sldTgt/>
+                  </p:tgtEl>
+                </p:cond>
+              </p:nextCondLst>
+            </p:seq>
+          </p:childTnLst>
+        </p:cTn>
+      </p:par>
+    </p:tnLst>
+    <p:bldLst>
+      <p:bldP spid="40965" grpId="0" build="p" autoUpdateAnimBg="0"/>
+    </p:bldLst>
+  </p:timing>
+</p:sld>
+</file>
+
+<file path=ppt/slides/slide6.xml><?xml version="1.0" encoding="utf-8"?>
+<p:sld xmlns:a="http://schemas.openxmlformats.org/drawingml/2006/main" xmlns:r="http://schemas.openxmlformats.org/officeDocument/2006/relationships" xmlns:p="http://schemas.openxmlformats.org/presentationml/2006/main" showMasterPhAnim="0">
+  <p:cSld>
+    <p:spTree>
+      <p:nvGrpSpPr>
+        <p:cNvPr id="1" name=""/>
+        <p:cNvGrpSpPr/>
+        <p:nvPr/>
+      </p:nvGrpSpPr>
+      <p:grpSpPr>
+        <a:xfrm>
+          <a:off x="0" y="0"/>
+          <a:ext cx="0" cy="0"/>
+          <a:chOff x="0" y="0"/>
+          <a:chExt cx="0" cy="0"/>
+        </a:xfrm>
+      </p:grpSpPr>
+      <p:sp>
+        <p:nvSpPr>
+          <p:cNvPr id="59394" name="Rectangle 2"/>
+          <p:cNvSpPr>
+            <a:spLocks noGrp="1" noChangeArrowheads="1"/>
+          </p:cNvSpPr>
+          <p:nvPr>
+            <p:ph type="title"/>
+          </p:nvPr>
+        </p:nvSpPr>
+        <p:spPr>
+          <a:noFill/>
+        </p:spPr>
+        <p:txBody>
+          <a:bodyPr/>
+          <a:lstStyle/>
+          <a:p>
+            <a:r>
+              <a:rPr lang="en-US" altLang="en-US"/>
+              <a:t>Types of Testing continued...</a:t>
+            </a:r>
+          </a:p>
+        </p:txBody>
+      </p:sp>
+      <p:sp>
+        <p:nvSpPr>
+          <p:cNvPr id="41987" name="Rectangle 3"/>
+          <p:cNvSpPr>
+            <a:spLocks noGrp="1" noChangeArrowheads="1"/>
+          </p:cNvSpPr>
+          <p:nvPr>
+            <p:ph type="body" idx="1"/>
+          </p:nvPr>
+        </p:nvSpPr>
+        <p:spPr>
+          <a:noFill/>
+        </p:spPr>
+        <p:txBody>
+          <a:bodyPr/>
+          <a:lstStyle/>
+          <a:p>
+            <a:r>
+              <a:rPr lang="en-US" altLang="en-US">
+                <a:solidFill>
+                  <a:srgbClr val="FC0128"/>
+                </a:solidFill>
+              </a:rPr>
+              <a:t>System Testing</a:t>
+            </a:r>
+            <a:endParaRPr lang="en-US" altLang="en-US"/>
+          </a:p>
+          <a:p>
+            <a:pPr lvl="1"/>
+            <a:r>
+              <a:rPr lang="en-US" altLang="en-US"/>
+              <a:t>The entire system</a:t>
+            </a:r>
+          </a:p>
+          <a:p>
+            <a:pPr lvl="1"/>
+            <a:r>
+              <a:rPr lang="en-US" altLang="en-US"/>
+              <a:t>Carried out by developers</a:t>
+            </a:r>
+          </a:p>
+          <a:p>
+            <a:pPr lvl="1"/>
+            <a:r>
+              <a:rPr lang="en-US" altLang="en-US" u="sng"/>
+              <a:t>Goal:</a:t>
+            </a:r>
+            <a:r>
+              <a:rPr lang="en-US" altLang="en-US"/>
+              <a:t>  Determine if the system meets the requirements (functional and nonfunctional)</a:t>
+            </a:r>
+          </a:p>
+          <a:p>
+            <a:r>
+              <a:rPr lang="en-US" altLang="en-US">
+                <a:solidFill>
+                  <a:srgbClr val="FC0128"/>
+                </a:solidFill>
+              </a:rPr>
+              <a:t>Acceptance Testing</a:t>
+            </a:r>
+            <a:endParaRPr lang="en-US" altLang="en-US"/>
+          </a:p>
+          <a:p>
+            <a:pPr lvl="1"/>
+            <a:r>
+              <a:rPr lang="en-US" altLang="en-US"/>
+              <a:t>Evaluates the system delivered by developers</a:t>
+            </a:r>
+          </a:p>
+          <a:p>
+            <a:pPr lvl="1"/>
+            <a:r>
+              <a:rPr lang="en-US" altLang="en-US"/>
+              <a:t>Carried out by the client.  May involve executing typical transactions on site on a trial basis</a:t>
+            </a:r>
+          </a:p>
+          <a:p>
+            <a:pPr lvl="1"/>
+            <a:r>
+              <a:rPr lang="en-US" altLang="en-US" u="sng"/>
+              <a:t>Goal:</a:t>
+            </a:r>
+            <a:r>
+              <a:rPr lang="en-US" altLang="en-US"/>
+              <a:t> Demonstrate that the system meets the requirements and is ready to use.</a:t>
+            </a:r>
+          </a:p>
+        </p:txBody>
+      </p:sp>
+      <p:sp>
+        <p:nvSpPr>
+          <p:cNvPr id="59396" name="AutoShape 4"/>
+          <p:cNvSpPr>
+            <a:spLocks noChangeArrowheads="1"/>
+          </p:cNvSpPr>
+          <p:nvPr/>
+        </p:nvSpPr>
+        <p:spPr bwMode="auto">
+          <a:xfrm>
+            <a:off x="7391401" y="304800"/>
+            <a:ext cx="519113" cy="457200"/>
+          </a:xfrm>
+          <a:prstGeom prst="roundRect">
+            <a:avLst>
+              <a:gd name="adj" fmla="val 16667"/>
+            </a:avLst>
+          </a:prstGeom>
+          <a:solidFill>
+            <a:schemeClr val="bg1"/>
+          </a:solidFill>
+          <a:ln w="12700">
+            <a:solidFill>
+              <a:schemeClr val="tx1"/>
+            </a:solidFill>
+            <a:round/>
+            <a:headEnd/>
+            <a:tailEnd/>
+          </a:ln>
+        </p:spPr>
+        <p:txBody>
+          <a:bodyPr wrap="none" anchor="ctr"/>
+          <a:lstStyle>
+            <a:lvl1pPr>
+              <a:defRPr sz="2400" b="1">
+                <a:solidFill>
+                  <a:schemeClr val="tx1"/>
+                </a:solidFill>
+                <a:latin typeface="Times" panose="02020603050405020304" pitchFamily="18" charset="0"/>
+                <a:ea typeface="MS PGothic" panose="020B0600070205080204" pitchFamily="34" charset="-128"/>
+              </a:defRPr>
+            </a:lvl1pPr>
+            <a:lvl2pPr marL="37931725" indent="-37474525">
+              <a:defRPr sz="2400" b="1">
+                <a:solidFill>
+                  <a:schemeClr val="tx1"/>
+                </a:solidFill>
+                <a:latin typeface="Times" panose="02020603050405020304" pitchFamily="18" charset="0"/>
+                <a:ea typeface="MS PGothic" panose="020B0600070205080204" pitchFamily="34" charset="-128"/>
+              </a:defRPr>
+            </a:lvl2pPr>
+            <a:lvl3pPr>
+              <a:defRPr sz="2400" b="1">
+                <a:solidFill>
+                  <a:schemeClr val="tx1"/>
+                </a:solidFill>
+                <a:latin typeface="Times" panose="02020603050405020304" pitchFamily="18" charset="0"/>
+                <a:ea typeface="MS PGothic" panose="020B0600070205080204" pitchFamily="34" charset="-128"/>
+              </a:defRPr>
+            </a:lvl3pPr>
+            <a:lvl4pPr>
+              <a:defRPr sz="2400" b="1">
+                <a:solidFill>
+                  <a:schemeClr val="tx1"/>
+                </a:solidFill>
+                <a:latin typeface="Times" panose="02020603050405020304" pitchFamily="18" charset="0"/>
+                <a:ea typeface="MS PGothic" panose="020B0600070205080204" pitchFamily="34" charset="-128"/>
+              </a:defRPr>
+            </a:lvl4pPr>
+            <a:lvl5pPr>
+              <a:defRPr sz="2400" b="1">
+                <a:solidFill>
+                  <a:schemeClr val="tx1"/>
+                </a:solidFill>
+                <a:latin typeface="Times" panose="02020603050405020304" pitchFamily="18" charset="0"/>
+                <a:ea typeface="MS PGothic" panose="020B0600070205080204" pitchFamily="34" charset="-128"/>
+              </a:defRPr>
+            </a:lvl5pPr>
+            <a:lvl6pPr marL="457200" eaLnBrk="0" fontAlgn="base" hangingPunct="0">
+              <a:spcBef>
+                <a:spcPct val="0"/>
+              </a:spcBef>
+              <a:spcAft>
+                <a:spcPct val="0"/>
+              </a:spcAft>
+              <a:defRPr sz="2400" b="1">
+                <a:solidFill>
+                  <a:schemeClr val="tx1"/>
+                </a:solidFill>
+                <a:latin typeface="Times" panose="02020603050405020304" pitchFamily="18" charset="0"/>
+                <a:ea typeface="MS PGothic" panose="020B0600070205080204" pitchFamily="34" charset="-128"/>
+              </a:defRPr>
+            </a:lvl6pPr>
+            <a:lvl7pPr marL="914400" eaLnBrk="0" fontAlgn="base" hangingPunct="0">
+              <a:spcBef>
+                <a:spcPct val="0"/>
+              </a:spcBef>
+              <a:spcAft>
+                <a:spcPct val="0"/>
+              </a:spcAft>
+              <a:defRPr sz="2400" b="1">
+                <a:solidFill>
+                  <a:schemeClr val="tx1"/>
+                </a:solidFill>
+                <a:latin typeface="Times" panose="02020603050405020304" pitchFamily="18" charset="0"/>
+                <a:ea typeface="MS PGothic" panose="020B0600070205080204" pitchFamily="34" charset="-128"/>
+              </a:defRPr>
+            </a:lvl7pPr>
+            <a:lvl8pPr marL="1371600" eaLnBrk="0" fontAlgn="base" hangingPunct="0">
+              <a:spcBef>
+                <a:spcPct val="0"/>
+              </a:spcBef>
+              <a:spcAft>
+                <a:spcPct val="0"/>
+              </a:spcAft>
+              <a:defRPr sz="2400" b="1">
+                <a:solidFill>
+                  <a:schemeClr val="tx1"/>
+                </a:solidFill>
+                <a:latin typeface="Times" panose="02020603050405020304" pitchFamily="18" charset="0"/>
+                <a:ea typeface="MS PGothic" panose="020B0600070205080204" pitchFamily="34" charset="-128"/>
+              </a:defRPr>
+            </a:lvl8pPr>
+            <a:lvl9pPr marL="1828800" eaLnBrk="0" fontAlgn="base" hangingPunct="0">
+              <a:spcBef>
+                <a:spcPct val="0"/>
+              </a:spcBef>
+              <a:spcAft>
+                <a:spcPct val="0"/>
+              </a:spcAft>
+              <a:defRPr sz="2400" b="1">
+                <a:solidFill>
+                  <a:schemeClr val="tx1"/>
+                </a:solidFill>
+                <a:latin typeface="Times" panose="02020603050405020304" pitchFamily="18" charset="0"/>
+                <a:ea typeface="MS PGothic" panose="020B0600070205080204" pitchFamily="34" charset="-128"/>
+              </a:defRPr>
+            </a:lvl9pPr>
+          </a:lstStyle>
+          <a:p>
+            <a:pPr algn="ctr"/>
+            <a:r>
+              <a:rPr lang="de-DE" altLang="en-US" sz="800"/>
+              <a:t>Unit</a:t>
+            </a:r>
+            <a:br>
+              <a:rPr lang="de-DE" altLang="en-US" sz="800"/>
+            </a:br>
+            <a:r>
+              <a:rPr lang="de-DE" altLang="en-US" sz="800"/>
+              <a:t>Testing</a:t>
+            </a:r>
+          </a:p>
+        </p:txBody>
+      </p:sp>
+      <p:sp>
+        <p:nvSpPr>
+          <p:cNvPr id="41989" name="AutoShape 5"/>
+          <p:cNvSpPr>
+            <a:spLocks noChangeArrowheads="1"/>
+          </p:cNvSpPr>
+          <p:nvPr/>
+        </p:nvSpPr>
+        <p:spPr bwMode="auto">
+          <a:xfrm>
+            <a:off x="9920288" y="304800"/>
+            <a:ext cx="519112" cy="457200"/>
+          </a:xfrm>
+          <a:prstGeom prst="roundRect">
+            <a:avLst>
+              <a:gd name="adj" fmla="val 16667"/>
+            </a:avLst>
+          </a:prstGeom>
+          <a:solidFill>
+            <a:schemeClr val="bg1"/>
+          </a:solidFill>
+          <a:ln w="12700">
+            <a:solidFill>
+              <a:schemeClr val="tx1"/>
+            </a:solidFill>
+            <a:round/>
+            <a:headEnd/>
+            <a:tailEnd/>
+          </a:ln>
+        </p:spPr>
+        <p:txBody>
+          <a:bodyPr wrap="none" anchor="ctr"/>
+          <a:lstStyle>
+            <a:lvl1pPr>
+              <a:defRPr sz="2400" b="1">
+                <a:solidFill>
+                  <a:schemeClr val="tx1"/>
+                </a:solidFill>
+                <a:latin typeface="Times" panose="02020603050405020304" pitchFamily="18" charset="0"/>
+                <a:ea typeface="MS PGothic" panose="020B0600070205080204" pitchFamily="34" charset="-128"/>
+              </a:defRPr>
+            </a:lvl1pPr>
+            <a:lvl2pPr marL="37931725" indent="-37474525">
+              <a:defRPr sz="2400" b="1">
+                <a:solidFill>
+                  <a:schemeClr val="tx1"/>
+                </a:solidFill>
+                <a:latin typeface="Times" panose="02020603050405020304" pitchFamily="18" charset="0"/>
+                <a:ea typeface="MS PGothic" panose="020B0600070205080204" pitchFamily="34" charset="-128"/>
+              </a:defRPr>
+            </a:lvl2pPr>
+            <a:lvl3pPr>
+              <a:defRPr sz="2400" b="1">
+                <a:solidFill>
+                  <a:schemeClr val="tx1"/>
+                </a:solidFill>
+                <a:latin typeface="Times" panose="02020603050405020304" pitchFamily="18" charset="0"/>
+                <a:ea typeface="MS PGothic" panose="020B0600070205080204" pitchFamily="34" charset="-128"/>
+              </a:defRPr>
+            </a:lvl3pPr>
+            <a:lvl4pPr>
+              <a:defRPr sz="2400" b="1">
+                <a:solidFill>
+                  <a:schemeClr val="tx1"/>
+                </a:solidFill>
+                <a:latin typeface="Times" panose="02020603050405020304" pitchFamily="18" charset="0"/>
+                <a:ea typeface="MS PGothic" panose="020B0600070205080204" pitchFamily="34" charset="-128"/>
+              </a:defRPr>
+            </a:lvl4pPr>
+            <a:lvl5pPr>
+              <a:defRPr sz="2400" b="1">
+                <a:solidFill>
+                  <a:schemeClr val="tx1"/>
+                </a:solidFill>
+                <a:latin typeface="Times" panose="02020603050405020304" pitchFamily="18" charset="0"/>
+                <a:ea typeface="MS PGothic" panose="020B0600070205080204" pitchFamily="34" charset="-128"/>
+              </a:defRPr>
+            </a:lvl5pPr>
+            <a:lvl6pPr marL="457200" eaLnBrk="0" fontAlgn="base" hangingPunct="0">
+              <a:spcBef>
+                <a:spcPct val="0"/>
+              </a:spcBef>
+              <a:spcAft>
+                <a:spcPct val="0"/>
+              </a:spcAft>
+              <a:defRPr sz="2400" b="1">
+                <a:solidFill>
+                  <a:schemeClr val="tx1"/>
+                </a:solidFill>
+                <a:latin typeface="Times" panose="02020603050405020304" pitchFamily="18" charset="0"/>
+                <a:ea typeface="MS PGothic" panose="020B0600070205080204" pitchFamily="34" charset="-128"/>
+              </a:defRPr>
+            </a:lvl6pPr>
+            <a:lvl7pPr marL="914400" eaLnBrk="0" fontAlgn="base" hangingPunct="0">
+              <a:spcBef>
+                <a:spcPct val="0"/>
+              </a:spcBef>
+              <a:spcAft>
+                <a:spcPct val="0"/>
+              </a:spcAft>
+              <a:defRPr sz="2400" b="1">
+                <a:solidFill>
+                  <a:schemeClr val="tx1"/>
+                </a:solidFill>
+                <a:latin typeface="Times" panose="02020603050405020304" pitchFamily="18" charset="0"/>
+                <a:ea typeface="MS PGothic" panose="020B0600070205080204" pitchFamily="34" charset="-128"/>
+              </a:defRPr>
+            </a:lvl7pPr>
+            <a:lvl8pPr marL="1371600" eaLnBrk="0" fontAlgn="base" hangingPunct="0">
+              <a:spcBef>
+                <a:spcPct val="0"/>
+              </a:spcBef>
+              <a:spcAft>
+                <a:spcPct val="0"/>
+              </a:spcAft>
+              <a:defRPr sz="2400" b="1">
+                <a:solidFill>
+                  <a:schemeClr val="tx1"/>
+                </a:solidFill>
+                <a:latin typeface="Times" panose="02020603050405020304" pitchFamily="18" charset="0"/>
+                <a:ea typeface="MS PGothic" panose="020B0600070205080204" pitchFamily="34" charset="-128"/>
+              </a:defRPr>
+            </a:lvl8pPr>
+            <a:lvl9pPr marL="1828800" eaLnBrk="0" fontAlgn="base" hangingPunct="0">
+              <a:spcBef>
+                <a:spcPct val="0"/>
+              </a:spcBef>
+              <a:spcAft>
+                <a:spcPct val="0"/>
+              </a:spcAft>
+              <a:defRPr sz="2400" b="1">
+                <a:solidFill>
+                  <a:schemeClr val="tx1"/>
+                </a:solidFill>
+                <a:latin typeface="Times" panose="02020603050405020304" pitchFamily="18" charset="0"/>
+                <a:ea typeface="MS PGothic" panose="020B0600070205080204" pitchFamily="34" charset="-128"/>
+              </a:defRPr>
+            </a:lvl9pPr>
+          </a:lstStyle>
+          <a:p>
+            <a:pPr algn="ctr"/>
+            <a:r>
+              <a:rPr lang="de-DE" altLang="en-US" sz="800"/>
+              <a:t>Acceptance</a:t>
+            </a:r>
+            <a:br>
+              <a:rPr lang="de-DE" altLang="en-US" sz="800"/>
+            </a:br>
+            <a:r>
+              <a:rPr lang="de-DE" altLang="en-US" sz="800"/>
+              <a:t>Testing</a:t>
+            </a:r>
+          </a:p>
+        </p:txBody>
+      </p:sp>
+      <p:sp>
+        <p:nvSpPr>
+          <p:cNvPr id="59398" name="AutoShape 6"/>
+          <p:cNvSpPr>
+            <a:spLocks noChangeArrowheads="1"/>
+          </p:cNvSpPr>
+          <p:nvPr/>
+        </p:nvSpPr>
+        <p:spPr bwMode="auto">
+          <a:xfrm>
+            <a:off x="8234363" y="304800"/>
+            <a:ext cx="519112" cy="457200"/>
+          </a:xfrm>
+          <a:prstGeom prst="roundRect">
+            <a:avLst>
+              <a:gd name="adj" fmla="val 16667"/>
+            </a:avLst>
+          </a:prstGeom>
+          <a:solidFill>
+            <a:schemeClr val="bg1"/>
+          </a:solidFill>
+          <a:ln w="12700">
+            <a:solidFill>
+              <a:schemeClr val="tx1"/>
+            </a:solidFill>
+            <a:round/>
+            <a:headEnd/>
+            <a:tailEnd/>
+          </a:ln>
+        </p:spPr>
+        <p:txBody>
+          <a:bodyPr wrap="none" anchor="ctr"/>
+          <a:lstStyle>
+            <a:lvl1pPr>
+              <a:defRPr sz="2400" b="1">
+                <a:solidFill>
+                  <a:schemeClr val="tx1"/>
+                </a:solidFill>
+                <a:latin typeface="Times" panose="02020603050405020304" pitchFamily="18" charset="0"/>
+                <a:ea typeface="MS PGothic" panose="020B0600070205080204" pitchFamily="34" charset="-128"/>
+              </a:defRPr>
+            </a:lvl1pPr>
+            <a:lvl2pPr marL="37931725" indent="-37474525">
+              <a:defRPr sz="2400" b="1">
+                <a:solidFill>
+                  <a:schemeClr val="tx1"/>
+                </a:solidFill>
+                <a:latin typeface="Times" panose="02020603050405020304" pitchFamily="18" charset="0"/>
+                <a:ea typeface="MS PGothic" panose="020B0600070205080204" pitchFamily="34" charset="-128"/>
+              </a:defRPr>
+            </a:lvl2pPr>
+            <a:lvl3pPr>
+              <a:defRPr sz="2400" b="1">
+                <a:solidFill>
+                  <a:schemeClr val="tx1"/>
+                </a:solidFill>
+                <a:latin typeface="Times" panose="02020603050405020304" pitchFamily="18" charset="0"/>
+                <a:ea typeface="MS PGothic" panose="020B0600070205080204" pitchFamily="34" charset="-128"/>
+              </a:defRPr>
+            </a:lvl3pPr>
+            <a:lvl4pPr>
+              <a:defRPr sz="2400" b="1">
+                <a:solidFill>
+                  <a:schemeClr val="tx1"/>
+                </a:solidFill>
+                <a:latin typeface="Times" panose="02020603050405020304" pitchFamily="18" charset="0"/>
+                <a:ea typeface="MS PGothic" panose="020B0600070205080204" pitchFamily="34" charset="-128"/>
+              </a:defRPr>
+            </a:lvl4pPr>
+            <a:lvl5pPr>
+              <a:defRPr sz="2400" b="1">
+                <a:solidFill>
+                  <a:schemeClr val="tx1"/>
+                </a:solidFill>
+                <a:latin typeface="Times" panose="02020603050405020304" pitchFamily="18" charset="0"/>
+                <a:ea typeface="MS PGothic" panose="020B0600070205080204" pitchFamily="34" charset="-128"/>
+              </a:defRPr>
+            </a:lvl5pPr>
+            <a:lvl6pPr marL="457200" eaLnBrk="0" fontAlgn="base" hangingPunct="0">
+              <a:spcBef>
+                <a:spcPct val="0"/>
+              </a:spcBef>
+              <a:spcAft>
+                <a:spcPct val="0"/>
+              </a:spcAft>
+              <a:defRPr sz="2400" b="1">
+                <a:solidFill>
+                  <a:schemeClr val="tx1"/>
+                </a:solidFill>
+                <a:latin typeface="Times" panose="02020603050405020304" pitchFamily="18" charset="0"/>
+                <a:ea typeface="MS PGothic" panose="020B0600070205080204" pitchFamily="34" charset="-128"/>
+              </a:defRPr>
+            </a:lvl6pPr>
+            <a:lvl7pPr marL="914400" eaLnBrk="0" fontAlgn="base" hangingPunct="0">
+              <a:spcBef>
+                <a:spcPct val="0"/>
+              </a:spcBef>
+              <a:spcAft>
+                <a:spcPct val="0"/>
+              </a:spcAft>
+              <a:defRPr sz="2400" b="1">
+                <a:solidFill>
+                  <a:schemeClr val="tx1"/>
+                </a:solidFill>
+                <a:latin typeface="Times" panose="02020603050405020304" pitchFamily="18" charset="0"/>
+                <a:ea typeface="MS PGothic" panose="020B0600070205080204" pitchFamily="34" charset="-128"/>
+              </a:defRPr>
+            </a:lvl7pPr>
+            <a:lvl8pPr marL="1371600" eaLnBrk="0" fontAlgn="base" hangingPunct="0">
+              <a:spcBef>
+                <a:spcPct val="0"/>
+              </a:spcBef>
+              <a:spcAft>
+                <a:spcPct val="0"/>
+              </a:spcAft>
+              <a:defRPr sz="2400" b="1">
+                <a:solidFill>
+                  <a:schemeClr val="tx1"/>
+                </a:solidFill>
+                <a:latin typeface="Times" panose="02020603050405020304" pitchFamily="18" charset="0"/>
+                <a:ea typeface="MS PGothic" panose="020B0600070205080204" pitchFamily="34" charset="-128"/>
+              </a:defRPr>
+            </a:lvl8pPr>
+            <a:lvl9pPr marL="1828800" eaLnBrk="0" fontAlgn="base" hangingPunct="0">
+              <a:spcBef>
+                <a:spcPct val="0"/>
+              </a:spcBef>
+              <a:spcAft>
+                <a:spcPct val="0"/>
+              </a:spcAft>
+              <a:defRPr sz="2400" b="1">
+                <a:solidFill>
+                  <a:schemeClr val="tx1"/>
+                </a:solidFill>
+                <a:latin typeface="Times" panose="02020603050405020304" pitchFamily="18" charset="0"/>
+                <a:ea typeface="MS PGothic" panose="020B0600070205080204" pitchFamily="34" charset="-128"/>
+              </a:defRPr>
+            </a:lvl9pPr>
+          </a:lstStyle>
+          <a:p>
+            <a:pPr algn="ctr"/>
+            <a:r>
+              <a:rPr lang="de-DE" altLang="en-US" sz="800"/>
+              <a:t>Integration</a:t>
+            </a:r>
+            <a:br>
+              <a:rPr lang="de-DE" altLang="en-US" sz="800"/>
+            </a:br>
+            <a:r>
+              <a:rPr lang="de-DE" altLang="en-US" sz="800"/>
+              <a:t>Testing</a:t>
+            </a:r>
+          </a:p>
+        </p:txBody>
+      </p:sp>
+      <p:sp>
+        <p:nvSpPr>
+          <p:cNvPr id="41991" name="AutoShape 7"/>
+          <p:cNvSpPr>
+            <a:spLocks noChangeArrowheads="1"/>
+          </p:cNvSpPr>
+          <p:nvPr/>
+        </p:nvSpPr>
+        <p:spPr bwMode="auto">
+          <a:xfrm>
+            <a:off x="9077326" y="304800"/>
+            <a:ext cx="519113" cy="457200"/>
+          </a:xfrm>
+          <a:prstGeom prst="roundRect">
+            <a:avLst>
+              <a:gd name="adj" fmla="val 16667"/>
+            </a:avLst>
+          </a:prstGeom>
+          <a:solidFill>
+            <a:schemeClr val="bg1"/>
+          </a:solidFill>
+          <a:ln w="12700">
+            <a:solidFill>
+              <a:schemeClr val="tx1"/>
+            </a:solidFill>
+            <a:round/>
+            <a:headEnd/>
+            <a:tailEnd/>
+          </a:ln>
+        </p:spPr>
+        <p:txBody>
+          <a:bodyPr wrap="none" anchor="ctr"/>
+          <a:lstStyle>
+            <a:lvl1pPr>
+              <a:defRPr sz="2400" b="1">
+                <a:solidFill>
+                  <a:schemeClr val="tx1"/>
+                </a:solidFill>
+                <a:latin typeface="Times" panose="02020603050405020304" pitchFamily="18" charset="0"/>
+                <a:ea typeface="MS PGothic" panose="020B0600070205080204" pitchFamily="34" charset="-128"/>
+              </a:defRPr>
+            </a:lvl1pPr>
+            <a:lvl2pPr marL="37931725" indent="-37474525">
+              <a:defRPr sz="2400" b="1">
+                <a:solidFill>
+                  <a:schemeClr val="tx1"/>
+                </a:solidFill>
+                <a:latin typeface="Times" panose="02020603050405020304" pitchFamily="18" charset="0"/>
+                <a:ea typeface="MS PGothic" panose="020B0600070205080204" pitchFamily="34" charset="-128"/>
+              </a:defRPr>
+            </a:lvl2pPr>
+            <a:lvl3pPr>
+              <a:defRPr sz="2400" b="1">
+                <a:solidFill>
+                  <a:schemeClr val="tx1"/>
+                </a:solidFill>
+                <a:latin typeface="Times" panose="02020603050405020304" pitchFamily="18" charset="0"/>
+                <a:ea typeface="MS PGothic" panose="020B0600070205080204" pitchFamily="34" charset="-128"/>
+              </a:defRPr>
+            </a:lvl3pPr>
+            <a:lvl4pPr>
+              <a:defRPr sz="2400" b="1">
+                <a:solidFill>
+                  <a:schemeClr val="tx1"/>
+                </a:solidFill>
+                <a:latin typeface="Times" panose="02020603050405020304" pitchFamily="18" charset="0"/>
+                <a:ea typeface="MS PGothic" panose="020B0600070205080204" pitchFamily="34" charset="-128"/>
+              </a:defRPr>
+            </a:lvl4pPr>
+            <a:lvl5pPr>
+              <a:defRPr sz="2400" b="1">
+                <a:solidFill>
+                  <a:schemeClr val="tx1"/>
+                </a:solidFill>
+                <a:latin typeface="Times" panose="02020603050405020304" pitchFamily="18" charset="0"/>
+                <a:ea typeface="MS PGothic" panose="020B0600070205080204" pitchFamily="34" charset="-128"/>
+              </a:defRPr>
+            </a:lvl5pPr>
+            <a:lvl6pPr marL="457200" eaLnBrk="0" fontAlgn="base" hangingPunct="0">
+              <a:spcBef>
+                <a:spcPct val="0"/>
+              </a:spcBef>
+              <a:spcAft>
+                <a:spcPct val="0"/>
+              </a:spcAft>
+              <a:defRPr sz="2400" b="1">
+                <a:solidFill>
+                  <a:schemeClr val="tx1"/>
+                </a:solidFill>
+                <a:latin typeface="Times" panose="02020603050405020304" pitchFamily="18" charset="0"/>
+                <a:ea typeface="MS PGothic" panose="020B0600070205080204" pitchFamily="34" charset="-128"/>
+              </a:defRPr>
+            </a:lvl6pPr>
+            <a:lvl7pPr marL="914400" eaLnBrk="0" fontAlgn="base" hangingPunct="0">
+              <a:spcBef>
+                <a:spcPct val="0"/>
+              </a:spcBef>
+              <a:spcAft>
+                <a:spcPct val="0"/>
+              </a:spcAft>
+              <a:defRPr sz="2400" b="1">
+                <a:solidFill>
+                  <a:schemeClr val="tx1"/>
+                </a:solidFill>
+                <a:latin typeface="Times" panose="02020603050405020304" pitchFamily="18" charset="0"/>
+                <a:ea typeface="MS PGothic" panose="020B0600070205080204" pitchFamily="34" charset="-128"/>
+              </a:defRPr>
+            </a:lvl7pPr>
+            <a:lvl8pPr marL="1371600" eaLnBrk="0" fontAlgn="base" hangingPunct="0">
+              <a:spcBef>
+                <a:spcPct val="0"/>
+              </a:spcBef>
+              <a:spcAft>
+                <a:spcPct val="0"/>
+              </a:spcAft>
+              <a:defRPr sz="2400" b="1">
+                <a:solidFill>
+                  <a:schemeClr val="tx1"/>
+                </a:solidFill>
+                <a:latin typeface="Times" panose="02020603050405020304" pitchFamily="18" charset="0"/>
+                <a:ea typeface="MS PGothic" panose="020B0600070205080204" pitchFamily="34" charset="-128"/>
+              </a:defRPr>
+            </a:lvl8pPr>
+            <a:lvl9pPr marL="1828800" eaLnBrk="0" fontAlgn="base" hangingPunct="0">
+              <a:spcBef>
+                <a:spcPct val="0"/>
+              </a:spcBef>
+              <a:spcAft>
+                <a:spcPct val="0"/>
+              </a:spcAft>
+              <a:defRPr sz="2400" b="1">
+                <a:solidFill>
+                  <a:schemeClr val="tx1"/>
+                </a:solidFill>
+                <a:latin typeface="Times" panose="02020603050405020304" pitchFamily="18" charset="0"/>
+                <a:ea typeface="MS PGothic" panose="020B0600070205080204" pitchFamily="34" charset="-128"/>
+              </a:defRPr>
+            </a:lvl9pPr>
+          </a:lstStyle>
+          <a:p>
+            <a:pPr algn="ctr"/>
+            <a:r>
+              <a:rPr lang="de-DE" altLang="en-US" sz="800"/>
+              <a:t>System</a:t>
+            </a:r>
+            <a:br>
+              <a:rPr lang="de-DE" altLang="en-US" sz="800"/>
+            </a:br>
+            <a:r>
+              <a:rPr lang="de-DE" altLang="en-US" sz="800"/>
+              <a:t>Testing</a:t>
+            </a:r>
+          </a:p>
+        </p:txBody>
+      </p:sp>
+      <p:cxnSp>
+        <p:nvCxnSpPr>
+          <p:cNvPr id="59400" name="AutoShape 8"/>
+          <p:cNvCxnSpPr>
+            <a:cxnSpLocks noChangeShapeType="1"/>
+          </p:cNvCxnSpPr>
+          <p:nvPr/>
+        </p:nvCxnSpPr>
+        <p:spPr bwMode="auto">
+          <a:xfrm>
+            <a:off x="9594850" y="533400"/>
+            <a:ext cx="323850" cy="0"/>
+          </a:xfrm>
+          <a:prstGeom prst="straightConnector1">
+            <a:avLst/>
+          </a:prstGeom>
+          <a:noFill/>
+          <a:ln w="25400">
+            <a:solidFill>
+              <a:schemeClr val="tx1"/>
+            </a:solidFill>
+            <a:round/>
+            <a:headEnd/>
+            <a:tailEnd type="arrow" w="med" len="med"/>
+          </a:ln>
+          <a:extLst>
+            <a:ext uri="{909E8E84-426E-40DD-AFC4-6F175D3DCCD1}">
+              <a14:hiddenFill xmlns:a14="http://schemas.microsoft.com/office/drawing/2010/main">
+                <a:noFill/>
+              </a14:hiddenFill>
+            </a:ext>
+          </a:extLst>
+        </p:spPr>
+      </p:cxnSp>
+      <p:cxnSp>
+        <p:nvCxnSpPr>
+          <p:cNvPr id="59401" name="AutoShape 9"/>
+          <p:cNvCxnSpPr>
+            <a:cxnSpLocks noChangeShapeType="1"/>
+          </p:cNvCxnSpPr>
+          <p:nvPr/>
+        </p:nvCxnSpPr>
+        <p:spPr bwMode="auto">
+          <a:xfrm>
+            <a:off x="8751888" y="533400"/>
+            <a:ext cx="323850" cy="0"/>
+          </a:xfrm>
+          <a:prstGeom prst="straightConnector1">
+            <a:avLst/>
+          </a:prstGeom>
+          <a:noFill/>
+          <a:ln w="25400">
+            <a:solidFill>
+              <a:schemeClr val="tx1"/>
+            </a:solidFill>
+            <a:round/>
+            <a:headEnd/>
+            <a:tailEnd type="arrow" w="med" len="med"/>
+          </a:ln>
+          <a:extLst>
+            <a:ext uri="{909E8E84-426E-40DD-AFC4-6F175D3DCCD1}">
+              <a14:hiddenFill xmlns:a14="http://schemas.microsoft.com/office/drawing/2010/main">
+                <a:noFill/>
+              </a14:hiddenFill>
+            </a:ext>
+          </a:extLst>
+        </p:spPr>
+      </p:cxnSp>
+      <p:cxnSp>
+        <p:nvCxnSpPr>
+          <p:cNvPr id="59402" name="AutoShape 10"/>
+          <p:cNvCxnSpPr>
+            <a:cxnSpLocks noChangeShapeType="1"/>
+            <a:stCxn id="59396" idx="3"/>
+            <a:endCxn id="59398" idx="1"/>
+          </p:cNvCxnSpPr>
+          <p:nvPr/>
+        </p:nvCxnSpPr>
+        <p:spPr bwMode="auto">
+          <a:xfrm>
+            <a:off x="7910513" y="533400"/>
+            <a:ext cx="323850" cy="0"/>
+          </a:xfrm>
+          <a:prstGeom prst="straightConnector1">
+            <a:avLst/>
+          </a:prstGeom>
+          <a:noFill/>
+          <a:ln w="25400">
+            <a:solidFill>
+              <a:schemeClr val="tx1"/>
+            </a:solidFill>
+            <a:round/>
+            <a:headEnd/>
+            <a:tailEnd type="arrow" w="med" len="med"/>
+          </a:ln>
+          <a:extLst>
+            <a:ext uri="{909E8E84-426E-40DD-AFC4-6F175D3DCCD1}">
+              <a14:hiddenFill xmlns:a14="http://schemas.microsoft.com/office/drawing/2010/main">
+                <a:noFill/>
+              </a14:hiddenFill>
+            </a:ext>
+          </a:extLst>
+        </p:spPr>
+      </p:cxnSp>
+    </p:spTree>
+    <p:extLst>
+      <p:ext uri="{BB962C8B-B14F-4D97-AF65-F5344CB8AC3E}">
+        <p14:creationId xmlns:p14="http://schemas.microsoft.com/office/powerpoint/2010/main" val="3808950307"/>
+      </p:ext>
+    </p:extLst>
+  </p:cSld>
+  <p:clrMapOvr>
+    <a:masterClrMapping/>
+  </p:clrMapOvr>
+  <p:transition/>
+  <p:timing>
+    <p:tnLst>
+      <p:par>
+        <p:cTn id="1" dur="indefinite" restart="never" nodeType="tmRoot">
+          <p:childTnLst>
+            <p:seq concurrent="1" nextAc="seek">
+              <p:cTn id="2" dur="indefinite" nodeType="mainSeq">
+                <p:childTnLst>
+                  <p:par>
+                    <p:cTn id="3" fill="hold" nodeType="clickPar">
+                      <p:stCondLst>
+                        <p:cond delay="indefinite"/>
+                      </p:stCondLst>
+                      <p:childTnLst>
+                        <p:par>
+                          <p:cTn id="4" fill="hold" nodeType="withGroup">
+                            <p:stCondLst>
+                              <p:cond delay="0"/>
+                            </p:stCondLst>
+                            <p:childTnLst>
+                              <p:par>
+                                <p:cTn id="5" presetID="1" presetClass="entr" presetSubtype="0" fill="hold" grpId="0" nodeType="clickEffect">
+                                  <p:stCondLst>
+                                    <p:cond delay="0"/>
+                                  </p:stCondLst>
+                                  <p:childTnLst>
+                                    <p:set>
+                                      <p:cBhvr>
+                                        <p:cTn id="6" dur="1" fill="hold">
+                                          <p:stCondLst>
+                                            <p:cond delay="499"/>
+                                          </p:stCondLst>
+                                        </p:cTn>
+                                        <p:tgtEl>
+                                          <p:spTgt spid="41987">
+                                            <p:txEl>
+                                              <p:pRg st="0" end="0"/>
+                                            </p:txEl>
+                                          </p:spTgt>
+                                        </p:tgtEl>
+                                        <p:attrNameLst>
+                                          <p:attrName>style.visibility</p:attrName>
+                                        </p:attrNameLst>
+                                      </p:cBhvr>
+                                      <p:to>
+                                        <p:strVal val="visible"/>
+                                      </p:to>
+                                    </p:set>
+                                  </p:childTnLst>
+                                </p:cTn>
+                              </p:par>
+                              <p:par>
+                                <p:cTn id="7" presetID="1" presetClass="entr" presetSubtype="0" fill="hold" grpId="0" nodeType="withEffect">
+                                  <p:stCondLst>
+                                    <p:cond delay="0"/>
+                                  </p:stCondLst>
+                                  <p:childTnLst>
+                                    <p:set>
+                                      <p:cBhvr>
+                                        <p:cTn id="8" dur="1" fill="hold">
+                                          <p:stCondLst>
+                                            <p:cond delay="499"/>
+                                          </p:stCondLst>
+                                        </p:cTn>
+                                        <p:tgtEl>
+                                          <p:spTgt spid="41987">
+                                            <p:txEl>
+                                              <p:pRg st="1" end="1"/>
+                                            </p:txEl>
+                                          </p:spTgt>
+                                        </p:tgtEl>
+                                        <p:attrNameLst>
+                                          <p:attrName>style.visibility</p:attrName>
+                                        </p:attrNameLst>
+                                      </p:cBhvr>
+                                      <p:to>
+                                        <p:strVal val="visible"/>
+                                      </p:to>
+                                    </p:set>
+                                  </p:childTnLst>
+                                </p:cTn>
+                              </p:par>
+                              <p:par>
+                                <p:cTn id="9" presetID="1" presetClass="entr" presetSubtype="0" fill="hold" grpId="0" nodeType="withEffect">
+                                  <p:stCondLst>
+                                    <p:cond delay="0"/>
+                                  </p:stCondLst>
+                                  <p:childTnLst>
+                                    <p:set>
+                                      <p:cBhvr>
+                                        <p:cTn id="10" dur="1" fill="hold">
+                                          <p:stCondLst>
+                                            <p:cond delay="499"/>
+                                          </p:stCondLst>
+                                        </p:cTn>
+                                        <p:tgtEl>
+                                          <p:spTgt spid="41987">
+                                            <p:txEl>
+                                              <p:pRg st="2" end="2"/>
+                                            </p:txEl>
+                                          </p:spTgt>
+                                        </p:tgtEl>
+                                        <p:attrNameLst>
+                                          <p:attrName>style.visibility</p:attrName>
+                                        </p:attrNameLst>
+                                      </p:cBhvr>
+                                      <p:to>
+                                        <p:strVal val="visible"/>
+                                      </p:to>
+                                    </p:set>
+                                  </p:childTnLst>
+                                </p:cTn>
+                              </p:par>
+                              <p:par>
+                                <p:cTn id="11" presetID="1" presetClass="entr" presetSubtype="0" fill="hold" grpId="0" nodeType="withEffect">
+                                  <p:stCondLst>
+                                    <p:cond delay="0"/>
+                                  </p:stCondLst>
+                                  <p:childTnLst>
+                                    <p:set>
+                                      <p:cBhvr>
+                                        <p:cTn id="12" dur="1" fill="hold">
+                                          <p:stCondLst>
+                                            <p:cond delay="499"/>
+                                          </p:stCondLst>
+                                        </p:cTn>
+                                        <p:tgtEl>
+                                          <p:spTgt spid="41987">
+                                            <p:txEl>
+                                              <p:pRg st="3" end="3"/>
+                                            </p:txEl>
+                                          </p:spTgt>
+                                        </p:tgtEl>
+                                        <p:attrNameLst>
+                                          <p:attrName>style.visibility</p:attrName>
+                                        </p:attrNameLst>
+                                      </p:cBhvr>
+                                      <p:to>
+                                        <p:strVal val="visible"/>
+                                      </p:to>
+                                    </p:set>
+                                  </p:childTnLst>
+                                </p:cTn>
+                              </p:par>
+                              <p:par>
+                                <p:cTn id="13" presetID="1" presetClass="emph" presetSubtype="2" fill="hold" nodeType="withEffect">
+                                  <p:stCondLst>
+                                    <p:cond delay="0"/>
+                                  </p:stCondLst>
+                                  <p:childTnLst>
+                                    <p:animClr clrSpc="rgb" dir="cw">
+                                      <p:cBhvr>
+                                        <p:cTn id="14" dur="2000" fill="hold"/>
+                                        <p:tgtEl>
+                                          <p:spTgt spid="41991"/>
+                                        </p:tgtEl>
+                                        <p:attrNameLst>
+                                          <p:attrName>fillcolor</p:attrName>
+                                        </p:attrNameLst>
+                                      </p:cBhvr>
+                                      <p:to>
+                                        <a:srgbClr val="0080FF"/>
+                                      </p:to>
+                                    </p:animClr>
+                                    <p:set>
+                                      <p:cBhvr>
+                                        <p:cTn id="15" dur="2000" fill="hold"/>
+                                        <p:tgtEl>
+                                          <p:spTgt spid="41991"/>
+                                        </p:tgtEl>
+                                        <p:attrNameLst>
+                                          <p:attrName>fill.type</p:attrName>
+                                        </p:attrNameLst>
+                                      </p:cBhvr>
+                                      <p:to>
+                                        <p:strVal val="solid"/>
+                                      </p:to>
+                                    </p:set>
+                                    <p:set>
+                                      <p:cBhvr>
+                                        <p:cTn id="16" dur="2000" fill="hold"/>
+                                        <p:tgtEl>
+                                          <p:spTgt spid="41991"/>
+                                        </p:tgtEl>
+                                        <p:attrNameLst>
+                                          <p:attrName>fill.on</p:attrName>
+                                        </p:attrNameLst>
+                                      </p:cBhvr>
+                                      <p:to>
+                                        <p:strVal val="true"/>
+                                      </p:to>
+                                    </p:set>
+                                  </p:childTnLst>
+                                </p:cTn>
+                              </p:par>
+                            </p:childTnLst>
+                          </p:cTn>
+                        </p:par>
+                      </p:childTnLst>
+                    </p:cTn>
+                  </p:par>
+                  <p:par>
+                    <p:cTn id="17" fill="hold" nodeType="clickPar">
+                      <p:stCondLst>
+                        <p:cond delay="indefinite"/>
+                      </p:stCondLst>
+                      <p:childTnLst>
+                        <p:par>
+                          <p:cTn id="18" fill="hold" nodeType="withGroup">
+                            <p:stCondLst>
+                              <p:cond delay="0"/>
+                            </p:stCondLst>
+                            <p:childTnLst>
+                              <p:par>
+                                <p:cTn id="19" presetID="1" presetClass="emph" presetSubtype="2" fill="hold" nodeType="clickEffect">
+                                  <p:stCondLst>
+                                    <p:cond delay="0"/>
+                                  </p:stCondLst>
+                                  <p:childTnLst>
+                                    <p:animClr clrSpc="rgb" dir="cw">
+                                      <p:cBhvr>
+                                        <p:cTn id="20" dur="2000" fill="hold"/>
+                                        <p:tgtEl>
+                                          <p:spTgt spid="41991"/>
+                                        </p:tgtEl>
+                                        <p:attrNameLst>
+                                          <p:attrName>fillcolor</p:attrName>
+                                        </p:attrNameLst>
+                                      </p:cBhvr>
+                                      <p:to>
+                                        <a:schemeClr val="bg1"/>
+                                      </p:to>
+                                    </p:animClr>
+                                    <p:set>
+                                      <p:cBhvr>
+                                        <p:cTn id="21" dur="2000" fill="hold"/>
+                                        <p:tgtEl>
+                                          <p:spTgt spid="41991"/>
+                                        </p:tgtEl>
+                                        <p:attrNameLst>
+                                          <p:attrName>fill.type</p:attrName>
+                                        </p:attrNameLst>
+                                      </p:cBhvr>
+                                      <p:to>
+                                        <p:strVal val="solid"/>
+                                      </p:to>
+                                    </p:set>
+                                    <p:set>
+                                      <p:cBhvr>
+                                        <p:cTn id="22" dur="2000" fill="hold"/>
+                                        <p:tgtEl>
+                                          <p:spTgt spid="41991"/>
+                                        </p:tgtEl>
+                                        <p:attrNameLst>
+                                          <p:attrName>fill.on</p:attrName>
+                                        </p:attrNameLst>
+                                      </p:cBhvr>
+                                      <p:to>
+                                        <p:strVal val="true"/>
+                                      </p:to>
+                                    </p:set>
+                                  </p:childTnLst>
+                                </p:cTn>
+                              </p:par>
+                              <p:par>
+                                <p:cTn id="23" presetID="1" presetClass="emph" presetSubtype="2" fill="hold" nodeType="withEffect">
+                                  <p:stCondLst>
+                                    <p:cond delay="0"/>
+                                  </p:stCondLst>
+                                  <p:childTnLst>
+                                    <p:animClr clrSpc="rgb" dir="cw">
+                                      <p:cBhvr>
+                                        <p:cTn id="24" dur="2000" fill="hold"/>
+                                        <p:tgtEl>
+                                          <p:spTgt spid="41989"/>
+                                        </p:tgtEl>
+                                        <p:attrNameLst>
+                                          <p:attrName>fillcolor</p:attrName>
+                                        </p:attrNameLst>
+                                      </p:cBhvr>
+                                      <p:to>
+                                        <a:srgbClr val="0080FF"/>
+                                      </p:to>
+                                    </p:animClr>
+                                    <p:set>
+                                      <p:cBhvr>
+                                        <p:cTn id="25" dur="2000" fill="hold"/>
+                                        <p:tgtEl>
+                                          <p:spTgt spid="41989"/>
+                                        </p:tgtEl>
+                                        <p:attrNameLst>
+                                          <p:attrName>fill.type</p:attrName>
+                                        </p:attrNameLst>
+                                      </p:cBhvr>
+                                      <p:to>
+                                        <p:strVal val="solid"/>
+                                      </p:to>
+                                    </p:set>
+                                    <p:set>
+                                      <p:cBhvr>
+                                        <p:cTn id="26" dur="2000" fill="hold"/>
+                                        <p:tgtEl>
+                                          <p:spTgt spid="41989"/>
+                                        </p:tgtEl>
+                                        <p:attrNameLst>
+                                          <p:attrName>fill.on</p:attrName>
+                                        </p:attrNameLst>
+                                      </p:cBhvr>
+                                      <p:to>
+                                        <p:strVal val="true"/>
+                                      </p:to>
+                                    </p:set>
+                                  </p:childTnLst>
+                                </p:cTn>
+                              </p:par>
+                              <p:par>
+                                <p:cTn id="27" presetID="1" presetClass="entr" presetSubtype="0" fill="hold" grpId="0" nodeType="withEffect">
+                                  <p:stCondLst>
+                                    <p:cond delay="0"/>
+                                  </p:stCondLst>
+                                  <p:childTnLst>
+                                    <p:set>
+                                      <p:cBhvr>
+                                        <p:cTn id="28" dur="1" fill="hold">
+                                          <p:stCondLst>
+                                            <p:cond delay="499"/>
+                                          </p:stCondLst>
+                                        </p:cTn>
+                                        <p:tgtEl>
+                                          <p:spTgt spid="41987">
+                                            <p:txEl>
+                                              <p:pRg st="4" end="4"/>
+                                            </p:txEl>
+                                          </p:spTgt>
+                                        </p:tgtEl>
+                                        <p:attrNameLst>
+                                          <p:attrName>style.visibility</p:attrName>
+                                        </p:attrNameLst>
+                                      </p:cBhvr>
+                                      <p:to>
+                                        <p:strVal val="visible"/>
+                                      </p:to>
+                                    </p:set>
+                                  </p:childTnLst>
+                                </p:cTn>
+                              </p:par>
+                              <p:par>
+                                <p:cTn id="29" presetID="1" presetClass="entr" presetSubtype="0" fill="hold" grpId="0" nodeType="withEffect">
+                                  <p:stCondLst>
+                                    <p:cond delay="0"/>
+                                  </p:stCondLst>
+                                  <p:childTnLst>
+                                    <p:set>
+                                      <p:cBhvr>
+                                        <p:cTn id="30" dur="1" fill="hold">
+                                          <p:stCondLst>
+                                            <p:cond delay="499"/>
+                                          </p:stCondLst>
+                                        </p:cTn>
+                                        <p:tgtEl>
+                                          <p:spTgt spid="41987">
+                                            <p:txEl>
+                                              <p:pRg st="5" end="5"/>
+                                            </p:txEl>
+                                          </p:spTgt>
+                                        </p:tgtEl>
+                                        <p:attrNameLst>
+                                          <p:attrName>style.visibility</p:attrName>
+                                        </p:attrNameLst>
+                                      </p:cBhvr>
+                                      <p:to>
+                                        <p:strVal val="visible"/>
+                                      </p:to>
+                                    </p:set>
+                                  </p:childTnLst>
+                                </p:cTn>
+                              </p:par>
+                              <p:par>
+                                <p:cTn id="31" presetID="1" presetClass="entr" presetSubtype="0" fill="hold" grpId="0" nodeType="withEffect">
+                                  <p:stCondLst>
+                                    <p:cond delay="0"/>
+                                  </p:stCondLst>
+                                  <p:childTnLst>
+                                    <p:set>
+                                      <p:cBhvr>
+                                        <p:cTn id="32" dur="1" fill="hold">
+                                          <p:stCondLst>
+                                            <p:cond delay="499"/>
+                                          </p:stCondLst>
+                                        </p:cTn>
+                                        <p:tgtEl>
+                                          <p:spTgt spid="41987">
+                                            <p:txEl>
+                                              <p:pRg st="6" end="6"/>
+                                            </p:txEl>
+                                          </p:spTgt>
+                                        </p:tgtEl>
+                                        <p:attrNameLst>
+                                          <p:attrName>style.visibility</p:attrName>
+                                        </p:attrNameLst>
+                                      </p:cBhvr>
+                                      <p:to>
+                                        <p:strVal val="visible"/>
+                                      </p:to>
+                                    </p:set>
+                                  </p:childTnLst>
+                                </p:cTn>
+                              </p:par>
+                              <p:par>
+                                <p:cTn id="33" presetID="1" presetClass="entr" presetSubtype="0" fill="hold" grpId="0" nodeType="withEffect">
+                                  <p:stCondLst>
+                                    <p:cond delay="0"/>
+                                  </p:stCondLst>
+                                  <p:childTnLst>
+                                    <p:set>
+                                      <p:cBhvr>
+                                        <p:cTn id="34" dur="1" fill="hold">
+                                          <p:stCondLst>
+                                            <p:cond delay="499"/>
+                                          </p:stCondLst>
+                                        </p:cTn>
+                                        <p:tgtEl>
+                                          <p:spTgt spid="41987">
+                                            <p:txEl>
+                                              <p:pRg st="7" end="7"/>
+                                            </p:txEl>
+                                          </p:spTgt>
+                                        </p:tgtEl>
+                                        <p:attrNameLst>
+                                          <p:attrName>style.visibility</p:attrName>
+                                        </p:attrNameLst>
+                                      </p:cBhvr>
+                                      <p:to>
+                                        <p:strVal val="visible"/>
+                                      </p:to>
+                                    </p:set>
+                                  </p:childTnLst>
+                                </p:cTn>
+                              </p:par>
+                            </p:childTnLst>
+                          </p:cTn>
+                        </p:par>
+                      </p:childTnLst>
+                    </p:cTn>
+                  </p:par>
+                </p:childTnLst>
+              </p:cTn>
+              <p:prevCondLst>
+                <p:cond evt="onPrev" delay="0">
+                  <p:tgtEl>
+                    <p:sldTgt/>
+                  </p:tgtEl>
+                </p:cond>
+              </p:prevCondLst>
+              <p:nextCondLst>
+                <p:cond evt="onNext" delay="0">
+                  <p:tgtEl>
+                    <p:sldTgt/>
+                  </p:tgtEl>
+                </p:cond>
+              </p:nextCondLst>
+            </p:seq>
+          </p:childTnLst>
+        </p:cTn>
+      </p:par>
+    </p:tnLst>
+    <p:bldLst>
+      <p:bldP spid="41987" grpId="0" build="p" autoUpdateAnimBg="0"/>
+    </p:bldLst>
+  </p:timing>
+</p:sld>
+</file>
+
+<file path=ppt/slides/slide7.xml><?xml version="1.0" encoding="utf-8"?>
+<p:sld xmlns:a="http://schemas.openxmlformats.org/drawingml/2006/main" xmlns:r="http://schemas.openxmlformats.org/officeDocument/2006/relationships" xmlns:p="http://schemas.openxmlformats.org/presentationml/2006/main">
+  <p:cSld>
+    <p:spTree>
+      <p:nvGrpSpPr>
+        <p:cNvPr id="1" name=""/>
+        <p:cNvGrpSpPr/>
+        <p:nvPr/>
+      </p:nvGrpSpPr>
+      <p:grpSpPr>
+        <a:xfrm>
+          <a:off x="0" y="0"/>
+          <a:ext cx="0" cy="0"/>
+          <a:chOff x="0" y="0"/>
+          <a:chExt cx="0" cy="0"/>
+        </a:xfrm>
+      </p:grpSpPr>
+      <p:sp>
+        <p:nvSpPr>
+          <p:cNvPr id="2" name="Title 1"/>
+          <p:cNvSpPr>
+            <a:spLocks noGrp="1"/>
+          </p:cNvSpPr>
+          <p:nvPr>
+            <p:ph type="title"/>
+          </p:nvPr>
+        </p:nvSpPr>
+        <p:spPr/>
+        <p:txBody>
+          <a:bodyPr/>
+          <a:lstStyle/>
+          <a:p>
+            <a:r>
+              <a:rPr lang="en-US" dirty="0">
+                <a:solidFill>
+                  <a:schemeClr val="bg2">
+                    <a:lumMod val="20000"/>
+                    <a:lumOff val="80000"/>
+                  </a:schemeClr>
+                </a:solidFill>
+              </a:rPr>
+              <a:t>Demo</a:t>
+            </a:r>
+            <a:endParaRPr lang="en-US" dirty="0"/>
+          </a:p>
+        </p:txBody>
+      </p:sp>
+      <p:sp>
+        <p:nvSpPr>
+          <p:cNvPr id="3" name="Content Placeholder 2"/>
+          <p:cNvSpPr>
+            <a:spLocks noGrp="1"/>
+          </p:cNvSpPr>
+          <p:nvPr>
+            <p:ph idx="1"/>
+          </p:nvPr>
+        </p:nvSpPr>
+        <p:spPr/>
+        <p:txBody>
+          <a:bodyPr/>
+          <a:lstStyle/>
+          <a:p>
+            <a:endParaRPr lang="en-US" dirty="0">
+              <a:solidFill>
+                <a:schemeClr val="bg2">
+                  <a:lumMod val="20000"/>
+                  <a:lumOff val="80000"/>
+                </a:schemeClr>
+              </a:solidFill>
+            </a:endParaRPr>
+          </a:p>
+        </p:txBody>
+      </p:sp>
+      <p:pic>
+        <p:nvPicPr>
+          <p:cNvPr id="4" name="Picture 3" descr="https://raw.githubusercontent.com/remojansen/logo.ts/master/ts.png"/>
+          <p:cNvPicPr>
+            <a:picLocks noChangeAspect="1" noChangeArrowheads="1"/>
+          </p:cNvPicPr>
+          <p:nvPr/>
+        </p:nvPicPr>
+        <p:blipFill>
+          <a:blip r:embed="rId3">
+            <a:extLst>
+              <a:ext uri="{28A0092B-C50C-407E-A947-70E740481C1C}">
+                <a14:useLocalDpi xmlns:a14="http://schemas.microsoft.com/office/drawing/2010/main" val="0"/>
+              </a:ext>
+            </a:extLst>
+          </a:blip>
+          <a:srcRect/>
+          <a:stretch>
+            <a:fillRect/>
+          </a:stretch>
+        </p:blipFill>
+        <p:spPr bwMode="auto">
+          <a:xfrm>
+            <a:off x="10220496" y="4916314"/>
+            <a:ext cx="1796155" cy="1796155"/>
+          </a:xfrm>
+          <a:prstGeom prst="rect">
+            <a:avLst/>
+          </a:prstGeom>
+          <a:noFill/>
+          <a:extLst>
+            <a:ext uri="{909E8E84-426E-40DD-AFC4-6F175D3DCCD1}">
+              <a14:hiddenFill xmlns:a14="http://schemas.microsoft.com/office/drawing/2010/main">
+                <a:solidFill>
+                  <a:srgbClr val="FFFFFF"/>
+                </a:solidFill>
+              </a14:hiddenFill>
+            </a:ext>
+          </a:extLst>
+        </p:spPr>
+      </p:pic>
+    </p:spTree>
+    <p:extLst>
+      <p:ext uri="{BB962C8B-B14F-4D97-AF65-F5344CB8AC3E}">
+        <p14:creationId xmlns:p14="http://schemas.microsoft.com/office/powerpoint/2010/main" val="2283376823"/>
+      </p:ext>
+    </p:extLst>
+  </p:cSld>
+  <p:clrMapOvr>
+    <a:masterClrMapping/>
+  </p:clrMapOvr>
+</p:sld>
+</file>
+
+<file path=ppt/slides/slide8.xml><?xml version="1.0" encoding="utf-8"?>
+<p:sld xmlns:a="http://schemas.openxmlformats.org/drawingml/2006/main" xmlns:r="http://schemas.openxmlformats.org/officeDocument/2006/relationships" xmlns:p="http://schemas.openxmlformats.org/presentationml/2006/main">
+  <p:cSld>
+    <p:spTree>
+      <p:nvGrpSpPr>
+        <p:cNvPr id="1" name=""/>
+        <p:cNvGrpSpPr/>
+        <p:nvPr/>
+      </p:nvGrpSpPr>
+      <p:grpSpPr>
+        <a:xfrm>
+          <a:off x="0" y="0"/>
+          <a:ext cx="0" cy="0"/>
+          <a:chOff x="0" y="0"/>
+          <a:chExt cx="0" cy="0"/>
+        </a:xfrm>
+      </p:grpSpPr>
+      <p:sp>
+        <p:nvSpPr>
+          <p:cNvPr id="2" name="Title 1"/>
+          <p:cNvSpPr>
+            <a:spLocks noGrp="1"/>
+          </p:cNvSpPr>
+          <p:nvPr>
+            <p:ph type="title"/>
+          </p:nvPr>
+        </p:nvSpPr>
+        <p:spPr/>
+        <p:txBody>
+          <a:bodyPr/>
+          <a:lstStyle/>
+          <a:p>
+            <a:r>
+              <a:rPr lang="en-US" dirty="0">
+                <a:solidFill>
+                  <a:schemeClr val="bg2">
+                    <a:lumMod val="20000"/>
+                    <a:lumOff val="80000"/>
+                  </a:schemeClr>
+                </a:solidFill>
+              </a:rPr>
+              <a:t>Q/A</a:t>
+            </a:r>
+            <a:endParaRPr lang="en-US" dirty="0"/>
+          </a:p>
+        </p:txBody>
+      </p:sp>
+      <p:sp>
+        <p:nvSpPr>
+          <p:cNvPr id="3" name="Content Placeholder 2"/>
+          <p:cNvSpPr>
+            <a:spLocks noGrp="1"/>
+          </p:cNvSpPr>
+          <p:nvPr>
+            <p:ph idx="1"/>
+          </p:nvPr>
+        </p:nvSpPr>
+        <p:spPr/>
+        <p:txBody>
+          <a:bodyPr/>
+          <a:lstStyle/>
+          <a:p>
+            <a:endParaRPr lang="en-US" dirty="0">
+              <a:solidFill>
+                <a:schemeClr val="bg2">
+                  <a:lumMod val="20000"/>
+                  <a:lumOff val="80000"/>
+                </a:schemeClr>
+              </a:solidFill>
+            </a:endParaRPr>
+          </a:p>
+        </p:txBody>
+      </p:sp>
+      <p:pic>
+        <p:nvPicPr>
+          <p:cNvPr id="4" name="Picture 3" descr="https://raw.githubusercontent.com/remojansen/logo.ts/master/ts.png"/>
+          <p:cNvPicPr>
+            <a:picLocks noChangeAspect="1" noChangeArrowheads="1"/>
+          </p:cNvPicPr>
+          <p:nvPr/>
+        </p:nvPicPr>
+        <p:blipFill>
+          <a:blip r:embed="rId3">
+            <a:extLst>
+              <a:ext uri="{28A0092B-C50C-407E-A947-70E740481C1C}">
+                <a14:useLocalDpi xmlns:a14="http://schemas.microsoft.com/office/drawing/2010/main" val="0"/>
+              </a:ext>
+            </a:extLst>
+          </a:blip>
+          <a:srcRect/>
+          <a:stretch>
+            <a:fillRect/>
+          </a:stretch>
+        </p:blipFill>
+        <p:spPr bwMode="auto">
+          <a:xfrm>
+            <a:off x="10220496" y="4916314"/>
+            <a:ext cx="1796155" cy="1796155"/>
+          </a:xfrm>
+          <a:prstGeom prst="rect">
+            <a:avLst/>
+          </a:prstGeom>
+          <a:noFill/>
+          <a:extLst>
+            <a:ext uri="{909E8E84-426E-40DD-AFC4-6F175D3DCCD1}">
+              <a14:hiddenFill xmlns:a14="http://schemas.microsoft.com/office/drawing/2010/main">
+                <a:solidFill>
+                  <a:srgbClr val="FFFFFF"/>
+                </a:solidFill>
+              </a14:hiddenFill>
+            </a:ext>
+          </a:extLst>
+        </p:spPr>
+      </p:pic>
+    </p:spTree>
+    <p:extLst>
+      <p:ext uri="{BB962C8B-B14F-4D97-AF65-F5344CB8AC3E}">
+        <p14:creationId xmlns:p14="http://schemas.microsoft.com/office/powerpoint/2010/main" val="1649108539"/>
+      </p:ext>
+    </p:extLst>
+  </p:cSld>
+  <p:clrMapOvr>
+    <a:masterClrMapping/>
+  </p:clrMapOvr>
+</p:sld>
+</file>
+
+<file path=ppt/slides/slide9.xml><?xml version="1.0" encoding="utf-8"?>
+<p:sld xmlns:a="http://schemas.openxmlformats.org/drawingml/2006/main" xmlns:r="http://schemas.openxmlformats.org/officeDocument/2006/relationships" xmlns:p="http://schemas.openxmlformats.org/presentationml/2006/main">
+  <p:cSld>
+    <p:spTree>
+      <p:nvGrpSpPr>
+        <p:cNvPr id="1" name=""/>
+        <p:cNvGrpSpPr/>
+        <p:nvPr/>
+      </p:nvGrpSpPr>
+      <p:grpSpPr>
+        <a:xfrm>
+          <a:off x="0" y="0"/>
+          <a:ext cx="0" cy="0"/>
+          <a:chOff x="0" y="0"/>
+          <a:chExt cx="0" cy="0"/>
+        </a:xfrm>
+      </p:grpSpPr>
+      <p:sp>
+        <p:nvSpPr>
+          <p:cNvPr id="2" name="Title 1"/>
+          <p:cNvSpPr>
+            <a:spLocks noGrp="1"/>
+          </p:cNvSpPr>
+          <p:nvPr>
+            <p:ph type="title"/>
+          </p:nvPr>
+        </p:nvSpPr>
+        <p:spPr/>
+        <p:txBody>
+          <a:bodyPr/>
+          <a:lstStyle/>
+          <a:p>
+            <a:r>
+              <a:rPr lang="en-US" dirty="0">
+                <a:solidFill>
+                  <a:schemeClr val="bg2">
+                    <a:lumMod val="20000"/>
+                    <a:lumOff val="80000"/>
+                  </a:schemeClr>
+                </a:solidFill>
+              </a:rPr>
+              <a:t>Resources</a:t>
+            </a:r>
+            <a:endParaRPr lang="en-US" dirty="0"/>
+          </a:p>
+        </p:txBody>
+      </p:sp>
+      <p:sp>
+        <p:nvSpPr>
+          <p:cNvPr id="3" name="Content Placeholder 2"/>
+          <p:cNvSpPr>
+            <a:spLocks noGrp="1"/>
+          </p:cNvSpPr>
+          <p:nvPr>
+            <p:ph idx="1"/>
+          </p:nvPr>
+        </p:nvSpPr>
+        <p:spPr/>
+        <p:txBody>
+          <a:bodyPr/>
+          <a:lstStyle/>
+          <a:p>
+            <a:r>
+              <a:rPr lang="en-US" dirty="0">
+                <a:solidFill>
+                  <a:schemeClr val="bg2">
+                    <a:lumMod val="20000"/>
+                    <a:lumOff val="80000"/>
+                  </a:schemeClr>
+                </a:solidFill>
+              </a:rPr>
+              <a:t>Test Driven Development : Kent Beck</a:t>
+            </a:r>
+          </a:p>
+          <a:p>
+            <a:r>
+              <a:rPr lang="en-US" dirty="0">
+                <a:solidFill>
+                  <a:schemeClr val="bg2">
+                    <a:lumMod val="20000"/>
+                    <a:lumOff val="80000"/>
+                  </a:schemeClr>
+                </a:solidFill>
+              </a:rPr>
+              <a:t>Clean Code : Robert C. Martin</a:t>
+            </a:r>
+          </a:p>
+        </p:txBody>
+      </p:sp>
+      <p:pic>
+        <p:nvPicPr>
+          <p:cNvPr id="4" name="Picture 3" descr="https://raw.githubusercontent.com/remojansen/logo.ts/master/ts.png"/>
+          <p:cNvPicPr>
+            <a:picLocks noChangeAspect="1" noChangeArrowheads="1"/>
+          </p:cNvPicPr>
+          <p:nvPr/>
+        </p:nvPicPr>
+        <p:blipFill>
+          <a:blip r:embed="rId3">
+            <a:extLst>
+              <a:ext uri="{28A0092B-C50C-407E-A947-70E740481C1C}">
+                <a14:useLocalDpi xmlns:a14="http://schemas.microsoft.com/office/drawing/2010/main" val="0"/>
+              </a:ext>
+            </a:extLst>
+          </a:blip>
+          <a:srcRect/>
+          <a:stretch>
+            <a:fillRect/>
+          </a:stretch>
+        </p:blipFill>
+        <p:spPr bwMode="auto">
+          <a:xfrm>
+            <a:off x="10220496" y="4916314"/>
+            <a:ext cx="1796155" cy="1796155"/>
+          </a:xfrm>
+          <a:prstGeom prst="rect">
+            <a:avLst/>
+          </a:prstGeom>
+          <a:noFill/>
+          <a:extLst>
+            <a:ext uri="{909E8E84-426E-40DD-AFC4-6F175D3DCCD1}">
+              <a14:hiddenFill xmlns:a14="http://schemas.microsoft.com/office/drawing/2010/main">
+                <a:solidFill>
+                  <a:srgbClr val="FFFFFF"/>
+                </a:solidFill>
+              </a14:hiddenFill>
+            </a:ext>
+          </a:extLst>
+        </p:spPr>
+      </p:pic>
+    </p:spTree>
+    <p:extLst>
+      <p:ext uri="{BB962C8B-B14F-4D97-AF65-F5344CB8AC3E}">
+        <p14:creationId xmlns:p14="http://schemas.microsoft.com/office/powerpoint/2010/main" val="2345690523"/>
       </p:ext>
     </p:extLst>
   </p:cSld>

--- a/Deck/tdd_ktalk.pptx
+++ b/Deck/tdd_ktalk.pptx
@@ -5,7 +5,7 @@
     <p:sldMasterId id="2147483780" r:id="rId1"/>
   </p:sldMasterIdLst>
   <p:notesMasterIdLst>
-    <p:notesMasterId r:id="rId12"/>
+    <p:notesMasterId r:id="rId15"/>
   </p:notesMasterIdLst>
   <p:sldIdLst>
     <p:sldId id="257" r:id="rId2"/>
@@ -14,10 +14,13 @@
     <p:sldId id="260" r:id="rId5"/>
     <p:sldId id="261" r:id="rId6"/>
     <p:sldId id="262" r:id="rId7"/>
-    <p:sldId id="263" r:id="rId8"/>
-    <p:sldId id="264" r:id="rId9"/>
-    <p:sldId id="265" r:id="rId10"/>
-    <p:sldId id="266" r:id="rId11"/>
+    <p:sldId id="269" r:id="rId8"/>
+    <p:sldId id="268" r:id="rId9"/>
+    <p:sldId id="267" r:id="rId10"/>
+    <p:sldId id="263" r:id="rId11"/>
+    <p:sldId id="264" r:id="rId12"/>
+    <p:sldId id="265" r:id="rId13"/>
+    <p:sldId id="266" r:id="rId14"/>
   </p:sldIdLst>
   <p:sldSz cx="12192000" cy="6858000"/>
   <p:notesSz cx="6858000" cy="9144000"/>
@@ -1073,7 +1076,7 @@
           <a:p>
             <a:fld id="{646BAD84-FD8D-44DF-839C-76EF4E440AED}" type="slidenum">
               <a:rPr lang="en-US" smtClean="0"/>
-              <a:t>7</a:t>
+              <a:t>10</a:t>
             </a:fld>
             <a:endParaRPr lang="en-US"/>
           </a:p>
@@ -1225,7 +1228,7 @@
           <a:p>
             <a:fld id="{646BAD84-FD8D-44DF-839C-76EF4E440AED}" type="slidenum">
               <a:rPr lang="en-US" smtClean="0"/>
-              <a:t>8</a:t>
+              <a:t>11</a:t>
             </a:fld>
             <a:endParaRPr lang="en-US"/>
           </a:p>
@@ -1314,7 +1317,7 @@
           <a:p>
             <a:fld id="{646BAD84-FD8D-44DF-839C-76EF4E440AED}" type="slidenum">
               <a:rPr lang="en-US" smtClean="0"/>
-              <a:t>9</a:t>
+              <a:t>12</a:t>
             </a:fld>
             <a:endParaRPr lang="en-US"/>
           </a:p>
@@ -1466,7 +1469,7 @@
           <a:p>
             <a:fld id="{646BAD84-FD8D-44DF-839C-76EF4E440AED}" type="slidenum">
               <a:rPr lang="en-US" smtClean="0"/>
-              <a:t>10</a:t>
+              <a:t>13</a:t>
             </a:fld>
             <a:endParaRPr lang="en-US"/>
           </a:p>
@@ -7614,7 +7617,7 @@
                   </a:schemeClr>
                 </a:solidFill>
               </a:rPr>
-              <a:t>Thank you</a:t>
+              <a:t>Demo</a:t>
             </a:r>
             <a:endParaRPr lang="en-US" dirty="0"/>
           </a:p>
@@ -7628,6 +7631,62 @@
           </p:cNvSpPr>
           <p:nvPr>
             <p:ph idx="1"/>
+          </p:nvPr>
+        </p:nvSpPr>
+        <p:spPr/>
+        <p:txBody>
+          <a:bodyPr/>
+          <a:lstStyle/>
+          <a:p>
+            <a:endParaRPr lang="en-US" dirty="0">
+              <a:solidFill>
+                <a:schemeClr val="bg2">
+                  <a:lumMod val="20000"/>
+                  <a:lumOff val="80000"/>
+                </a:schemeClr>
+              </a:solidFill>
+            </a:endParaRPr>
+          </a:p>
+        </p:txBody>
+      </p:sp>
+    </p:spTree>
+    <p:extLst>
+      <p:ext uri="{BB962C8B-B14F-4D97-AF65-F5344CB8AC3E}">
+        <p14:creationId xmlns:p14="http://schemas.microsoft.com/office/powerpoint/2010/main" val="2283376823"/>
+      </p:ext>
+    </p:extLst>
+  </p:cSld>
+  <p:clrMapOvr>
+    <a:masterClrMapping/>
+  </p:clrMapOvr>
+</p:sld>
+</file>
+
+<file path=ppt/slides/slide11.xml><?xml version="1.0" encoding="utf-8"?>
+<p:sld xmlns:a="http://schemas.openxmlformats.org/drawingml/2006/main" xmlns:r="http://schemas.openxmlformats.org/officeDocument/2006/relationships" xmlns:p="http://schemas.openxmlformats.org/presentationml/2006/main">
+  <p:cSld>
+    <p:spTree>
+      <p:nvGrpSpPr>
+        <p:cNvPr id="1" name=""/>
+        <p:cNvGrpSpPr/>
+        <p:nvPr/>
+      </p:nvGrpSpPr>
+      <p:grpSpPr>
+        <a:xfrm>
+          <a:off x="0" y="0"/>
+          <a:ext cx="0" cy="0"/>
+          <a:chOff x="0" y="0"/>
+          <a:chExt cx="0" cy="0"/>
+        </a:xfrm>
+      </p:grpSpPr>
+      <p:sp>
+        <p:nvSpPr>
+          <p:cNvPr id="2" name="Title 1"/>
+          <p:cNvSpPr>
+            <a:spLocks noGrp="1"/>
+          </p:cNvSpPr>
+          <p:nvPr>
+            <p:ph type="title"/>
           </p:nvPr>
         </p:nvSpPr>
         <p:spPr/>
@@ -7644,9 +7703,82 @@
                   </a:schemeClr>
                 </a:solidFill>
               </a:rPr>
-              <a:t>Email:	cranaweera@virtusapolaris.com</a:t>
-            </a:r>
-          </a:p>
+              <a:t>Q/A</a:t>
+            </a:r>
+            <a:endParaRPr lang="en-US" dirty="0"/>
+          </a:p>
+        </p:txBody>
+      </p:sp>
+      <p:sp>
+        <p:nvSpPr>
+          <p:cNvPr id="3" name="Content Placeholder 2"/>
+          <p:cNvSpPr>
+            <a:spLocks noGrp="1"/>
+          </p:cNvSpPr>
+          <p:nvPr>
+            <p:ph idx="1"/>
+          </p:nvPr>
+        </p:nvSpPr>
+        <p:spPr/>
+        <p:txBody>
+          <a:bodyPr/>
+          <a:lstStyle/>
+          <a:p>
+            <a:endParaRPr lang="en-US" dirty="0">
+              <a:solidFill>
+                <a:schemeClr val="bg2">
+                  <a:lumMod val="20000"/>
+                  <a:lumOff val="80000"/>
+                </a:schemeClr>
+              </a:solidFill>
+            </a:endParaRPr>
+          </a:p>
+        </p:txBody>
+      </p:sp>
+    </p:spTree>
+    <p:extLst>
+      <p:ext uri="{BB962C8B-B14F-4D97-AF65-F5344CB8AC3E}">
+        <p14:creationId xmlns:p14="http://schemas.microsoft.com/office/powerpoint/2010/main" val="1649108539"/>
+      </p:ext>
+    </p:extLst>
+  </p:cSld>
+  <p:clrMapOvr>
+    <a:masterClrMapping/>
+  </p:clrMapOvr>
+</p:sld>
+</file>
+
+<file path=ppt/slides/slide12.xml><?xml version="1.0" encoding="utf-8"?>
+<p:sld xmlns:a="http://schemas.openxmlformats.org/drawingml/2006/main" xmlns:r="http://schemas.openxmlformats.org/officeDocument/2006/relationships" xmlns:p="http://schemas.openxmlformats.org/presentationml/2006/main">
+  <p:cSld>
+    <p:spTree>
+      <p:nvGrpSpPr>
+        <p:cNvPr id="1" name=""/>
+        <p:cNvGrpSpPr/>
+        <p:nvPr/>
+      </p:nvGrpSpPr>
+      <p:grpSpPr>
+        <a:xfrm>
+          <a:off x="0" y="0"/>
+          <a:ext cx="0" cy="0"/>
+          <a:chOff x="0" y="0"/>
+          <a:chExt cx="0" cy="0"/>
+        </a:xfrm>
+      </p:grpSpPr>
+      <p:sp>
+        <p:nvSpPr>
+          <p:cNvPr id="2" name="Title 1"/>
+          <p:cNvSpPr>
+            <a:spLocks noGrp="1"/>
+          </p:cNvSpPr>
+          <p:nvPr>
+            <p:ph type="title"/>
+          </p:nvPr>
+        </p:nvSpPr>
+        <p:spPr/>
+        <p:txBody>
+          <a:bodyPr/>
+          <a:lstStyle/>
           <a:p>
             <a:r>
               <a:rPr lang="en-US" dirty="0">
@@ -7657,52 +7789,156 @@
                   </a:schemeClr>
                 </a:solidFill>
               </a:rPr>
+              <a:t>Resources</a:t>
+            </a:r>
+            <a:endParaRPr lang="en-US" dirty="0"/>
+          </a:p>
+        </p:txBody>
+      </p:sp>
+      <p:sp>
+        <p:nvSpPr>
+          <p:cNvPr id="3" name="Content Placeholder 2"/>
+          <p:cNvSpPr>
+            <a:spLocks noGrp="1"/>
+          </p:cNvSpPr>
+          <p:nvPr>
+            <p:ph idx="1"/>
+          </p:nvPr>
+        </p:nvSpPr>
+        <p:spPr/>
+        <p:txBody>
+          <a:bodyPr/>
+          <a:lstStyle/>
+          <a:p>
+            <a:r>
+              <a:rPr lang="en-US" dirty="0">
+                <a:solidFill>
+                  <a:schemeClr val="bg2">
+                    <a:lumMod val="20000"/>
+                    <a:lumOff val="80000"/>
+                  </a:schemeClr>
+                </a:solidFill>
+              </a:rPr>
+              <a:t>Test Driven Development : Kent Beck</a:t>
+            </a:r>
+          </a:p>
+          <a:p>
+            <a:r>
+              <a:rPr lang="en-US" dirty="0">
+                <a:solidFill>
+                  <a:schemeClr val="bg2">
+                    <a:lumMod val="20000"/>
+                    <a:lumOff val="80000"/>
+                  </a:schemeClr>
+                </a:solidFill>
+              </a:rPr>
+              <a:t>Clean Code : Robert C. Martin</a:t>
+            </a:r>
+          </a:p>
+        </p:txBody>
+      </p:sp>
+    </p:spTree>
+    <p:extLst>
+      <p:ext uri="{BB962C8B-B14F-4D97-AF65-F5344CB8AC3E}">
+        <p14:creationId xmlns:p14="http://schemas.microsoft.com/office/powerpoint/2010/main" val="2345690523"/>
+      </p:ext>
+    </p:extLst>
+  </p:cSld>
+  <p:clrMapOvr>
+    <a:masterClrMapping/>
+  </p:clrMapOvr>
+</p:sld>
+</file>
+
+<file path=ppt/slides/slide13.xml><?xml version="1.0" encoding="utf-8"?>
+<p:sld xmlns:a="http://schemas.openxmlformats.org/drawingml/2006/main" xmlns:r="http://schemas.openxmlformats.org/officeDocument/2006/relationships" xmlns:p="http://schemas.openxmlformats.org/presentationml/2006/main">
+  <p:cSld>
+    <p:spTree>
+      <p:nvGrpSpPr>
+        <p:cNvPr id="1" name=""/>
+        <p:cNvGrpSpPr/>
+        <p:nvPr/>
+      </p:nvGrpSpPr>
+      <p:grpSpPr>
+        <a:xfrm>
+          <a:off x="0" y="0"/>
+          <a:ext cx="0" cy="0"/>
+          <a:chOff x="0" y="0"/>
+          <a:chExt cx="0" cy="0"/>
+        </a:xfrm>
+      </p:grpSpPr>
+      <p:sp>
+        <p:nvSpPr>
+          <p:cNvPr id="2" name="Title 1"/>
+          <p:cNvSpPr>
+            <a:spLocks noGrp="1"/>
+          </p:cNvSpPr>
+          <p:nvPr>
+            <p:ph type="title"/>
+          </p:nvPr>
+        </p:nvSpPr>
+        <p:spPr/>
+        <p:txBody>
+          <a:bodyPr/>
+          <a:lstStyle/>
+          <a:p>
+            <a:r>
+              <a:rPr lang="en-US" dirty="0">
+                <a:solidFill>
+                  <a:schemeClr val="bg2">
+                    <a:lumMod val="20000"/>
+                    <a:lumOff val="80000"/>
+                  </a:schemeClr>
+                </a:solidFill>
+              </a:rPr>
+              <a:t>Thank you</a:t>
+            </a:r>
+            <a:endParaRPr lang="en-US" dirty="0"/>
+          </a:p>
+        </p:txBody>
+      </p:sp>
+      <p:sp>
+        <p:nvSpPr>
+          <p:cNvPr id="3" name="Content Placeholder 2"/>
+          <p:cNvSpPr>
+            <a:spLocks noGrp="1"/>
+          </p:cNvSpPr>
+          <p:nvPr>
+            <p:ph idx="1"/>
+          </p:nvPr>
+        </p:nvSpPr>
+        <p:spPr/>
+        <p:txBody>
+          <a:bodyPr/>
+          <a:lstStyle/>
+          <a:p>
+            <a:r>
+              <a:rPr lang="en-US" dirty="0">
+                <a:solidFill>
+                  <a:schemeClr val="bg2">
+                    <a:lumMod val="20000"/>
+                    <a:lumOff val="80000"/>
+                  </a:schemeClr>
+                </a:solidFill>
+              </a:rPr>
+              <a:t>Email:	cranaweera@virtusapolaris.com</a:t>
+            </a:r>
+          </a:p>
+          <a:p>
+            <a:r>
+              <a:rPr lang="en-US" dirty="0">
+                <a:solidFill>
+                  <a:schemeClr val="bg2">
+                    <a:lumMod val="20000"/>
+                    <a:lumOff val="80000"/>
+                  </a:schemeClr>
+                </a:solidFill>
+              </a:rPr>
               <a:t>GitHub: 	https://github.com/chan4lk/k-talk</a:t>
             </a:r>
           </a:p>
         </p:txBody>
       </p:sp>
-      <p:pic>
-        <p:nvPicPr>
-          <p:cNvPr id="4" name="Picture 3" descr="https://raw.githubusercontent.com/remojansen/logo.ts/master/ts.png"/>
-          <p:cNvPicPr>
-            <a:picLocks noChangeAspect="1" noChangeArrowheads="1"/>
-          </p:cNvPicPr>
-          <p:nvPr/>
-        </p:nvPicPr>
-        <p:blipFill>
-          <a:blip r:embed="rId3">
-            <a:extLst>
-              <a:ext uri="{28A0092B-C50C-407E-A947-70E740481C1C}">
-                <a14:useLocalDpi xmlns:a14="http://schemas.microsoft.com/office/drawing/2010/main" val="0"/>
-              </a:ext>
-            </a:extLst>
-          </a:blip>
-          <a:srcRect/>
-          <a:stretch>
-            <a:fillRect/>
-          </a:stretch>
-        </p:blipFill>
-        <p:spPr bwMode="auto">
-          <a:xfrm>
-            <a:off x="10220496" y="4916314"/>
-            <a:ext cx="1796155" cy="1796155"/>
-          </a:xfrm>
-          <a:prstGeom prst="rect">
-            <a:avLst/>
-          </a:prstGeom>
-          <a:noFill/>
-          <a:extLst>
-            <a:ext uri="{909E8E84-426E-40DD-AFC4-6F175D3DCCD1}">
-              <a14:hiddenFill xmlns:a14="http://schemas.microsoft.com/office/drawing/2010/main">
-                <a:solidFill>
-                  <a:srgbClr val="FFFFFF"/>
-                </a:solidFill>
-              </a14:hiddenFill>
-            </a:ext>
-          </a:extLst>
-        </p:spPr>
-      </p:pic>
     </p:spTree>
     <p:extLst>
       <p:ext uri="{BB962C8B-B14F-4D97-AF65-F5344CB8AC3E}">
@@ -10747,15 +10983,8 @@
           <a:lstStyle/>
           <a:p>
             <a:r>
-              <a:rPr lang="en-US" dirty="0">
-                <a:solidFill>
-                  <a:schemeClr val="bg2">
-                    <a:lumMod val="20000"/>
-                    <a:lumOff val="80000"/>
-                  </a:schemeClr>
-                </a:solidFill>
-              </a:rPr>
-              <a:t>Demo</a:t>
+              <a:rPr lang="en-US" dirty="0"/>
+              <a:t>Test-driven development</a:t>
             </a:r>
             <a:endParaRPr lang="en-US" dirty="0"/>
           </a:p>
@@ -10776,62 +11005,18 @@
           <a:bodyPr/>
           <a:lstStyle/>
           <a:p>
-            <a:endParaRPr lang="en-US" dirty="0">
-              <a:solidFill>
-                <a:schemeClr val="bg2">
-                  <a:lumMod val="20000"/>
-                  <a:lumOff val="80000"/>
-                </a:schemeClr>
-              </a:solidFill>
-            </a:endParaRPr>
-          </a:p>
-        </p:txBody>
-      </p:sp>
-      <p:pic>
-        <p:nvPicPr>
-          <p:cNvPr id="4" name="Picture 3" descr="https://raw.githubusercontent.com/remojansen/logo.ts/master/ts.png"/>
-          <p:cNvPicPr>
-            <a:picLocks noChangeAspect="1" noChangeArrowheads="1"/>
-          </p:cNvPicPr>
-          <p:nvPr/>
-        </p:nvPicPr>
-        <p:blipFill>
-          <a:blip r:embed="rId3">
-            <a:extLst>
-              <a:ext uri="{28A0092B-C50C-407E-A947-70E740481C1C}">
-                <a14:useLocalDpi xmlns:a14="http://schemas.microsoft.com/office/drawing/2010/main" val="0"/>
-              </a:ext>
-            </a:extLst>
-          </a:blip>
-          <a:srcRect/>
-          <a:stretch>
-            <a:fillRect/>
-          </a:stretch>
-        </p:blipFill>
-        <p:spPr bwMode="auto">
-          <a:xfrm>
-            <a:off x="10220496" y="4916314"/>
-            <a:ext cx="1796155" cy="1796155"/>
-          </a:xfrm>
-          <a:prstGeom prst="rect">
-            <a:avLst/>
-          </a:prstGeom>
-          <a:noFill/>
-          <a:extLst>
-            <a:ext uri="{909E8E84-426E-40DD-AFC4-6F175D3DCCD1}">
-              <a14:hiddenFill xmlns:a14="http://schemas.microsoft.com/office/drawing/2010/main">
-                <a:solidFill>
-                  <a:srgbClr val="FFFFFF"/>
-                </a:solidFill>
-              </a14:hiddenFill>
-            </a:ext>
-          </a:extLst>
-        </p:spPr>
-      </p:pic>
+            <a:r>
+              <a:rPr lang="en-US" dirty="0"/>
+              <a:t>Test-driven development is a discipline that helps professional software developers ship clean, flexible code that works, on time.</a:t>
+            </a:r>
+            <a:endParaRPr lang="en-US" dirty="0"/>
+          </a:p>
+        </p:txBody>
+      </p:sp>
     </p:spTree>
     <p:extLst>
       <p:ext uri="{BB962C8B-B14F-4D97-AF65-F5344CB8AC3E}">
-        <p14:creationId xmlns:p14="http://schemas.microsoft.com/office/powerpoint/2010/main" val="2283376823"/>
+        <p14:creationId xmlns:p14="http://schemas.microsoft.com/office/powerpoint/2010/main" val="1085806827"/>
       </p:ext>
     </p:extLst>
   </p:cSld>
@@ -10874,15 +11059,8 @@
           <a:lstStyle/>
           <a:p>
             <a:r>
-              <a:rPr lang="en-US" dirty="0">
-                <a:solidFill>
-                  <a:schemeClr val="bg2">
-                    <a:lumMod val="20000"/>
-                    <a:lumOff val="80000"/>
-                  </a:schemeClr>
-                </a:solidFill>
-              </a:rPr>
-              <a:t>Q/A</a:t>
+              <a:rPr lang="en-US" dirty="0"/>
+              <a:t>The three laws of TDD</a:t>
             </a:r>
             <a:endParaRPr lang="en-US" dirty="0"/>
           </a:p>
@@ -10903,62 +11081,30 @@
           <a:bodyPr/>
           <a:lstStyle/>
           <a:p>
-            <a:endParaRPr lang="en-US" dirty="0">
-              <a:solidFill>
-                <a:schemeClr val="bg2">
-                  <a:lumMod val="20000"/>
-                  <a:lumOff val="80000"/>
-                </a:schemeClr>
-              </a:solidFill>
-            </a:endParaRPr>
-          </a:p>
-        </p:txBody>
-      </p:sp>
-      <p:pic>
-        <p:nvPicPr>
-          <p:cNvPr id="4" name="Picture 3" descr="https://raw.githubusercontent.com/remojansen/logo.ts/master/ts.png"/>
-          <p:cNvPicPr>
-            <a:picLocks noChangeAspect="1" noChangeArrowheads="1"/>
-          </p:cNvPicPr>
-          <p:nvPr/>
-        </p:nvPicPr>
-        <p:blipFill>
-          <a:blip r:embed="rId3">
-            <a:extLst>
-              <a:ext uri="{28A0092B-C50C-407E-A947-70E740481C1C}">
-                <a14:useLocalDpi xmlns:a14="http://schemas.microsoft.com/office/drawing/2010/main" val="0"/>
-              </a:ext>
-            </a:extLst>
-          </a:blip>
-          <a:srcRect/>
-          <a:stretch>
-            <a:fillRect/>
-          </a:stretch>
-        </p:blipFill>
-        <p:spPr bwMode="auto">
-          <a:xfrm>
-            <a:off x="10220496" y="4916314"/>
-            <a:ext cx="1796155" cy="1796155"/>
-          </a:xfrm>
-          <a:prstGeom prst="rect">
-            <a:avLst/>
-          </a:prstGeom>
-          <a:noFill/>
-          <a:extLst>
-            <a:ext uri="{909E8E84-426E-40DD-AFC4-6F175D3DCCD1}">
-              <a14:hiddenFill xmlns:a14="http://schemas.microsoft.com/office/drawing/2010/main">
-                <a:solidFill>
-                  <a:srgbClr val="FFFFFF"/>
-                </a:solidFill>
-              </a14:hiddenFill>
-            </a:ext>
-          </a:extLst>
-        </p:spPr>
-      </p:pic>
+            <a:r>
+              <a:rPr lang="en-US" dirty="0"/>
+              <a:t>You may not write production code unless you’ve first written a failing unit test.</a:t>
+            </a:r>
+          </a:p>
+          <a:p>
+            <a:r>
+              <a:rPr lang="en-US" dirty="0"/>
+              <a:t>You may not write more of a unit test than is sufficient to fail.</a:t>
+            </a:r>
+          </a:p>
+          <a:p>
+            <a:r>
+              <a:rPr lang="en-US" dirty="0"/>
+              <a:t> You may not write more production code than is sufficient to make the failing unit test pass.</a:t>
+            </a:r>
+            <a:endParaRPr lang="en-US" dirty="0"/>
+          </a:p>
+        </p:txBody>
+      </p:sp>
     </p:spTree>
     <p:extLst>
       <p:ext uri="{BB962C8B-B14F-4D97-AF65-F5344CB8AC3E}">
-        <p14:creationId xmlns:p14="http://schemas.microsoft.com/office/powerpoint/2010/main" val="1649108539"/>
+        <p14:creationId xmlns:p14="http://schemas.microsoft.com/office/powerpoint/2010/main" val="4174976456"/>
       </p:ext>
     </p:extLst>
   </p:cSld>
@@ -11001,17 +11147,9 @@
           <a:lstStyle/>
           <a:p>
             <a:r>
-              <a:rPr lang="en-US" dirty="0">
-                <a:solidFill>
-                  <a:schemeClr val="bg2">
-                    <a:lumMod val="20000"/>
-                    <a:lumOff val="80000"/>
-                  </a:schemeClr>
-                </a:solidFill>
-              </a:rPr>
-              <a:t>Resources</a:t>
-            </a:r>
-            <a:endParaRPr lang="en-US" dirty="0"/>
+              <a:rPr lang="en-US" dirty="0"/>
+              <a:t>Technologies</a:t>
+            </a:r>
           </a:p>
         </p:txBody>
       </p:sp>
@@ -11031,77 +11169,29 @@
           <a:lstStyle/>
           <a:p>
             <a:r>
-              <a:rPr lang="en-US" dirty="0">
-                <a:solidFill>
-                  <a:schemeClr val="bg2">
-                    <a:lumMod val="20000"/>
-                    <a:lumOff val="80000"/>
-                  </a:schemeClr>
-                </a:solidFill>
-              </a:rPr>
-              <a:t>Test Driven Development : Kent Beck</a:t>
-            </a:r>
-          </a:p>
-          <a:p>
-            <a:r>
-              <a:rPr lang="en-US" dirty="0">
-                <a:solidFill>
-                  <a:schemeClr val="bg2">
-                    <a:lumMod val="20000"/>
-                    <a:lumOff val="80000"/>
-                  </a:schemeClr>
-                </a:solidFill>
-              </a:rPr>
-              <a:t>Clean Code : Robert C. Martin</a:t>
-            </a:r>
-          </a:p>
-        </p:txBody>
-      </p:sp>
-      <p:pic>
-        <p:nvPicPr>
-          <p:cNvPr id="4" name="Picture 3" descr="https://raw.githubusercontent.com/remojansen/logo.ts/master/ts.png"/>
-          <p:cNvPicPr>
-            <a:picLocks noChangeAspect="1" noChangeArrowheads="1"/>
-          </p:cNvPicPr>
-          <p:nvPr/>
-        </p:nvPicPr>
-        <p:blipFill>
-          <a:blip r:embed="rId3">
-            <a:extLst>
-              <a:ext uri="{28A0092B-C50C-407E-A947-70E740481C1C}">
-                <a14:useLocalDpi xmlns:a14="http://schemas.microsoft.com/office/drawing/2010/main" val="0"/>
-              </a:ext>
-            </a:extLst>
-          </a:blip>
-          <a:srcRect/>
-          <a:stretch>
-            <a:fillRect/>
-          </a:stretch>
-        </p:blipFill>
-        <p:spPr bwMode="auto">
-          <a:xfrm>
-            <a:off x="10220496" y="4916314"/>
-            <a:ext cx="1796155" cy="1796155"/>
-          </a:xfrm>
-          <a:prstGeom prst="rect">
-            <a:avLst/>
-          </a:prstGeom>
-          <a:noFill/>
-          <a:extLst>
-            <a:ext uri="{909E8E84-426E-40DD-AFC4-6F175D3DCCD1}">
-              <a14:hiddenFill xmlns:a14="http://schemas.microsoft.com/office/drawing/2010/main">
-                <a:solidFill>
-                  <a:srgbClr val="FFFFFF"/>
-                </a:solidFill>
-              </a14:hiddenFill>
-            </a:ext>
-          </a:extLst>
-        </p:spPr>
-      </p:pic>
+              <a:rPr lang="en-US" dirty="0"/>
+              <a:t>Nunit</a:t>
+            </a:r>
+          </a:p>
+          <a:p>
+            <a:r>
+              <a:rPr lang="en-US" dirty="0"/>
+              <a:t>Microsoft Fakes</a:t>
+            </a:r>
+          </a:p>
+          <a:p>
+            <a:r>
+              <a:rPr lang="en-US" dirty="0" err="1"/>
+              <a:t>Moq</a:t>
+            </a:r>
+            <a:endParaRPr lang="en-US" dirty="0"/>
+          </a:p>
+        </p:txBody>
+      </p:sp>
     </p:spTree>
     <p:extLst>
       <p:ext uri="{BB962C8B-B14F-4D97-AF65-F5344CB8AC3E}">
-        <p14:creationId xmlns:p14="http://schemas.microsoft.com/office/powerpoint/2010/main" val="2345690523"/>
+        <p14:creationId xmlns:p14="http://schemas.microsoft.com/office/powerpoint/2010/main" val="3184376262"/>
       </p:ext>
     </p:extLst>
   </p:cSld>

--- a/Deck/tdd_ktalk.pptx
+++ b/Deck/tdd_ktalk.pptx
@@ -5,7 +5,7 @@
     <p:sldMasterId id="2147483780" r:id="rId1"/>
   </p:sldMasterIdLst>
   <p:notesMasterIdLst>
-    <p:notesMasterId r:id="rId15"/>
+    <p:notesMasterId r:id="rId16"/>
   </p:notesMasterIdLst>
   <p:sldIdLst>
     <p:sldId id="257" r:id="rId2"/>
@@ -16,11 +16,12 @@
     <p:sldId id="262" r:id="rId7"/>
     <p:sldId id="269" r:id="rId8"/>
     <p:sldId id="268" r:id="rId9"/>
-    <p:sldId id="267" r:id="rId10"/>
-    <p:sldId id="263" r:id="rId11"/>
-    <p:sldId id="264" r:id="rId12"/>
-    <p:sldId id="265" r:id="rId13"/>
-    <p:sldId id="266" r:id="rId14"/>
+    <p:sldId id="270" r:id="rId10"/>
+    <p:sldId id="267" r:id="rId11"/>
+    <p:sldId id="263" r:id="rId12"/>
+    <p:sldId id="264" r:id="rId13"/>
+    <p:sldId id="265" r:id="rId14"/>
+    <p:sldId id="266" r:id="rId15"/>
   </p:sldIdLst>
   <p:sldSz cx="12192000" cy="6858000"/>
   <p:notesSz cx="6858000" cy="9144000"/>
@@ -119,7 +120,751 @@
       </a:defRPr>
     </a:lvl9pPr>
   </p:defaultTextStyle>
+  <p:extLst>
+    <p:ext uri="{EFAFB233-063F-42B5-8137-9DF3F51BA10A}">
+      <p15:sldGuideLst xmlns:p15="http://schemas.microsoft.com/office/powerpoint/2012/main"/>
+    </p:ext>
+  </p:extLst>
 </p:presentation>
+</file>
+
+<file path=ppt/charts/chart1.xml><?xml version="1.0" encoding="utf-8"?>
+<c:chartSpace xmlns:c="http://schemas.openxmlformats.org/drawingml/2006/chart" xmlns:a="http://schemas.openxmlformats.org/drawingml/2006/main" xmlns:r="http://schemas.openxmlformats.org/officeDocument/2006/relationships" xmlns:c16r2="http://schemas.microsoft.com/office/drawing/2015/06/chart">
+  <c:date1904 val="0"/>
+  <c:lang val="en-US"/>
+  <c:roundedCorners val="0"/>
+  <mc:AlternateContent xmlns:mc="http://schemas.openxmlformats.org/markup-compatibility/2006">
+    <mc:Choice xmlns:c14="http://schemas.microsoft.com/office/drawing/2007/8/2/chart" Requires="c14">
+      <c14:style val="102"/>
+    </mc:Choice>
+    <mc:Fallback>
+      <c:style val="2"/>
+    </mc:Fallback>
+  </mc:AlternateContent>
+  <c:chart>
+    <c:autoTitleDeleted val="1"/>
+    <c:plotArea>
+      <c:layout/>
+      <c:pieChart>
+        <c:varyColors val="1"/>
+        <c:ser>
+          <c:idx val="0"/>
+          <c:order val="0"/>
+          <c:tx>
+            <c:strRef>
+              <c:f>Sheet1!$B$1</c:f>
+              <c:strCache>
+                <c:ptCount val="1"/>
+                <c:pt idx="0">
+                  <c:v>Column1</c:v>
+                </c:pt>
+              </c:strCache>
+            </c:strRef>
+          </c:tx>
+          <c:dPt>
+            <c:idx val="0"/>
+            <c:bubble3D val="0"/>
+            <c:spPr>
+              <a:solidFill>
+                <a:srgbClr val="FF0000"/>
+              </a:solidFill>
+              <a:ln w="19050">
+                <a:solidFill>
+                  <a:schemeClr val="lt1"/>
+                </a:solidFill>
+              </a:ln>
+              <a:effectLst/>
+            </c:spPr>
+            <c:extLst>
+              <c:ext xmlns:c16="http://schemas.microsoft.com/office/drawing/2014/chart" uri="{C3380CC4-5D6E-409C-BE32-E72D297353CC}">
+                <c16:uniqueId val="{00000003-F9F3-4072-B879-06A8EBD2AB47}"/>
+              </c:ext>
+            </c:extLst>
+          </c:dPt>
+          <c:dPt>
+            <c:idx val="1"/>
+            <c:bubble3D val="0"/>
+            <c:spPr>
+              <a:solidFill>
+                <a:srgbClr val="00B050"/>
+              </a:solidFill>
+              <a:ln w="19050">
+                <a:solidFill>
+                  <a:schemeClr val="lt1"/>
+                </a:solidFill>
+              </a:ln>
+              <a:effectLst/>
+            </c:spPr>
+            <c:extLst>
+              <c:ext xmlns:c16="http://schemas.microsoft.com/office/drawing/2014/chart" uri="{C3380CC4-5D6E-409C-BE32-E72D297353CC}">
+                <c16:uniqueId val="{00000001-F9F3-4072-B879-06A8EBD2AB47}"/>
+              </c:ext>
+            </c:extLst>
+          </c:dPt>
+          <c:dPt>
+            <c:idx val="2"/>
+            <c:bubble3D val="0"/>
+            <c:spPr>
+              <a:solidFill>
+                <a:srgbClr val="FFFF00"/>
+              </a:solidFill>
+              <a:ln w="19050">
+                <a:solidFill>
+                  <a:schemeClr val="lt1"/>
+                </a:solidFill>
+              </a:ln>
+              <a:effectLst/>
+            </c:spPr>
+            <c:extLst>
+              <c:ext xmlns:c16="http://schemas.microsoft.com/office/drawing/2014/chart" uri="{C3380CC4-5D6E-409C-BE32-E72D297353CC}">
+                <c16:uniqueId val="{00000002-F9F3-4072-B879-06A8EBD2AB47}"/>
+              </c:ext>
+            </c:extLst>
+          </c:dPt>
+          <c:cat>
+            <c:strRef>
+              <c:f>Sheet1!$A$2:$A$4</c:f>
+              <c:strCache>
+                <c:ptCount val="3"/>
+                <c:pt idx="0">
+                  <c:v>Red</c:v>
+                </c:pt>
+                <c:pt idx="1">
+                  <c:v>Gree</c:v>
+                </c:pt>
+                <c:pt idx="2">
+                  <c:v>Refactor</c:v>
+                </c:pt>
+              </c:strCache>
+            </c:strRef>
+          </c:cat>
+          <c:val>
+            <c:numRef>
+              <c:f>Sheet1!$B$2:$B$4</c:f>
+              <c:numCache>
+                <c:formatCode>General</c:formatCode>
+                <c:ptCount val="3"/>
+                <c:pt idx="0">
+                  <c:v>5</c:v>
+                </c:pt>
+                <c:pt idx="1">
+                  <c:v>5</c:v>
+                </c:pt>
+                <c:pt idx="2">
+                  <c:v>5</c:v>
+                </c:pt>
+              </c:numCache>
+            </c:numRef>
+          </c:val>
+          <c:extLst>
+            <c:ext xmlns:c16="http://schemas.microsoft.com/office/drawing/2014/chart" uri="{C3380CC4-5D6E-409C-BE32-E72D297353CC}">
+              <c16:uniqueId val="{00000000-F9F3-4072-B879-06A8EBD2AB47}"/>
+            </c:ext>
+          </c:extLst>
+        </c:ser>
+        <c:dLbls>
+          <c:showLegendKey val="0"/>
+          <c:showVal val="0"/>
+          <c:showCatName val="0"/>
+          <c:showSerName val="0"/>
+          <c:showPercent val="0"/>
+          <c:showBubbleSize val="0"/>
+          <c:showLeaderLines val="1"/>
+        </c:dLbls>
+        <c:firstSliceAng val="0"/>
+      </c:pieChart>
+      <c:spPr>
+        <a:noFill/>
+        <a:ln>
+          <a:noFill/>
+        </a:ln>
+        <a:effectLst/>
+      </c:spPr>
+    </c:plotArea>
+    <c:plotVisOnly val="1"/>
+    <c:dispBlanksAs val="gap"/>
+    <c:showDLblsOverMax val="0"/>
+  </c:chart>
+  <c:spPr>
+    <a:noFill/>
+    <a:ln>
+      <a:noFill/>
+    </a:ln>
+    <a:effectLst/>
+  </c:spPr>
+  <c:txPr>
+    <a:bodyPr/>
+    <a:lstStyle/>
+    <a:p>
+      <a:pPr>
+        <a:defRPr/>
+      </a:pPr>
+      <a:endParaRPr lang="en-US"/>
+    </a:p>
+  </c:txPr>
+  <c:externalData r:id="rId3">
+    <c:autoUpdate val="0"/>
+  </c:externalData>
+</c:chartSpace>
+</file>
+
+<file path=ppt/charts/colors1.xml><?xml version="1.0" encoding="utf-8"?>
+<cs:colorStyle xmlns:cs="http://schemas.microsoft.com/office/drawing/2012/chartStyle" xmlns:a="http://schemas.openxmlformats.org/drawingml/2006/main" meth="cycle" id="10">
+  <a:schemeClr val="accent1"/>
+  <a:schemeClr val="accent2"/>
+  <a:schemeClr val="accent3"/>
+  <a:schemeClr val="accent4"/>
+  <a:schemeClr val="accent5"/>
+  <a:schemeClr val="accent6"/>
+  <cs:variation/>
+  <cs:variation>
+    <a:lumMod val="60000"/>
+  </cs:variation>
+  <cs:variation>
+    <a:lumMod val="80000"/>
+    <a:lumOff val="20000"/>
+  </cs:variation>
+  <cs:variation>
+    <a:lumMod val="80000"/>
+  </cs:variation>
+  <cs:variation>
+    <a:lumMod val="60000"/>
+    <a:lumOff val="40000"/>
+  </cs:variation>
+  <cs:variation>
+    <a:lumMod val="50000"/>
+  </cs:variation>
+  <cs:variation>
+    <a:lumMod val="70000"/>
+    <a:lumOff val="30000"/>
+  </cs:variation>
+  <cs:variation>
+    <a:lumMod val="70000"/>
+  </cs:variation>
+  <cs:variation>
+    <a:lumMod val="50000"/>
+    <a:lumOff val="50000"/>
+  </cs:variation>
+</cs:colorStyle>
+</file>
+
+<file path=ppt/charts/style1.xml><?xml version="1.0" encoding="utf-8"?>
+<cs:chartStyle xmlns:cs="http://schemas.microsoft.com/office/drawing/2012/chartStyle" xmlns:a="http://schemas.openxmlformats.org/drawingml/2006/main" id="251">
+  <cs:axisTitle>
+    <cs:lnRef idx="0"/>
+    <cs:fillRef idx="0"/>
+    <cs:effectRef idx="0"/>
+    <cs:fontRef idx="minor">
+      <a:schemeClr val="tx1">
+        <a:lumMod val="65000"/>
+        <a:lumOff val="35000"/>
+      </a:schemeClr>
+    </cs:fontRef>
+    <cs:defRPr sz="1330" kern="1200"/>
+  </cs:axisTitle>
+  <cs:categoryAxis>
+    <cs:lnRef idx="0"/>
+    <cs:fillRef idx="0"/>
+    <cs:effectRef idx="0"/>
+    <cs:fontRef idx="minor">
+      <a:schemeClr val="tx1">
+        <a:lumMod val="65000"/>
+        <a:lumOff val="35000"/>
+      </a:schemeClr>
+    </cs:fontRef>
+    <cs:spPr>
+      <a:ln w="9525" cap="flat" cmpd="sng" algn="ctr">
+        <a:solidFill>
+          <a:schemeClr val="tx1">
+            <a:lumMod val="15000"/>
+            <a:lumOff val="85000"/>
+          </a:schemeClr>
+        </a:solidFill>
+        <a:round/>
+      </a:ln>
+    </cs:spPr>
+    <cs:defRPr sz="1197" kern="1200"/>
+  </cs:categoryAxis>
+  <cs:chartArea mods="allowNoFillOverride allowNoLineOverride">
+    <cs:lnRef idx="0"/>
+    <cs:fillRef idx="0"/>
+    <cs:effectRef idx="0"/>
+    <cs:fontRef idx="minor">
+      <a:schemeClr val="tx1"/>
+    </cs:fontRef>
+    <cs:spPr>
+      <a:solidFill>
+        <a:schemeClr val="bg1"/>
+      </a:solidFill>
+      <a:ln w="9525" cap="flat" cmpd="sng" algn="ctr">
+        <a:solidFill>
+          <a:schemeClr val="tx1">
+            <a:lumMod val="15000"/>
+            <a:lumOff val="85000"/>
+          </a:schemeClr>
+        </a:solidFill>
+        <a:round/>
+      </a:ln>
+    </cs:spPr>
+    <cs:defRPr sz="1197" kern="1200"/>
+  </cs:chartArea>
+  <cs:dataLabel>
+    <cs:lnRef idx="0"/>
+    <cs:fillRef idx="0"/>
+    <cs:effectRef idx="0"/>
+    <cs:fontRef idx="minor">
+      <a:schemeClr val="tx1">
+        <a:lumMod val="75000"/>
+        <a:lumOff val="25000"/>
+      </a:schemeClr>
+    </cs:fontRef>
+    <cs:defRPr sz="1197" kern="1200"/>
+  </cs:dataLabel>
+  <cs:dataLabelCallout>
+    <cs:lnRef idx="0"/>
+    <cs:fillRef idx="0"/>
+    <cs:effectRef idx="0"/>
+    <cs:fontRef idx="minor">
+      <a:schemeClr val="dk1">
+        <a:lumMod val="65000"/>
+        <a:lumOff val="35000"/>
+      </a:schemeClr>
+    </cs:fontRef>
+    <cs:spPr>
+      <a:solidFill>
+        <a:schemeClr val="lt1"/>
+      </a:solidFill>
+      <a:ln>
+        <a:solidFill>
+          <a:schemeClr val="dk1">
+            <a:lumMod val="25000"/>
+            <a:lumOff val="75000"/>
+          </a:schemeClr>
+        </a:solidFill>
+      </a:ln>
+    </cs:spPr>
+    <cs:defRPr sz="1197" kern="1200"/>
+    <cs:bodyPr rot="0" spcFirstLastPara="1" vertOverflow="clip" horzOverflow="clip" vert="horz" wrap="square" lIns="36576" tIns="18288" rIns="36576" bIns="18288" anchor="ctr" anchorCtr="1">
+      <a:spAutoFit/>
+    </cs:bodyPr>
+  </cs:dataLabelCallout>
+  <cs:dataPoint>
+    <cs:lnRef idx="0"/>
+    <cs:fillRef idx="1">
+      <cs:styleClr val="auto"/>
+    </cs:fillRef>
+    <cs:effectRef idx="0"/>
+    <cs:fontRef idx="minor">
+      <a:schemeClr val="tx1"/>
+    </cs:fontRef>
+    <cs:spPr>
+      <a:ln w="19050">
+        <a:solidFill>
+          <a:schemeClr val="lt1"/>
+        </a:solidFill>
+      </a:ln>
+    </cs:spPr>
+  </cs:dataPoint>
+  <cs:dataPoint3D>
+    <cs:lnRef idx="0"/>
+    <cs:fillRef idx="1">
+      <cs:styleClr val="auto"/>
+    </cs:fillRef>
+    <cs:effectRef idx="0"/>
+    <cs:fontRef idx="minor">
+      <a:schemeClr val="tx1"/>
+    </cs:fontRef>
+    <cs:spPr>
+      <a:ln w="25400">
+        <a:solidFill>
+          <a:schemeClr val="lt1"/>
+        </a:solidFill>
+      </a:ln>
+    </cs:spPr>
+  </cs:dataPoint3D>
+  <cs:dataPointLine>
+    <cs:lnRef idx="0">
+      <cs:styleClr val="auto"/>
+    </cs:lnRef>
+    <cs:fillRef idx="0"/>
+    <cs:effectRef idx="0"/>
+    <cs:fontRef idx="minor">
+      <a:schemeClr val="tx1"/>
+    </cs:fontRef>
+    <cs:spPr>
+      <a:ln w="28575" cap="rnd">
+        <a:solidFill>
+          <a:schemeClr val="phClr"/>
+        </a:solidFill>
+        <a:round/>
+      </a:ln>
+    </cs:spPr>
+  </cs:dataPointLine>
+  <cs:dataPointMarker>
+    <cs:lnRef idx="0">
+      <cs:styleClr val="auto"/>
+    </cs:lnRef>
+    <cs:fillRef idx="1">
+      <cs:styleClr val="auto"/>
+    </cs:fillRef>
+    <cs:effectRef idx="0"/>
+    <cs:fontRef idx="minor">
+      <a:schemeClr val="tx1"/>
+    </cs:fontRef>
+    <cs:spPr>
+      <a:ln w="9525">
+        <a:solidFill>
+          <a:schemeClr val="phClr"/>
+        </a:solidFill>
+      </a:ln>
+    </cs:spPr>
+  </cs:dataPointMarker>
+  <cs:dataPointMarkerLayout symbol="circle" size="5"/>
+  <cs:dataPointWireframe>
+    <cs:lnRef idx="0">
+      <cs:styleClr val="auto"/>
+    </cs:lnRef>
+    <cs:fillRef idx="0"/>
+    <cs:effectRef idx="0"/>
+    <cs:fontRef idx="minor">
+      <a:schemeClr val="tx1"/>
+    </cs:fontRef>
+    <cs:spPr>
+      <a:ln w="9525" cap="rnd">
+        <a:solidFill>
+          <a:schemeClr val="phClr"/>
+        </a:solidFill>
+        <a:round/>
+      </a:ln>
+    </cs:spPr>
+  </cs:dataPointWireframe>
+  <cs:dataTable>
+    <cs:lnRef idx="0"/>
+    <cs:fillRef idx="0"/>
+    <cs:effectRef idx="0"/>
+    <cs:fontRef idx="minor">
+      <a:schemeClr val="tx1">
+        <a:lumMod val="65000"/>
+        <a:lumOff val="35000"/>
+      </a:schemeClr>
+    </cs:fontRef>
+    <cs:spPr>
+      <a:noFill/>
+      <a:ln w="9525" cap="flat" cmpd="sng" algn="ctr">
+        <a:solidFill>
+          <a:schemeClr val="tx1">
+            <a:lumMod val="15000"/>
+            <a:lumOff val="85000"/>
+          </a:schemeClr>
+        </a:solidFill>
+        <a:round/>
+      </a:ln>
+    </cs:spPr>
+    <cs:defRPr sz="1197" kern="1200"/>
+  </cs:dataTable>
+  <cs:downBar>
+    <cs:lnRef idx="0"/>
+    <cs:fillRef idx="0"/>
+    <cs:effectRef idx="0"/>
+    <cs:fontRef idx="minor">
+      <a:schemeClr val="tx1"/>
+    </cs:fontRef>
+    <cs:spPr>
+      <a:solidFill>
+        <a:schemeClr val="dk1">
+          <a:lumMod val="75000"/>
+          <a:lumOff val="25000"/>
+        </a:schemeClr>
+      </a:solidFill>
+      <a:ln w="9525" cap="flat" cmpd="sng" algn="ctr">
+        <a:solidFill>
+          <a:schemeClr val="tx1">
+            <a:lumMod val="65000"/>
+            <a:lumOff val="35000"/>
+          </a:schemeClr>
+        </a:solidFill>
+        <a:round/>
+      </a:ln>
+    </cs:spPr>
+  </cs:downBar>
+  <cs:dropLine>
+    <cs:lnRef idx="0"/>
+    <cs:fillRef idx="0"/>
+    <cs:effectRef idx="0"/>
+    <cs:fontRef idx="minor">
+      <a:schemeClr val="tx1"/>
+    </cs:fontRef>
+    <cs:spPr>
+      <a:ln w="9525" cap="flat" cmpd="sng" algn="ctr">
+        <a:solidFill>
+          <a:schemeClr val="tx1">
+            <a:lumMod val="35000"/>
+            <a:lumOff val="65000"/>
+          </a:schemeClr>
+        </a:solidFill>
+        <a:round/>
+      </a:ln>
+    </cs:spPr>
+  </cs:dropLine>
+  <cs:errorBar>
+    <cs:lnRef idx="0"/>
+    <cs:fillRef idx="0"/>
+    <cs:effectRef idx="0"/>
+    <cs:fontRef idx="minor">
+      <a:schemeClr val="tx1"/>
+    </cs:fontRef>
+    <cs:spPr>
+      <a:ln w="9525" cap="flat" cmpd="sng" algn="ctr">
+        <a:solidFill>
+          <a:schemeClr val="tx1">
+            <a:lumMod val="65000"/>
+            <a:lumOff val="35000"/>
+          </a:schemeClr>
+        </a:solidFill>
+        <a:round/>
+      </a:ln>
+    </cs:spPr>
+  </cs:errorBar>
+  <cs:floor>
+    <cs:lnRef idx="0"/>
+    <cs:fillRef idx="0"/>
+    <cs:effectRef idx="0"/>
+    <cs:fontRef idx="minor">
+      <a:schemeClr val="tx1"/>
+    </cs:fontRef>
+    <cs:spPr>
+      <a:noFill/>
+      <a:ln>
+        <a:noFill/>
+      </a:ln>
+    </cs:spPr>
+  </cs:floor>
+  <cs:gridlineMajor>
+    <cs:lnRef idx="0"/>
+    <cs:fillRef idx="0"/>
+    <cs:effectRef idx="0"/>
+    <cs:fontRef idx="minor">
+      <a:schemeClr val="tx1"/>
+    </cs:fontRef>
+    <cs:spPr>
+      <a:ln w="9525" cap="flat" cmpd="sng" algn="ctr">
+        <a:solidFill>
+          <a:schemeClr val="tx1">
+            <a:lumMod val="15000"/>
+            <a:lumOff val="85000"/>
+          </a:schemeClr>
+        </a:solidFill>
+        <a:round/>
+      </a:ln>
+    </cs:spPr>
+  </cs:gridlineMajor>
+  <cs:gridlineMinor>
+    <cs:lnRef idx="0"/>
+    <cs:fillRef idx="0"/>
+    <cs:effectRef idx="0"/>
+    <cs:fontRef idx="minor">
+      <a:schemeClr val="tx1"/>
+    </cs:fontRef>
+    <cs:spPr>
+      <a:ln w="9525" cap="flat" cmpd="sng" algn="ctr">
+        <a:solidFill>
+          <a:schemeClr val="tx1">
+            <a:lumMod val="5000"/>
+            <a:lumOff val="95000"/>
+          </a:schemeClr>
+        </a:solidFill>
+        <a:round/>
+      </a:ln>
+    </cs:spPr>
+  </cs:gridlineMinor>
+  <cs:hiLoLine>
+    <cs:lnRef idx="0"/>
+    <cs:fillRef idx="0"/>
+    <cs:effectRef idx="0"/>
+    <cs:fontRef idx="minor">
+      <a:schemeClr val="tx1"/>
+    </cs:fontRef>
+    <cs:spPr>
+      <a:ln w="9525" cap="flat" cmpd="sng" algn="ctr">
+        <a:solidFill>
+          <a:schemeClr val="tx1">
+            <a:lumMod val="50000"/>
+            <a:lumOff val="50000"/>
+          </a:schemeClr>
+        </a:solidFill>
+        <a:round/>
+      </a:ln>
+    </cs:spPr>
+  </cs:hiLoLine>
+  <cs:leaderLine>
+    <cs:lnRef idx="0"/>
+    <cs:fillRef idx="0"/>
+    <cs:effectRef idx="0"/>
+    <cs:fontRef idx="minor">
+      <a:schemeClr val="tx1"/>
+    </cs:fontRef>
+    <cs:spPr>
+      <a:ln w="9525" cap="flat" cmpd="sng" algn="ctr">
+        <a:solidFill>
+          <a:schemeClr val="tx1">
+            <a:lumMod val="35000"/>
+            <a:lumOff val="65000"/>
+          </a:schemeClr>
+        </a:solidFill>
+        <a:round/>
+      </a:ln>
+    </cs:spPr>
+  </cs:leaderLine>
+  <cs:legend>
+    <cs:lnRef idx="0"/>
+    <cs:fillRef idx="0"/>
+    <cs:effectRef idx="0"/>
+    <cs:fontRef idx="minor">
+      <a:schemeClr val="tx1">
+        <a:lumMod val="65000"/>
+        <a:lumOff val="35000"/>
+      </a:schemeClr>
+    </cs:fontRef>
+    <cs:defRPr sz="1197" kern="1200"/>
+  </cs:legend>
+  <cs:plotArea mods="allowNoFillOverride allowNoLineOverride">
+    <cs:lnRef idx="0"/>
+    <cs:fillRef idx="0"/>
+    <cs:effectRef idx="0"/>
+    <cs:fontRef idx="minor">
+      <a:schemeClr val="tx1"/>
+    </cs:fontRef>
+  </cs:plotArea>
+  <cs:plotArea3D mods="allowNoFillOverride allowNoLineOverride">
+    <cs:lnRef idx="0"/>
+    <cs:fillRef idx="0"/>
+    <cs:effectRef idx="0"/>
+    <cs:fontRef idx="minor">
+      <a:schemeClr val="tx1"/>
+    </cs:fontRef>
+  </cs:plotArea3D>
+  <cs:seriesAxis>
+    <cs:lnRef idx="0"/>
+    <cs:fillRef idx="0"/>
+    <cs:effectRef idx="0"/>
+    <cs:fontRef idx="minor">
+      <a:schemeClr val="tx1">
+        <a:lumMod val="65000"/>
+        <a:lumOff val="35000"/>
+      </a:schemeClr>
+    </cs:fontRef>
+    <cs:defRPr sz="1197" kern="1200"/>
+  </cs:seriesAxis>
+  <cs:seriesLine>
+    <cs:lnRef idx="0"/>
+    <cs:fillRef idx="0"/>
+    <cs:effectRef idx="0"/>
+    <cs:fontRef idx="minor">
+      <a:schemeClr val="tx1"/>
+    </cs:fontRef>
+    <cs:spPr>
+      <a:ln w="9525" cap="flat" cmpd="sng" algn="ctr">
+        <a:solidFill>
+          <a:schemeClr val="tx1">
+            <a:lumMod val="35000"/>
+            <a:lumOff val="65000"/>
+          </a:schemeClr>
+        </a:solidFill>
+        <a:round/>
+      </a:ln>
+    </cs:spPr>
+  </cs:seriesLine>
+  <cs:title>
+    <cs:lnRef idx="0"/>
+    <cs:fillRef idx="0"/>
+    <cs:effectRef idx="0"/>
+    <cs:fontRef idx="minor">
+      <a:schemeClr val="tx1">
+        <a:lumMod val="65000"/>
+        <a:lumOff val="35000"/>
+      </a:schemeClr>
+    </cs:fontRef>
+    <cs:defRPr sz="1862" b="0" kern="1200" spc="0" baseline="0"/>
+  </cs:title>
+  <cs:trendline>
+    <cs:lnRef idx="0">
+      <cs:styleClr val="auto"/>
+    </cs:lnRef>
+    <cs:fillRef idx="0"/>
+    <cs:effectRef idx="0"/>
+    <cs:fontRef idx="minor">
+      <a:schemeClr val="tx1"/>
+    </cs:fontRef>
+    <cs:spPr>
+      <a:ln w="19050" cap="rnd">
+        <a:solidFill>
+          <a:schemeClr val="phClr"/>
+        </a:solidFill>
+        <a:prstDash val="sysDot"/>
+      </a:ln>
+    </cs:spPr>
+  </cs:trendline>
+  <cs:trendlineLabel>
+    <cs:lnRef idx="0"/>
+    <cs:fillRef idx="0"/>
+    <cs:effectRef idx="0"/>
+    <cs:fontRef idx="minor">
+      <a:schemeClr val="tx1">
+        <a:lumMod val="65000"/>
+        <a:lumOff val="35000"/>
+      </a:schemeClr>
+    </cs:fontRef>
+    <cs:defRPr sz="1197" kern="1200"/>
+  </cs:trendlineLabel>
+  <cs:upBar>
+    <cs:lnRef idx="0"/>
+    <cs:fillRef idx="0"/>
+    <cs:effectRef idx="0"/>
+    <cs:fontRef idx="minor">
+      <a:schemeClr val="tx1"/>
+    </cs:fontRef>
+    <cs:spPr>
+      <a:solidFill>
+        <a:schemeClr val="lt1"/>
+      </a:solidFill>
+      <a:ln w="9525" cap="flat" cmpd="sng" algn="ctr">
+        <a:solidFill>
+          <a:schemeClr val="tx1">
+            <a:lumMod val="65000"/>
+            <a:lumOff val="35000"/>
+          </a:schemeClr>
+        </a:solidFill>
+        <a:round/>
+      </a:ln>
+    </cs:spPr>
+  </cs:upBar>
+  <cs:valueAxis>
+    <cs:lnRef idx="0"/>
+    <cs:fillRef idx="0"/>
+    <cs:effectRef idx="0"/>
+    <cs:fontRef idx="minor">
+      <a:schemeClr val="tx1">
+        <a:lumMod val="65000"/>
+        <a:lumOff val="35000"/>
+      </a:schemeClr>
+    </cs:fontRef>
+    <cs:defRPr sz="1197" kern="1200"/>
+  </cs:valueAxis>
+  <cs:wall>
+    <cs:lnRef idx="0"/>
+    <cs:fillRef idx="0"/>
+    <cs:effectRef idx="0"/>
+    <cs:fontRef idx="minor">
+      <a:schemeClr val="tx1"/>
+    </cs:fontRef>
+    <cs:spPr>
+      <a:noFill/>
+      <a:ln>
+        <a:noFill/>
+      </a:ln>
+    </cs:spPr>
+  </cs:wall>
+</cs:chartStyle>
 </file>
 
 <file path=ppt/notesMasters/notesMaster1.xml><?xml version="1.0" encoding="utf-8"?>
@@ -204,7 +949,7 @@
           <a:p>
             <a:fld id="{3B53C9D4-3BD6-4C40-B000-BE05B575F815}" type="datetimeFigureOut">
               <a:rPr lang="en-US" smtClean="0"/>
-              <a:t>2/13/2017</a:t>
+              <a:t>2/20/2017</a:t>
             </a:fld>
             <a:endParaRPr lang="en-US"/>
           </a:p>
@@ -299,7 +1044,6 @@
               <a:rPr lang="en-US"/>
               <a:t>Fifth level</a:t>
             </a:r>
-            <a:endParaRPr lang="en-US"/>
           </a:p>
         </p:txBody>
       </p:sp>
@@ -790,7 +1534,7 @@
         <p:nvSpPr>
           <p:cNvPr id="58370" name="Rectangle 2"/>
           <p:cNvSpPr>
-            <a:spLocks noChangeArrowheads="1" noTextEdit="1"/>
+            <a:spLocks noGrp="1" noRot="1" noChangeAspect="1" noChangeArrowheads="1" noTextEdit="1"/>
           </p:cNvSpPr>
           <p:nvPr>
             <p:ph type="sldImg"/>
@@ -877,7 +1621,7 @@
         <p:nvSpPr>
           <p:cNvPr id="60418" name="Rectangle 2"/>
           <p:cNvSpPr>
-            <a:spLocks noChangeArrowheads="1" noTextEdit="1"/>
+            <a:spLocks noGrp="1" noRot="1" noChangeAspect="1" noChangeArrowheads="1" noTextEdit="1"/>
           </p:cNvSpPr>
           <p:nvPr>
             <p:ph type="sldImg"/>
@@ -1076,7 +1820,7 @@
           <a:p>
             <a:fld id="{646BAD84-FD8D-44DF-839C-76EF4E440AED}" type="slidenum">
               <a:rPr lang="en-US" smtClean="0"/>
-              <a:t>10</a:t>
+              <a:t>11</a:t>
             </a:fld>
             <a:endParaRPr lang="en-US"/>
           </a:p>
@@ -1228,7 +1972,7 @@
           <a:p>
             <a:fld id="{646BAD84-FD8D-44DF-839C-76EF4E440AED}" type="slidenum">
               <a:rPr lang="en-US" smtClean="0"/>
-              <a:t>11</a:t>
+              <a:t>12</a:t>
             </a:fld>
             <a:endParaRPr lang="en-US"/>
           </a:p>
@@ -1317,7 +2061,7 @@
           <a:p>
             <a:fld id="{646BAD84-FD8D-44DF-839C-76EF4E440AED}" type="slidenum">
               <a:rPr lang="en-US" smtClean="0"/>
-              <a:t>12</a:t>
+              <a:t>13</a:t>
             </a:fld>
             <a:endParaRPr lang="en-US"/>
           </a:p>
@@ -1469,7 +2213,7 @@
           <a:p>
             <a:fld id="{646BAD84-FD8D-44DF-839C-76EF4E440AED}" type="slidenum">
               <a:rPr lang="en-US" smtClean="0"/>
-              <a:t>13</a:t>
+              <a:t>14</a:t>
             </a:fld>
             <a:endParaRPr lang="en-US"/>
           </a:p>
@@ -1674,7 +2418,7 @@
           <a:p>
             <a:fld id="{BA648D00-8C27-4374-8BA4-0C168F83FBDC}" type="datetimeFigureOut">
               <a:rPr lang="en-US" smtClean="0"/>
-              <a:t>2/13/2017</a:t>
+              <a:t>2/20/2017</a:t>
             </a:fld>
             <a:endParaRPr lang="en-US"/>
           </a:p>
@@ -1949,7 +2693,7 @@
           <a:p>
             <a:fld id="{BA648D00-8C27-4374-8BA4-0C168F83FBDC}" type="datetimeFigureOut">
               <a:rPr lang="en-US" smtClean="0"/>
-              <a:t>2/13/2017</a:t>
+              <a:t>2/20/2017</a:t>
             </a:fld>
             <a:endParaRPr lang="en-US"/>
           </a:p>
@@ -2143,7 +2887,7 @@
           <a:p>
             <a:fld id="{BA648D00-8C27-4374-8BA4-0C168F83FBDC}" type="datetimeFigureOut">
               <a:rPr lang="en-US" smtClean="0"/>
-              <a:t>2/13/2017</a:t>
+              <a:t>2/20/2017</a:t>
             </a:fld>
             <a:endParaRPr lang="en-US"/>
           </a:p>
@@ -2416,7 +3160,7 @@
           <a:p>
             <a:fld id="{BA648D00-8C27-4374-8BA4-0C168F83FBDC}" type="datetimeFigureOut">
               <a:rPr lang="en-US" smtClean="0"/>
-              <a:t>2/13/2017</a:t>
+              <a:t>2/20/2017</a:t>
             </a:fld>
             <a:endParaRPr lang="en-US"/>
           </a:p>
@@ -2757,7 +3501,7 @@
           <a:p>
             <a:fld id="{BA648D00-8C27-4374-8BA4-0C168F83FBDC}" type="datetimeFigureOut">
               <a:rPr lang="en-US" smtClean="0"/>
-              <a:t>2/13/2017</a:t>
+              <a:t>2/20/2017</a:t>
             </a:fld>
             <a:endParaRPr lang="en-US"/>
           </a:p>
@@ -3380,7 +4124,7 @@
           <a:p>
             <a:fld id="{BA648D00-8C27-4374-8BA4-0C168F83FBDC}" type="datetimeFigureOut">
               <a:rPr lang="en-US" smtClean="0"/>
-              <a:t>2/13/2017</a:t>
+              <a:t>2/20/2017</a:t>
             </a:fld>
             <a:endParaRPr lang="en-US"/>
           </a:p>
@@ -4240,7 +4984,7 @@
           <a:p>
             <a:fld id="{BA648D00-8C27-4374-8BA4-0C168F83FBDC}" type="datetimeFigureOut">
               <a:rPr lang="en-US" smtClean="0"/>
-              <a:t>2/13/2017</a:t>
+              <a:t>2/20/2017</a:t>
             </a:fld>
             <a:endParaRPr lang="en-US"/>
           </a:p>
@@ -4410,7 +5154,7 @@
           <a:p>
             <a:fld id="{BA648D00-8C27-4374-8BA4-0C168F83FBDC}" type="datetimeFigureOut">
               <a:rPr lang="en-US" smtClean="0"/>
-              <a:t>2/13/2017</a:t>
+              <a:t>2/20/2017</a:t>
             </a:fld>
             <a:endParaRPr lang="en-US"/>
           </a:p>
@@ -4590,7 +5334,7 @@
           <a:p>
             <a:fld id="{BA648D00-8C27-4374-8BA4-0C168F83FBDC}" type="datetimeFigureOut">
               <a:rPr lang="en-US" smtClean="0"/>
-              <a:t>2/13/2017</a:t>
+              <a:t>2/20/2017</a:t>
             </a:fld>
             <a:endParaRPr lang="en-US"/>
           </a:p>
@@ -4760,7 +5504,7 @@
           <a:p>
             <a:fld id="{BA648D00-8C27-4374-8BA4-0C168F83FBDC}" type="datetimeFigureOut">
               <a:rPr lang="en-US" smtClean="0"/>
-              <a:t>2/13/2017</a:t>
+              <a:t>2/20/2017</a:t>
             </a:fld>
             <a:endParaRPr lang="en-US"/>
           </a:p>
@@ -5007,7 +5751,7 @@
           <a:p>
             <a:fld id="{BA648D00-8C27-4374-8BA4-0C168F83FBDC}" type="datetimeFigureOut">
               <a:rPr lang="en-US" smtClean="0"/>
-              <a:t>2/13/2017</a:t>
+              <a:t>2/20/2017</a:t>
             </a:fld>
             <a:endParaRPr lang="en-US"/>
           </a:p>
@@ -5299,7 +6043,7 @@
           <a:p>
             <a:fld id="{BA648D00-8C27-4374-8BA4-0C168F83FBDC}" type="datetimeFigureOut">
               <a:rPr lang="en-US" smtClean="0"/>
-              <a:t>2/13/2017</a:t>
+              <a:t>2/20/2017</a:t>
             </a:fld>
             <a:endParaRPr lang="en-US"/>
           </a:p>
@@ -5743,7 +6487,7 @@
           <a:p>
             <a:fld id="{BA648D00-8C27-4374-8BA4-0C168F83FBDC}" type="datetimeFigureOut">
               <a:rPr lang="en-US" smtClean="0"/>
-              <a:t>2/13/2017</a:t>
+              <a:t>2/20/2017</a:t>
             </a:fld>
             <a:endParaRPr lang="en-US"/>
           </a:p>
@@ -5861,7 +6605,7 @@
           <a:p>
             <a:fld id="{BA648D00-8C27-4374-8BA4-0C168F83FBDC}" type="datetimeFigureOut">
               <a:rPr lang="en-US" smtClean="0"/>
-              <a:t>2/13/2017</a:t>
+              <a:t>2/20/2017</a:t>
             </a:fld>
             <a:endParaRPr lang="en-US"/>
           </a:p>
@@ -5956,7 +6700,7 @@
           <a:p>
             <a:fld id="{BA648D00-8C27-4374-8BA4-0C168F83FBDC}" type="datetimeFigureOut">
               <a:rPr lang="en-US" smtClean="0"/>
-              <a:t>2/13/2017</a:t>
+              <a:t>2/20/2017</a:t>
             </a:fld>
             <a:endParaRPr lang="en-US"/>
           </a:p>
@@ -6235,7 +6979,7 @@
           <a:p>
             <a:fld id="{BA648D00-8C27-4374-8BA4-0C168F83FBDC}" type="datetimeFigureOut">
               <a:rPr lang="en-US" smtClean="0"/>
-              <a:t>2/13/2017</a:t>
+              <a:t>2/20/2017</a:t>
             </a:fld>
             <a:endParaRPr lang="en-US"/>
           </a:p>
@@ -6510,7 +7254,7 @@
           <a:p>
             <a:fld id="{BA648D00-8C27-4374-8BA4-0C168F83FBDC}" type="datetimeFigureOut">
               <a:rPr lang="en-US" smtClean="0"/>
-              <a:t>2/13/2017</a:t>
+              <a:t>2/20/2017</a:t>
             </a:fld>
             <a:endParaRPr lang="en-US"/>
           </a:p>
@@ -6939,7 +7683,7 @@
           <a:p>
             <a:fld id="{BA648D00-8C27-4374-8BA4-0C168F83FBDC}" type="datetimeFigureOut">
               <a:rPr lang="en-US" smtClean="0"/>
-              <a:t>2/13/2017</a:t>
+              <a:t>2/20/2017</a:t>
             </a:fld>
             <a:endParaRPr lang="en-US"/>
           </a:p>
@@ -7609,17 +8353,9 @@
           <a:lstStyle/>
           <a:p>
             <a:r>
-              <a:rPr lang="en-US" dirty="0">
-                <a:solidFill>
-                  <a:schemeClr val="bg2">
-                    <a:lumMod val="20000"/>
-                    <a:lumOff val="80000"/>
-                  </a:schemeClr>
-                </a:solidFill>
-              </a:rPr>
-              <a:t>Demo</a:t>
-            </a:r>
-            <a:endParaRPr lang="en-US" dirty="0"/>
+              <a:rPr lang="en-US" dirty="0"/>
+              <a:t>Technologies</a:t>
+            </a:r>
           </a:p>
         </p:txBody>
       </p:sp>
@@ -7638,21 +8374,30 @@
           <a:bodyPr/>
           <a:lstStyle/>
           <a:p>
-            <a:endParaRPr lang="en-US" dirty="0">
-              <a:solidFill>
-                <a:schemeClr val="bg2">
-                  <a:lumMod val="20000"/>
-                  <a:lumOff val="80000"/>
-                </a:schemeClr>
-              </a:solidFill>
-            </a:endParaRPr>
+            <a:r>
+              <a:rPr lang="en-US" dirty="0"/>
+              <a:t>Nunit</a:t>
+            </a:r>
+          </a:p>
+          <a:p>
+            <a:r>
+              <a:rPr lang="en-US" dirty="0"/>
+              <a:t>Microsoft Fakes</a:t>
+            </a:r>
+          </a:p>
+          <a:p>
+            <a:r>
+              <a:rPr lang="en-US" dirty="0" err="1"/>
+              <a:t>Moq</a:t>
+            </a:r>
+            <a:endParaRPr lang="en-US" dirty="0"/>
           </a:p>
         </p:txBody>
       </p:sp>
     </p:spTree>
     <p:extLst>
       <p:ext uri="{BB962C8B-B14F-4D97-AF65-F5344CB8AC3E}">
-        <p14:creationId xmlns:p14="http://schemas.microsoft.com/office/powerpoint/2010/main" val="2283376823"/>
+        <p14:creationId xmlns:p14="http://schemas.microsoft.com/office/powerpoint/2010/main" val="3184376262"/>
       </p:ext>
     </p:extLst>
   </p:cSld>
@@ -7703,7 +8448,7 @@
                   </a:schemeClr>
                 </a:solidFill>
               </a:rPr>
-              <a:t>Q/A</a:t>
+              <a:t>Demo</a:t>
             </a:r>
             <a:endParaRPr lang="en-US" dirty="0"/>
           </a:p>
@@ -7738,7 +8483,7 @@
     </p:spTree>
     <p:extLst>
       <p:ext uri="{BB962C8B-B14F-4D97-AF65-F5344CB8AC3E}">
-        <p14:creationId xmlns:p14="http://schemas.microsoft.com/office/powerpoint/2010/main" val="1649108539"/>
+        <p14:creationId xmlns:p14="http://schemas.microsoft.com/office/powerpoint/2010/main" val="2283376823"/>
       </p:ext>
     </p:extLst>
   </p:cSld>
@@ -7789,6 +8534,92 @@
                   </a:schemeClr>
                 </a:solidFill>
               </a:rPr>
+              <a:t>Q/A</a:t>
+            </a:r>
+            <a:endParaRPr lang="en-US" dirty="0"/>
+          </a:p>
+        </p:txBody>
+      </p:sp>
+      <p:sp>
+        <p:nvSpPr>
+          <p:cNvPr id="3" name="Content Placeholder 2"/>
+          <p:cNvSpPr>
+            <a:spLocks noGrp="1"/>
+          </p:cNvSpPr>
+          <p:nvPr>
+            <p:ph idx="1"/>
+          </p:nvPr>
+        </p:nvSpPr>
+        <p:spPr/>
+        <p:txBody>
+          <a:bodyPr/>
+          <a:lstStyle/>
+          <a:p>
+            <a:endParaRPr lang="en-US" dirty="0">
+              <a:solidFill>
+                <a:schemeClr val="bg2">
+                  <a:lumMod val="20000"/>
+                  <a:lumOff val="80000"/>
+                </a:schemeClr>
+              </a:solidFill>
+            </a:endParaRPr>
+          </a:p>
+        </p:txBody>
+      </p:sp>
+    </p:spTree>
+    <p:extLst>
+      <p:ext uri="{BB962C8B-B14F-4D97-AF65-F5344CB8AC3E}">
+        <p14:creationId xmlns:p14="http://schemas.microsoft.com/office/powerpoint/2010/main" val="1649108539"/>
+      </p:ext>
+    </p:extLst>
+  </p:cSld>
+  <p:clrMapOvr>
+    <a:masterClrMapping/>
+  </p:clrMapOvr>
+</p:sld>
+</file>
+
+<file path=ppt/slides/slide13.xml><?xml version="1.0" encoding="utf-8"?>
+<p:sld xmlns:a="http://schemas.openxmlformats.org/drawingml/2006/main" xmlns:r="http://schemas.openxmlformats.org/officeDocument/2006/relationships" xmlns:p="http://schemas.openxmlformats.org/presentationml/2006/main">
+  <p:cSld>
+    <p:spTree>
+      <p:nvGrpSpPr>
+        <p:cNvPr id="1" name=""/>
+        <p:cNvGrpSpPr/>
+        <p:nvPr/>
+      </p:nvGrpSpPr>
+      <p:grpSpPr>
+        <a:xfrm>
+          <a:off x="0" y="0"/>
+          <a:ext cx="0" cy="0"/>
+          <a:chOff x="0" y="0"/>
+          <a:chExt cx="0" cy="0"/>
+        </a:xfrm>
+      </p:grpSpPr>
+      <p:sp>
+        <p:nvSpPr>
+          <p:cNvPr id="2" name="Title 1"/>
+          <p:cNvSpPr>
+            <a:spLocks noGrp="1"/>
+          </p:cNvSpPr>
+          <p:nvPr>
+            <p:ph type="title"/>
+          </p:nvPr>
+        </p:nvSpPr>
+        <p:spPr/>
+        <p:txBody>
+          <a:bodyPr/>
+          <a:lstStyle/>
+          <a:p>
+            <a:r>
+              <a:rPr lang="en-US" dirty="0">
+                <a:solidFill>
+                  <a:schemeClr val="bg2">
+                    <a:lumMod val="20000"/>
+                    <a:lumOff val="80000"/>
+                  </a:schemeClr>
+                </a:solidFill>
+              </a:rPr>
               <a:t>Resources</a:t>
             </a:r>
             <a:endParaRPr lang="en-US" dirty="0"/>
@@ -7850,7 +8681,7 @@
 </p:sld>
 </file>
 
-<file path=ppt/slides/slide13.xml><?xml version="1.0" encoding="utf-8"?>
+<file path=ppt/slides/slide14.xml><?xml version="1.0" encoding="utf-8"?>
 <p:sld xmlns:a="http://schemas.openxmlformats.org/drawingml/2006/main" xmlns:r="http://schemas.openxmlformats.org/officeDocument/2006/relationships" xmlns:p="http://schemas.openxmlformats.org/presentationml/2006/main">
   <p:cSld>
     <p:spTree>
@@ -7971,7 +8802,7 @@
       </p:grpSpPr>
       <p:pic>
         <p:nvPicPr>
-          <p:cNvPr id="4" name="Picture 3"/>
+          <p:cNvPr id="2" name="Picture 1"/>
           <p:cNvPicPr>
             <a:picLocks noChangeAspect="1"/>
           </p:cNvPicPr>
@@ -7991,8 +8822,8 @@
         </p:blipFill>
         <p:spPr>
           <a:xfrm>
-            <a:off x="3344261" y="0"/>
-            <a:ext cx="5391509" cy="6858000"/>
+            <a:off x="0" y="0"/>
+            <a:ext cx="12191999" cy="6858000"/>
           </a:xfrm>
           <a:prstGeom prst="rect">
             <a:avLst/>
@@ -10986,7 +11817,6 @@
               <a:rPr lang="en-US" dirty="0"/>
               <a:t>Test-driven development</a:t>
             </a:r>
-            <a:endParaRPr lang="en-US" dirty="0"/>
           </a:p>
         </p:txBody>
       </p:sp>
@@ -11009,7 +11839,6 @@
               <a:rPr lang="en-US" dirty="0"/>
               <a:t>Test-driven development is a discipline that helps professional software developers ship clean, flexible code that works, on time.</a:t>
             </a:r>
-            <a:endParaRPr lang="en-US" dirty="0"/>
           </a:p>
         </p:txBody>
       </p:sp>
@@ -11062,7 +11891,6 @@
               <a:rPr lang="en-US" dirty="0"/>
               <a:t>The three laws of TDD</a:t>
             </a:r>
-            <a:endParaRPr lang="en-US" dirty="0"/>
           </a:p>
         </p:txBody>
       </p:sp>
@@ -11097,7 +11925,6 @@
               <a:rPr lang="en-US" dirty="0"/>
               <a:t> You may not write more production code than is sufficient to make the failing unit test pass.</a:t>
             </a:r>
-            <a:endParaRPr lang="en-US" dirty="0"/>
           </a:p>
         </p:txBody>
       </p:sp>
@@ -11148,50 +11975,40 @@
           <a:p>
             <a:r>
               <a:rPr lang="en-US" dirty="0"/>
-              <a:t>Technologies</a:t>
-            </a:r>
-          </a:p>
-        </p:txBody>
-      </p:sp>
-      <p:sp>
-        <p:nvSpPr>
-          <p:cNvPr id="3" name="Content Placeholder 2"/>
-          <p:cNvSpPr>
-            <a:spLocks noGrp="1"/>
-          </p:cNvSpPr>
+              <a:t>Red &gt; Green &gt; Refactor</a:t>
+            </a:r>
+          </a:p>
+        </p:txBody>
+      </p:sp>
+      <p:graphicFrame>
+        <p:nvGraphicFramePr>
+          <p:cNvPr id="6" name="Content Placeholder 5"/>
+          <p:cNvGraphicFramePr>
+            <a:graphicFrameLocks noGrp="1"/>
+          </p:cNvGraphicFramePr>
           <p:nvPr>
             <p:ph idx="1"/>
-          </p:nvPr>
-        </p:nvSpPr>
-        <p:spPr/>
-        <p:txBody>
-          <a:bodyPr/>
-          <a:lstStyle/>
-          <a:p>
-            <a:r>
-              <a:rPr lang="en-US" dirty="0"/>
-              <a:t>Nunit</a:t>
-            </a:r>
-          </a:p>
-          <a:p>
-            <a:r>
-              <a:rPr lang="en-US" dirty="0"/>
-              <a:t>Microsoft Fakes</a:t>
-            </a:r>
-          </a:p>
-          <a:p>
-            <a:r>
-              <a:rPr lang="en-US" dirty="0" err="1"/>
-              <a:t>Moq</a:t>
-            </a:r>
-            <a:endParaRPr lang="en-US" dirty="0"/>
-          </a:p>
-        </p:txBody>
-      </p:sp>
+            <p:extLst>
+              <p:ext uri="{D42A27DB-BD31-4B8C-83A1-F6EECF244321}">
+                <p14:modId xmlns:p14="http://schemas.microsoft.com/office/powerpoint/2010/main" val="1493691967"/>
+              </p:ext>
+            </p:extLst>
+          </p:nvPr>
+        </p:nvGraphicFramePr>
+        <p:xfrm>
+          <a:off x="1103684" y="1152983"/>
+          <a:ext cx="8947150" cy="4195762"/>
+        </p:xfrm>
+        <a:graphic>
+          <a:graphicData uri="http://schemas.openxmlformats.org/drawingml/2006/chart">
+            <c:chart xmlns:c="http://schemas.openxmlformats.org/drawingml/2006/chart" xmlns:r="http://schemas.openxmlformats.org/officeDocument/2006/relationships" r:id="rId2"/>
+          </a:graphicData>
+        </a:graphic>
+      </p:graphicFrame>
     </p:spTree>
     <p:extLst>
       <p:ext uri="{BB962C8B-B14F-4D97-AF65-F5344CB8AC3E}">
-        <p14:creationId xmlns:p14="http://schemas.microsoft.com/office/powerpoint/2010/main" val="3184376262"/>
+        <p14:creationId xmlns:p14="http://schemas.microsoft.com/office/powerpoint/2010/main" val="582805063"/>
       </p:ext>
     </p:extLst>
   </p:cSld>

--- a/Deck/tdd_ktalk.pptx
+++ b/Deck/tdd_ktalk.pptx
@@ -949,7 +949,7 @@
           <a:p>
             <a:fld id="{3B53C9D4-3BD6-4C40-B000-BE05B575F815}" type="datetimeFigureOut">
               <a:rPr lang="en-US" smtClean="0"/>
-              <a:t>2/20/2017</a:t>
+              <a:t>2/21/2017</a:t>
             </a:fld>
             <a:endParaRPr lang="en-US"/>
           </a:p>
@@ -1736,69 +1736,6 @@
           <a:bodyPr/>
           <a:lstStyle/>
           <a:p>
-            <a:r>
-              <a:rPr lang="en-US" sz="1200" b="0" i="0" kern="1200" dirty="0">
-                <a:solidFill>
-                  <a:schemeClr val="tx1"/>
-                </a:solidFill>
-                <a:effectLst/>
-                <a:latin typeface="+mn-lt"/>
-                <a:ea typeface="+mn-ea"/>
-                <a:cs typeface="+mn-cs"/>
-              </a:rPr>
-              <a:t>http://www.typescriptlang.org/index.html#download-links</a:t>
-            </a:r>
-          </a:p>
-          <a:p>
-            <a:r>
-              <a:rPr lang="en-US" sz="1200" b="0" i="0" kern="1200" dirty="0">
-                <a:solidFill>
-                  <a:schemeClr val="tx1"/>
-                </a:solidFill>
-                <a:effectLst/>
-                <a:latin typeface="+mn-lt"/>
-                <a:ea typeface="+mn-ea"/>
-                <a:cs typeface="+mn-cs"/>
-              </a:rPr>
-              <a:t>Using</a:t>
-            </a:r>
-            <a:r>
-              <a:rPr lang="en-US" sz="1200" b="0" i="0" kern="1200" baseline="0" dirty="0">
-                <a:solidFill>
-                  <a:schemeClr val="tx1"/>
-                </a:solidFill>
-                <a:effectLst/>
-                <a:latin typeface="+mn-lt"/>
-                <a:ea typeface="+mn-ea"/>
-                <a:cs typeface="+mn-cs"/>
-              </a:rPr>
-              <a:t> vs code(hands up)</a:t>
-            </a:r>
-            <a:endParaRPr lang="en-US" sz="1200" b="0" i="0" kern="1200" dirty="0">
-              <a:solidFill>
-                <a:schemeClr val="tx1"/>
-              </a:solidFill>
-              <a:effectLst/>
-              <a:latin typeface="+mn-lt"/>
-              <a:ea typeface="+mn-ea"/>
-              <a:cs typeface="+mn-cs"/>
-            </a:endParaRPr>
-          </a:p>
-          <a:p>
-            <a:r>
-              <a:rPr lang="en-US" sz="1200" b="0" i="0" kern="1200" dirty="0">
-                <a:solidFill>
-                  <a:schemeClr val="tx1"/>
-                </a:solidFill>
-                <a:effectLst/>
-                <a:latin typeface="+mn-lt"/>
-                <a:ea typeface="+mn-ea"/>
-                <a:cs typeface="+mn-cs"/>
-              </a:rPr>
-              <a:t>http://alm.tools/</a:t>
-            </a:r>
-          </a:p>
-          <a:p>
             <a:endParaRPr lang="en-US" dirty="0"/>
           </a:p>
         </p:txBody>
@@ -1888,69 +1825,6 @@
           <a:bodyPr/>
           <a:lstStyle/>
           <a:p>
-            <a:r>
-              <a:rPr lang="en-US" sz="1200" b="0" i="0" kern="1200" dirty="0">
-                <a:solidFill>
-                  <a:schemeClr val="tx1"/>
-                </a:solidFill>
-                <a:effectLst/>
-                <a:latin typeface="+mn-lt"/>
-                <a:ea typeface="+mn-ea"/>
-                <a:cs typeface="+mn-cs"/>
-              </a:rPr>
-              <a:t>http://www.typescriptlang.org/index.html#download-links</a:t>
-            </a:r>
-          </a:p>
-          <a:p>
-            <a:r>
-              <a:rPr lang="en-US" sz="1200" b="0" i="0" kern="1200" dirty="0">
-                <a:solidFill>
-                  <a:schemeClr val="tx1"/>
-                </a:solidFill>
-                <a:effectLst/>
-                <a:latin typeface="+mn-lt"/>
-                <a:ea typeface="+mn-ea"/>
-                <a:cs typeface="+mn-cs"/>
-              </a:rPr>
-              <a:t>Using</a:t>
-            </a:r>
-            <a:r>
-              <a:rPr lang="en-US" sz="1200" b="0" i="0" kern="1200" baseline="0" dirty="0">
-                <a:solidFill>
-                  <a:schemeClr val="tx1"/>
-                </a:solidFill>
-                <a:effectLst/>
-                <a:latin typeface="+mn-lt"/>
-                <a:ea typeface="+mn-ea"/>
-                <a:cs typeface="+mn-cs"/>
-              </a:rPr>
-              <a:t> vs code(hands up)</a:t>
-            </a:r>
-            <a:endParaRPr lang="en-US" sz="1200" b="0" i="0" kern="1200" dirty="0">
-              <a:solidFill>
-                <a:schemeClr val="tx1"/>
-              </a:solidFill>
-              <a:effectLst/>
-              <a:latin typeface="+mn-lt"/>
-              <a:ea typeface="+mn-ea"/>
-              <a:cs typeface="+mn-cs"/>
-            </a:endParaRPr>
-          </a:p>
-          <a:p>
-            <a:r>
-              <a:rPr lang="en-US" sz="1200" b="0" i="0" kern="1200" dirty="0">
-                <a:solidFill>
-                  <a:schemeClr val="tx1"/>
-                </a:solidFill>
-                <a:effectLst/>
-                <a:latin typeface="+mn-lt"/>
-                <a:ea typeface="+mn-ea"/>
-                <a:cs typeface="+mn-cs"/>
-              </a:rPr>
-              <a:t>http://alm.tools/</a:t>
-            </a:r>
-          </a:p>
-          <a:p>
             <a:endParaRPr lang="en-US" dirty="0"/>
           </a:p>
         </p:txBody>
@@ -2129,69 +2003,6 @@
           <a:bodyPr/>
           <a:lstStyle/>
           <a:p>
-            <a:r>
-              <a:rPr lang="en-US" sz="1200" b="0" i="0" kern="1200" dirty="0">
-                <a:solidFill>
-                  <a:schemeClr val="tx1"/>
-                </a:solidFill>
-                <a:effectLst/>
-                <a:latin typeface="+mn-lt"/>
-                <a:ea typeface="+mn-ea"/>
-                <a:cs typeface="+mn-cs"/>
-              </a:rPr>
-              <a:t>http://www.typescriptlang.org/index.html#download-links</a:t>
-            </a:r>
-          </a:p>
-          <a:p>
-            <a:r>
-              <a:rPr lang="en-US" sz="1200" b="0" i="0" kern="1200" dirty="0">
-                <a:solidFill>
-                  <a:schemeClr val="tx1"/>
-                </a:solidFill>
-                <a:effectLst/>
-                <a:latin typeface="+mn-lt"/>
-                <a:ea typeface="+mn-ea"/>
-                <a:cs typeface="+mn-cs"/>
-              </a:rPr>
-              <a:t>Using</a:t>
-            </a:r>
-            <a:r>
-              <a:rPr lang="en-US" sz="1200" b="0" i="0" kern="1200" baseline="0" dirty="0">
-                <a:solidFill>
-                  <a:schemeClr val="tx1"/>
-                </a:solidFill>
-                <a:effectLst/>
-                <a:latin typeface="+mn-lt"/>
-                <a:ea typeface="+mn-ea"/>
-                <a:cs typeface="+mn-cs"/>
-              </a:rPr>
-              <a:t> vs code(hands up)</a:t>
-            </a:r>
-            <a:endParaRPr lang="en-US" sz="1200" b="0" i="0" kern="1200" dirty="0">
-              <a:solidFill>
-                <a:schemeClr val="tx1"/>
-              </a:solidFill>
-              <a:effectLst/>
-              <a:latin typeface="+mn-lt"/>
-              <a:ea typeface="+mn-ea"/>
-              <a:cs typeface="+mn-cs"/>
-            </a:endParaRPr>
-          </a:p>
-          <a:p>
-            <a:r>
-              <a:rPr lang="en-US" sz="1200" b="0" i="0" kern="1200" dirty="0">
-                <a:solidFill>
-                  <a:schemeClr val="tx1"/>
-                </a:solidFill>
-                <a:effectLst/>
-                <a:latin typeface="+mn-lt"/>
-                <a:ea typeface="+mn-ea"/>
-                <a:cs typeface="+mn-cs"/>
-              </a:rPr>
-              <a:t>http://alm.tools/</a:t>
-            </a:r>
-          </a:p>
-          <a:p>
             <a:endParaRPr lang="en-US" dirty="0"/>
           </a:p>
         </p:txBody>
@@ -2418,7 +2229,7 @@
           <a:p>
             <a:fld id="{BA648D00-8C27-4374-8BA4-0C168F83FBDC}" type="datetimeFigureOut">
               <a:rPr lang="en-US" smtClean="0"/>
-              <a:t>2/20/2017</a:t>
+              <a:t>2/21/2017</a:t>
             </a:fld>
             <a:endParaRPr lang="en-US"/>
           </a:p>
@@ -2693,7 +2504,7 @@
           <a:p>
             <a:fld id="{BA648D00-8C27-4374-8BA4-0C168F83FBDC}" type="datetimeFigureOut">
               <a:rPr lang="en-US" smtClean="0"/>
-              <a:t>2/20/2017</a:t>
+              <a:t>2/21/2017</a:t>
             </a:fld>
             <a:endParaRPr lang="en-US"/>
           </a:p>
@@ -2887,7 +2698,7 @@
           <a:p>
             <a:fld id="{BA648D00-8C27-4374-8BA4-0C168F83FBDC}" type="datetimeFigureOut">
               <a:rPr lang="en-US" smtClean="0"/>
-              <a:t>2/20/2017</a:t>
+              <a:t>2/21/2017</a:t>
             </a:fld>
             <a:endParaRPr lang="en-US"/>
           </a:p>
@@ -3160,7 +2971,7 @@
           <a:p>
             <a:fld id="{BA648D00-8C27-4374-8BA4-0C168F83FBDC}" type="datetimeFigureOut">
               <a:rPr lang="en-US" smtClean="0"/>
-              <a:t>2/20/2017</a:t>
+              <a:t>2/21/2017</a:t>
             </a:fld>
             <a:endParaRPr lang="en-US"/>
           </a:p>
@@ -3501,7 +3312,7 @@
           <a:p>
             <a:fld id="{BA648D00-8C27-4374-8BA4-0C168F83FBDC}" type="datetimeFigureOut">
               <a:rPr lang="en-US" smtClean="0"/>
-              <a:t>2/20/2017</a:t>
+              <a:t>2/21/2017</a:t>
             </a:fld>
             <a:endParaRPr lang="en-US"/>
           </a:p>
@@ -4124,7 +3935,7 @@
           <a:p>
             <a:fld id="{BA648D00-8C27-4374-8BA4-0C168F83FBDC}" type="datetimeFigureOut">
               <a:rPr lang="en-US" smtClean="0"/>
-              <a:t>2/20/2017</a:t>
+              <a:t>2/21/2017</a:t>
             </a:fld>
             <a:endParaRPr lang="en-US"/>
           </a:p>
@@ -4984,7 +4795,7 @@
           <a:p>
             <a:fld id="{BA648D00-8C27-4374-8BA4-0C168F83FBDC}" type="datetimeFigureOut">
               <a:rPr lang="en-US" smtClean="0"/>
-              <a:t>2/20/2017</a:t>
+              <a:t>2/21/2017</a:t>
             </a:fld>
             <a:endParaRPr lang="en-US"/>
           </a:p>
@@ -5154,7 +4965,7 @@
           <a:p>
             <a:fld id="{BA648D00-8C27-4374-8BA4-0C168F83FBDC}" type="datetimeFigureOut">
               <a:rPr lang="en-US" smtClean="0"/>
-              <a:t>2/20/2017</a:t>
+              <a:t>2/21/2017</a:t>
             </a:fld>
             <a:endParaRPr lang="en-US"/>
           </a:p>
@@ -5334,7 +5145,7 @@
           <a:p>
             <a:fld id="{BA648D00-8C27-4374-8BA4-0C168F83FBDC}" type="datetimeFigureOut">
               <a:rPr lang="en-US" smtClean="0"/>
-              <a:t>2/20/2017</a:t>
+              <a:t>2/21/2017</a:t>
             </a:fld>
             <a:endParaRPr lang="en-US"/>
           </a:p>
@@ -5504,7 +5315,7 @@
           <a:p>
             <a:fld id="{BA648D00-8C27-4374-8BA4-0C168F83FBDC}" type="datetimeFigureOut">
               <a:rPr lang="en-US" smtClean="0"/>
-              <a:t>2/20/2017</a:t>
+              <a:t>2/21/2017</a:t>
             </a:fld>
             <a:endParaRPr lang="en-US"/>
           </a:p>
@@ -5751,7 +5562,7 @@
           <a:p>
             <a:fld id="{BA648D00-8C27-4374-8BA4-0C168F83FBDC}" type="datetimeFigureOut">
               <a:rPr lang="en-US" smtClean="0"/>
-              <a:t>2/20/2017</a:t>
+              <a:t>2/21/2017</a:t>
             </a:fld>
             <a:endParaRPr lang="en-US"/>
           </a:p>
@@ -6043,7 +5854,7 @@
           <a:p>
             <a:fld id="{BA648D00-8C27-4374-8BA4-0C168F83FBDC}" type="datetimeFigureOut">
               <a:rPr lang="en-US" smtClean="0"/>
-              <a:t>2/20/2017</a:t>
+              <a:t>2/21/2017</a:t>
             </a:fld>
             <a:endParaRPr lang="en-US"/>
           </a:p>
@@ -6487,7 +6298,7 @@
           <a:p>
             <a:fld id="{BA648D00-8C27-4374-8BA4-0C168F83FBDC}" type="datetimeFigureOut">
               <a:rPr lang="en-US" smtClean="0"/>
-              <a:t>2/20/2017</a:t>
+              <a:t>2/21/2017</a:t>
             </a:fld>
             <a:endParaRPr lang="en-US"/>
           </a:p>
@@ -6605,7 +6416,7 @@
           <a:p>
             <a:fld id="{BA648D00-8C27-4374-8BA4-0C168F83FBDC}" type="datetimeFigureOut">
               <a:rPr lang="en-US" smtClean="0"/>
-              <a:t>2/20/2017</a:t>
+              <a:t>2/21/2017</a:t>
             </a:fld>
             <a:endParaRPr lang="en-US"/>
           </a:p>
@@ -6700,7 +6511,7 @@
           <a:p>
             <a:fld id="{BA648D00-8C27-4374-8BA4-0C168F83FBDC}" type="datetimeFigureOut">
               <a:rPr lang="en-US" smtClean="0"/>
-              <a:t>2/20/2017</a:t>
+              <a:t>2/21/2017</a:t>
             </a:fld>
             <a:endParaRPr lang="en-US"/>
           </a:p>
@@ -6979,7 +6790,7 @@
           <a:p>
             <a:fld id="{BA648D00-8C27-4374-8BA4-0C168F83FBDC}" type="datetimeFigureOut">
               <a:rPr lang="en-US" smtClean="0"/>
-              <a:t>2/20/2017</a:t>
+              <a:t>2/21/2017</a:t>
             </a:fld>
             <a:endParaRPr lang="en-US"/>
           </a:p>
@@ -7254,7 +7065,7 @@
           <a:p>
             <a:fld id="{BA648D00-8C27-4374-8BA4-0C168F83FBDC}" type="datetimeFigureOut">
               <a:rPr lang="en-US" smtClean="0"/>
-              <a:t>2/20/2017</a:t>
+              <a:t>2/21/2017</a:t>
             </a:fld>
             <a:endParaRPr lang="en-US"/>
           </a:p>
@@ -7683,7 +7494,7 @@
           <a:p>
             <a:fld id="{BA648D00-8C27-4374-8BA4-0C168F83FBDC}" type="datetimeFigureOut">
               <a:rPr lang="en-US" smtClean="0"/>
-              <a:t>2/20/2017</a:t>
+              <a:t>2/21/2017</a:t>
             </a:fld>
             <a:endParaRPr lang="en-US"/>
           </a:p>
@@ -9140,7 +8951,7 @@
           <a:lstStyle/>
           <a:p>
             <a:r>
-              <a:rPr lang="en-US" altLang="en-US"/>
+              <a:rPr lang="en-US" altLang="en-US" dirty="0"/>
               <a:t>Types of  Testing</a:t>
             </a:r>
           </a:p>
@@ -9162,73 +8973,73 @@
           <a:lstStyle/>
           <a:p>
             <a:r>
-              <a:rPr lang="en-US" altLang="en-US">
+              <a:rPr lang="en-US" altLang="en-US" dirty="0">
                 <a:solidFill>
                   <a:srgbClr val="FC0128"/>
                 </a:solidFill>
               </a:rPr>
               <a:t>Unit Testing</a:t>
             </a:r>
-            <a:endParaRPr lang="en-US" altLang="en-US"/>
+            <a:endParaRPr lang="en-US" altLang="en-US" dirty="0"/>
           </a:p>
           <a:p>
             <a:pPr lvl="1"/>
             <a:r>
-              <a:rPr lang="en-US" altLang="en-US"/>
+              <a:rPr lang="en-US" altLang="en-US" dirty="0"/>
               <a:t>Individual component (class or subsystem)</a:t>
             </a:r>
           </a:p>
           <a:p>
             <a:pPr lvl="1"/>
             <a:r>
-              <a:rPr lang="en-US" altLang="en-US"/>
+              <a:rPr lang="en-US" altLang="en-US" dirty="0"/>
               <a:t>Carried out by developers</a:t>
             </a:r>
           </a:p>
           <a:p>
             <a:pPr lvl="1"/>
             <a:r>
-              <a:rPr lang="en-US" altLang="en-US" u="sng"/>
+              <a:rPr lang="en-US" altLang="en-US" u="sng" dirty="0"/>
               <a:t>Goal:</a:t>
             </a:r>
             <a:r>
-              <a:rPr lang="en-US" altLang="en-US"/>
+              <a:rPr lang="en-US" altLang="en-US" dirty="0"/>
               <a:t> Confirm that the component or subsystem is correctly coded and carries out the intended functionality</a:t>
             </a:r>
           </a:p>
           <a:p>
             <a:r>
-              <a:rPr lang="en-US" altLang="en-US">
+              <a:rPr lang="en-US" altLang="en-US" dirty="0">
                 <a:solidFill>
                   <a:srgbClr val="FC0128"/>
                 </a:solidFill>
               </a:rPr>
               <a:t>Integration Testing</a:t>
             </a:r>
-            <a:endParaRPr lang="en-US" altLang="en-US"/>
+            <a:endParaRPr lang="en-US" altLang="en-US" dirty="0"/>
           </a:p>
           <a:p>
             <a:pPr lvl="1"/>
             <a:r>
-              <a:rPr lang="en-US" altLang="en-US"/>
+              <a:rPr lang="en-US" altLang="en-US" dirty="0"/>
               <a:t>Groups of subsystems (collection of subsystems) and eventually the entire system</a:t>
             </a:r>
           </a:p>
           <a:p>
             <a:pPr lvl="1"/>
             <a:r>
-              <a:rPr lang="en-US" altLang="en-US"/>
+              <a:rPr lang="en-US" altLang="en-US" dirty="0"/>
               <a:t>Carried out by developers</a:t>
             </a:r>
           </a:p>
           <a:p>
             <a:pPr lvl="1"/>
             <a:r>
-              <a:rPr lang="en-US" altLang="en-US" u="sng"/>
+              <a:rPr lang="en-US" altLang="en-US" u="sng" dirty="0"/>
               <a:t>Goal</a:t>
             </a:r>
             <a:r>
-              <a:rPr lang="en-US" altLang="en-US"/>
+              <a:rPr lang="en-US" altLang="en-US" dirty="0"/>
               <a:t>:  Test the interfaces among the subsystems.</a:t>
             </a:r>
           </a:p>
@@ -9686,14 +9497,14 @@
           <a:p>
             <a:pPr algn="ctr"/>
             <a:r>
-              <a:rPr lang="de-DE" altLang="en-US" sz="800"/>
+              <a:rPr lang="de-DE" altLang="en-US" sz="800" dirty="0"/>
               <a:t>Integration</a:t>
             </a:r>
             <a:br>
-              <a:rPr lang="de-DE" altLang="en-US" sz="800"/>
+              <a:rPr lang="de-DE" altLang="en-US" sz="800" dirty="0"/>
             </a:br>
             <a:r>
-              <a:rPr lang="de-DE" altLang="en-US" sz="800"/>
+              <a:rPr lang="de-DE" altLang="en-US" sz="800" dirty="0"/>
               <a:t>Testing</a:t>
             </a:r>
           </a:p>
@@ -9841,14 +9652,14 @@
           <a:p>
             <a:pPr algn="ctr"/>
             <a:r>
-              <a:rPr lang="de-DE" altLang="en-US" sz="800"/>
+              <a:rPr lang="de-DE" altLang="en-US" sz="800" dirty="0"/>
               <a:t>System</a:t>
             </a:r>
             <a:br>
-              <a:rPr lang="de-DE" altLang="en-US" sz="800"/>
+              <a:rPr lang="de-DE" altLang="en-US" sz="800" dirty="0"/>
             </a:br>
             <a:r>
-              <a:rPr lang="de-DE" altLang="en-US" sz="800"/>
+              <a:rPr lang="de-DE" altLang="en-US" sz="800" dirty="0"/>
               <a:t>Testing</a:t>
             </a:r>
           </a:p>
@@ -10501,73 +10312,73 @@
           <a:lstStyle/>
           <a:p>
             <a:r>
-              <a:rPr lang="en-US" altLang="en-US">
+              <a:rPr lang="en-US" altLang="en-US" dirty="0">
                 <a:solidFill>
                   <a:srgbClr val="FC0128"/>
                 </a:solidFill>
               </a:rPr>
               <a:t>System Testing</a:t>
             </a:r>
-            <a:endParaRPr lang="en-US" altLang="en-US"/>
+            <a:endParaRPr lang="en-US" altLang="en-US" dirty="0"/>
           </a:p>
           <a:p>
             <a:pPr lvl="1"/>
             <a:r>
-              <a:rPr lang="en-US" altLang="en-US"/>
+              <a:rPr lang="en-US" altLang="en-US" dirty="0"/>
               <a:t>The entire system</a:t>
             </a:r>
           </a:p>
           <a:p>
             <a:pPr lvl="1"/>
             <a:r>
-              <a:rPr lang="en-US" altLang="en-US"/>
+              <a:rPr lang="en-US" altLang="en-US" dirty="0"/>
               <a:t>Carried out by developers</a:t>
             </a:r>
           </a:p>
           <a:p>
             <a:pPr lvl="1"/>
             <a:r>
-              <a:rPr lang="en-US" altLang="en-US" u="sng"/>
+              <a:rPr lang="en-US" altLang="en-US" u="sng" dirty="0"/>
               <a:t>Goal:</a:t>
             </a:r>
             <a:r>
-              <a:rPr lang="en-US" altLang="en-US"/>
+              <a:rPr lang="en-US" altLang="en-US" dirty="0"/>
               <a:t>  Determine if the system meets the requirements (functional and nonfunctional)</a:t>
             </a:r>
           </a:p>
           <a:p>
             <a:r>
-              <a:rPr lang="en-US" altLang="en-US">
+              <a:rPr lang="en-US" altLang="en-US" dirty="0">
                 <a:solidFill>
                   <a:srgbClr val="FC0128"/>
                 </a:solidFill>
               </a:rPr>
               <a:t>Acceptance Testing</a:t>
             </a:r>
-            <a:endParaRPr lang="en-US" altLang="en-US"/>
+            <a:endParaRPr lang="en-US" altLang="en-US" dirty="0"/>
           </a:p>
           <a:p>
             <a:pPr lvl="1"/>
             <a:r>
-              <a:rPr lang="en-US" altLang="en-US"/>
+              <a:rPr lang="en-US" altLang="en-US" dirty="0"/>
               <a:t>Evaluates the system delivered by developers</a:t>
             </a:r>
           </a:p>
           <a:p>
             <a:pPr lvl="1"/>
             <a:r>
-              <a:rPr lang="en-US" altLang="en-US"/>
+              <a:rPr lang="en-US" altLang="en-US" dirty="0"/>
               <a:t>Carried out by the client.  May involve executing typical transactions on site on a trial basis</a:t>
             </a:r>
           </a:p>
           <a:p>
             <a:pPr lvl="1"/>
             <a:r>
-              <a:rPr lang="en-US" altLang="en-US" u="sng"/>
+              <a:rPr lang="en-US" altLang="en-US" u="sng" dirty="0"/>
               <a:t>Goal:</a:t>
             </a:r>
             <a:r>
-              <a:rPr lang="en-US" altLang="en-US"/>
+              <a:rPr lang="en-US" altLang="en-US" dirty="0"/>
               <a:t> Demonstrate that the system meets the requirements and is ready to use.</a:t>
             </a:r>
           </a:p>

--- a/Deck/tdd_ktalk.pptx
+++ b/Deck/tdd_ktalk.pptx
@@ -5,7 +5,7 @@
     <p:sldMasterId id="2147483780" r:id="rId1"/>
   </p:sldMasterIdLst>
   <p:notesMasterIdLst>
-    <p:notesMasterId r:id="rId16"/>
+    <p:notesMasterId r:id="rId17"/>
   </p:notesMasterIdLst>
   <p:sldIdLst>
     <p:sldId id="257" r:id="rId2"/>
@@ -15,13 +15,14 @@
     <p:sldId id="261" r:id="rId6"/>
     <p:sldId id="262" r:id="rId7"/>
     <p:sldId id="269" r:id="rId8"/>
-    <p:sldId id="268" r:id="rId9"/>
-    <p:sldId id="270" r:id="rId10"/>
-    <p:sldId id="267" r:id="rId11"/>
-    <p:sldId id="263" r:id="rId12"/>
-    <p:sldId id="264" r:id="rId13"/>
-    <p:sldId id="265" r:id="rId14"/>
-    <p:sldId id="266" r:id="rId15"/>
+    <p:sldId id="271" r:id="rId9"/>
+    <p:sldId id="268" r:id="rId10"/>
+    <p:sldId id="270" r:id="rId11"/>
+    <p:sldId id="267" r:id="rId12"/>
+    <p:sldId id="263" r:id="rId13"/>
+    <p:sldId id="264" r:id="rId14"/>
+    <p:sldId id="265" r:id="rId15"/>
+    <p:sldId id="266" r:id="rId16"/>
   </p:sldIdLst>
   <p:sldSz cx="12192000" cy="6858000"/>
   <p:notesSz cx="6858000" cy="9144000"/>
@@ -949,7 +950,7 @@
           <a:p>
             <a:fld id="{3B53C9D4-3BD6-4C40-B000-BE05B575F815}" type="datetimeFigureOut">
               <a:rPr lang="en-US" smtClean="0"/>
-              <a:t>2/21/2017</a:t>
+              <a:t>2/22/2017</a:t>
             </a:fld>
             <a:endParaRPr lang="en-US"/>
           </a:p>
@@ -1757,7 +1758,7 @@
           <a:p>
             <a:fld id="{646BAD84-FD8D-44DF-839C-76EF4E440AED}" type="slidenum">
               <a:rPr lang="en-US" smtClean="0"/>
-              <a:t>11</a:t>
+              <a:t>12</a:t>
             </a:fld>
             <a:endParaRPr lang="en-US"/>
           </a:p>
@@ -1846,7 +1847,7 @@
           <a:p>
             <a:fld id="{646BAD84-FD8D-44DF-839C-76EF4E440AED}" type="slidenum">
               <a:rPr lang="en-US" smtClean="0"/>
-              <a:t>12</a:t>
+              <a:t>13</a:t>
             </a:fld>
             <a:endParaRPr lang="en-US"/>
           </a:p>
@@ -1935,7 +1936,7 @@
           <a:p>
             <a:fld id="{646BAD84-FD8D-44DF-839C-76EF4E440AED}" type="slidenum">
               <a:rPr lang="en-US" smtClean="0"/>
-              <a:t>13</a:t>
+              <a:t>14</a:t>
             </a:fld>
             <a:endParaRPr lang="en-US"/>
           </a:p>
@@ -2024,7 +2025,7 @@
           <a:p>
             <a:fld id="{646BAD84-FD8D-44DF-839C-76EF4E440AED}" type="slidenum">
               <a:rPr lang="en-US" smtClean="0"/>
-              <a:t>14</a:t>
+              <a:t>15</a:t>
             </a:fld>
             <a:endParaRPr lang="en-US"/>
           </a:p>
@@ -2229,7 +2230,7 @@
           <a:p>
             <a:fld id="{BA648D00-8C27-4374-8BA4-0C168F83FBDC}" type="datetimeFigureOut">
               <a:rPr lang="en-US" smtClean="0"/>
-              <a:t>2/21/2017</a:t>
+              <a:t>2/22/2017</a:t>
             </a:fld>
             <a:endParaRPr lang="en-US"/>
           </a:p>
@@ -2504,7 +2505,7 @@
           <a:p>
             <a:fld id="{BA648D00-8C27-4374-8BA4-0C168F83FBDC}" type="datetimeFigureOut">
               <a:rPr lang="en-US" smtClean="0"/>
-              <a:t>2/21/2017</a:t>
+              <a:t>2/22/2017</a:t>
             </a:fld>
             <a:endParaRPr lang="en-US"/>
           </a:p>
@@ -2698,7 +2699,7 @@
           <a:p>
             <a:fld id="{BA648D00-8C27-4374-8BA4-0C168F83FBDC}" type="datetimeFigureOut">
               <a:rPr lang="en-US" smtClean="0"/>
-              <a:t>2/21/2017</a:t>
+              <a:t>2/22/2017</a:t>
             </a:fld>
             <a:endParaRPr lang="en-US"/>
           </a:p>
@@ -2971,7 +2972,7 @@
           <a:p>
             <a:fld id="{BA648D00-8C27-4374-8BA4-0C168F83FBDC}" type="datetimeFigureOut">
               <a:rPr lang="en-US" smtClean="0"/>
-              <a:t>2/21/2017</a:t>
+              <a:t>2/22/2017</a:t>
             </a:fld>
             <a:endParaRPr lang="en-US"/>
           </a:p>
@@ -3312,7 +3313,7 @@
           <a:p>
             <a:fld id="{BA648D00-8C27-4374-8BA4-0C168F83FBDC}" type="datetimeFigureOut">
               <a:rPr lang="en-US" smtClean="0"/>
-              <a:t>2/21/2017</a:t>
+              <a:t>2/22/2017</a:t>
             </a:fld>
             <a:endParaRPr lang="en-US"/>
           </a:p>
@@ -3935,7 +3936,7 @@
           <a:p>
             <a:fld id="{BA648D00-8C27-4374-8BA4-0C168F83FBDC}" type="datetimeFigureOut">
               <a:rPr lang="en-US" smtClean="0"/>
-              <a:t>2/21/2017</a:t>
+              <a:t>2/22/2017</a:t>
             </a:fld>
             <a:endParaRPr lang="en-US"/>
           </a:p>
@@ -4795,7 +4796,7 @@
           <a:p>
             <a:fld id="{BA648D00-8C27-4374-8BA4-0C168F83FBDC}" type="datetimeFigureOut">
               <a:rPr lang="en-US" smtClean="0"/>
-              <a:t>2/21/2017</a:t>
+              <a:t>2/22/2017</a:t>
             </a:fld>
             <a:endParaRPr lang="en-US"/>
           </a:p>
@@ -4965,7 +4966,7 @@
           <a:p>
             <a:fld id="{BA648D00-8C27-4374-8BA4-0C168F83FBDC}" type="datetimeFigureOut">
               <a:rPr lang="en-US" smtClean="0"/>
-              <a:t>2/21/2017</a:t>
+              <a:t>2/22/2017</a:t>
             </a:fld>
             <a:endParaRPr lang="en-US"/>
           </a:p>
@@ -5145,7 +5146,7 @@
           <a:p>
             <a:fld id="{BA648D00-8C27-4374-8BA4-0C168F83FBDC}" type="datetimeFigureOut">
               <a:rPr lang="en-US" smtClean="0"/>
-              <a:t>2/21/2017</a:t>
+              <a:t>2/22/2017</a:t>
             </a:fld>
             <a:endParaRPr lang="en-US"/>
           </a:p>
@@ -5315,7 +5316,7 @@
           <a:p>
             <a:fld id="{BA648D00-8C27-4374-8BA4-0C168F83FBDC}" type="datetimeFigureOut">
               <a:rPr lang="en-US" smtClean="0"/>
-              <a:t>2/21/2017</a:t>
+              <a:t>2/22/2017</a:t>
             </a:fld>
             <a:endParaRPr lang="en-US"/>
           </a:p>
@@ -5562,7 +5563,7 @@
           <a:p>
             <a:fld id="{BA648D00-8C27-4374-8BA4-0C168F83FBDC}" type="datetimeFigureOut">
               <a:rPr lang="en-US" smtClean="0"/>
-              <a:t>2/21/2017</a:t>
+              <a:t>2/22/2017</a:t>
             </a:fld>
             <a:endParaRPr lang="en-US"/>
           </a:p>
@@ -5854,7 +5855,7 @@
           <a:p>
             <a:fld id="{BA648D00-8C27-4374-8BA4-0C168F83FBDC}" type="datetimeFigureOut">
               <a:rPr lang="en-US" smtClean="0"/>
-              <a:t>2/21/2017</a:t>
+              <a:t>2/22/2017</a:t>
             </a:fld>
             <a:endParaRPr lang="en-US"/>
           </a:p>
@@ -6298,7 +6299,7 @@
           <a:p>
             <a:fld id="{BA648D00-8C27-4374-8BA4-0C168F83FBDC}" type="datetimeFigureOut">
               <a:rPr lang="en-US" smtClean="0"/>
-              <a:t>2/21/2017</a:t>
+              <a:t>2/22/2017</a:t>
             </a:fld>
             <a:endParaRPr lang="en-US"/>
           </a:p>
@@ -6416,7 +6417,7 @@
           <a:p>
             <a:fld id="{BA648D00-8C27-4374-8BA4-0C168F83FBDC}" type="datetimeFigureOut">
               <a:rPr lang="en-US" smtClean="0"/>
-              <a:t>2/21/2017</a:t>
+              <a:t>2/22/2017</a:t>
             </a:fld>
             <a:endParaRPr lang="en-US"/>
           </a:p>
@@ -6511,7 +6512,7 @@
           <a:p>
             <a:fld id="{BA648D00-8C27-4374-8BA4-0C168F83FBDC}" type="datetimeFigureOut">
               <a:rPr lang="en-US" smtClean="0"/>
-              <a:t>2/21/2017</a:t>
+              <a:t>2/22/2017</a:t>
             </a:fld>
             <a:endParaRPr lang="en-US"/>
           </a:p>
@@ -6790,7 +6791,7 @@
           <a:p>
             <a:fld id="{BA648D00-8C27-4374-8BA4-0C168F83FBDC}" type="datetimeFigureOut">
               <a:rPr lang="en-US" smtClean="0"/>
-              <a:t>2/21/2017</a:t>
+              <a:t>2/22/2017</a:t>
             </a:fld>
             <a:endParaRPr lang="en-US"/>
           </a:p>
@@ -7065,7 +7066,7 @@
           <a:p>
             <a:fld id="{BA648D00-8C27-4374-8BA4-0C168F83FBDC}" type="datetimeFigureOut">
               <a:rPr lang="en-US" smtClean="0"/>
-              <a:t>2/21/2017</a:t>
+              <a:t>2/22/2017</a:t>
             </a:fld>
             <a:endParaRPr lang="en-US"/>
           </a:p>
@@ -7494,7 +7495,7 @@
           <a:p>
             <a:fld id="{BA648D00-8C27-4374-8BA4-0C168F83FBDC}" type="datetimeFigureOut">
               <a:rPr lang="en-US" smtClean="0"/>
-              <a:t>2/21/2017</a:t>
+              <a:t>2/22/2017</a:t>
             </a:fld>
             <a:endParaRPr lang="en-US"/>
           </a:p>
@@ -8165,50 +8166,40 @@
           <a:p>
             <a:r>
               <a:rPr lang="en-US" dirty="0"/>
-              <a:t>Technologies</a:t>
-            </a:r>
-          </a:p>
-        </p:txBody>
-      </p:sp>
-      <p:sp>
-        <p:nvSpPr>
-          <p:cNvPr id="3" name="Content Placeholder 2"/>
-          <p:cNvSpPr>
-            <a:spLocks noGrp="1"/>
-          </p:cNvSpPr>
+              <a:t>Red &gt; Green &gt; Refactor</a:t>
+            </a:r>
+          </a:p>
+        </p:txBody>
+      </p:sp>
+      <p:graphicFrame>
+        <p:nvGraphicFramePr>
+          <p:cNvPr id="6" name="Content Placeholder 5"/>
+          <p:cNvGraphicFramePr>
+            <a:graphicFrameLocks noGrp="1"/>
+          </p:cNvGraphicFramePr>
           <p:nvPr>
             <p:ph idx="1"/>
-          </p:nvPr>
-        </p:nvSpPr>
-        <p:spPr/>
-        <p:txBody>
-          <a:bodyPr/>
-          <a:lstStyle/>
-          <a:p>
-            <a:r>
-              <a:rPr lang="en-US" dirty="0"/>
-              <a:t>Nunit</a:t>
-            </a:r>
-          </a:p>
-          <a:p>
-            <a:r>
-              <a:rPr lang="en-US" dirty="0"/>
-              <a:t>Microsoft Fakes</a:t>
-            </a:r>
-          </a:p>
-          <a:p>
-            <a:r>
-              <a:rPr lang="en-US" dirty="0" err="1"/>
-              <a:t>Moq</a:t>
-            </a:r>
-            <a:endParaRPr lang="en-US" dirty="0"/>
-          </a:p>
-        </p:txBody>
-      </p:sp>
+            <p:extLst>
+              <p:ext uri="{D42A27DB-BD31-4B8C-83A1-F6EECF244321}">
+                <p14:modId xmlns:p14="http://schemas.microsoft.com/office/powerpoint/2010/main" val="1493691967"/>
+              </p:ext>
+            </p:extLst>
+          </p:nvPr>
+        </p:nvGraphicFramePr>
+        <p:xfrm>
+          <a:off x="1103684" y="1152983"/>
+          <a:ext cx="8947150" cy="4195762"/>
+        </p:xfrm>
+        <a:graphic>
+          <a:graphicData uri="http://schemas.openxmlformats.org/drawingml/2006/chart">
+            <c:chart xmlns:c="http://schemas.openxmlformats.org/drawingml/2006/chart" xmlns:r="http://schemas.openxmlformats.org/officeDocument/2006/relationships" r:id="rId2"/>
+          </a:graphicData>
+        </a:graphic>
+      </p:graphicFrame>
     </p:spTree>
     <p:extLst>
       <p:ext uri="{BB962C8B-B14F-4D97-AF65-F5344CB8AC3E}">
-        <p14:creationId xmlns:p14="http://schemas.microsoft.com/office/powerpoint/2010/main" val="3184376262"/>
+        <p14:creationId xmlns:p14="http://schemas.microsoft.com/office/powerpoint/2010/main" val="582805063"/>
       </p:ext>
     </p:extLst>
   </p:cSld>
@@ -8251,17 +8242,9 @@
           <a:lstStyle/>
           <a:p>
             <a:r>
-              <a:rPr lang="en-US" dirty="0">
-                <a:solidFill>
-                  <a:schemeClr val="bg2">
-                    <a:lumMod val="20000"/>
-                    <a:lumOff val="80000"/>
-                  </a:schemeClr>
-                </a:solidFill>
-              </a:rPr>
-              <a:t>Demo</a:t>
-            </a:r>
-            <a:endParaRPr lang="en-US" dirty="0"/>
+              <a:rPr lang="en-US" dirty="0"/>
+              <a:t>Technologies</a:t>
+            </a:r>
           </a:p>
         </p:txBody>
       </p:sp>
@@ -8280,21 +8263,30 @@
           <a:bodyPr/>
           <a:lstStyle/>
           <a:p>
-            <a:endParaRPr lang="en-US" dirty="0">
-              <a:solidFill>
-                <a:schemeClr val="bg2">
-                  <a:lumMod val="20000"/>
-                  <a:lumOff val="80000"/>
-                </a:schemeClr>
-              </a:solidFill>
-            </a:endParaRPr>
+            <a:r>
+              <a:rPr lang="en-US" dirty="0"/>
+              <a:t>Nunit</a:t>
+            </a:r>
+          </a:p>
+          <a:p>
+            <a:r>
+              <a:rPr lang="en-US" dirty="0"/>
+              <a:t>Microsoft Fakes</a:t>
+            </a:r>
+          </a:p>
+          <a:p>
+            <a:r>
+              <a:rPr lang="en-US" dirty="0" err="1"/>
+              <a:t>Moq</a:t>
+            </a:r>
+            <a:endParaRPr lang="en-US" dirty="0"/>
           </a:p>
         </p:txBody>
       </p:sp>
     </p:spTree>
     <p:extLst>
       <p:ext uri="{BB962C8B-B14F-4D97-AF65-F5344CB8AC3E}">
-        <p14:creationId xmlns:p14="http://schemas.microsoft.com/office/powerpoint/2010/main" val="2283376823"/>
+        <p14:creationId xmlns:p14="http://schemas.microsoft.com/office/powerpoint/2010/main" val="3184376262"/>
       </p:ext>
     </p:extLst>
   </p:cSld>
@@ -8345,7 +8337,7 @@
                   </a:schemeClr>
                 </a:solidFill>
               </a:rPr>
-              <a:t>Q/A</a:t>
+              <a:t>Demo</a:t>
             </a:r>
             <a:endParaRPr lang="en-US" dirty="0"/>
           </a:p>
@@ -8380,7 +8372,7 @@
     </p:spTree>
     <p:extLst>
       <p:ext uri="{BB962C8B-B14F-4D97-AF65-F5344CB8AC3E}">
-        <p14:creationId xmlns:p14="http://schemas.microsoft.com/office/powerpoint/2010/main" val="1649108539"/>
+        <p14:creationId xmlns:p14="http://schemas.microsoft.com/office/powerpoint/2010/main" val="2283376823"/>
       </p:ext>
     </p:extLst>
   </p:cSld>
@@ -8431,6 +8423,92 @@
                   </a:schemeClr>
                 </a:solidFill>
               </a:rPr>
+              <a:t>Q/A</a:t>
+            </a:r>
+            <a:endParaRPr lang="en-US" dirty="0"/>
+          </a:p>
+        </p:txBody>
+      </p:sp>
+      <p:sp>
+        <p:nvSpPr>
+          <p:cNvPr id="3" name="Content Placeholder 2"/>
+          <p:cNvSpPr>
+            <a:spLocks noGrp="1"/>
+          </p:cNvSpPr>
+          <p:nvPr>
+            <p:ph idx="1"/>
+          </p:nvPr>
+        </p:nvSpPr>
+        <p:spPr/>
+        <p:txBody>
+          <a:bodyPr/>
+          <a:lstStyle/>
+          <a:p>
+            <a:endParaRPr lang="en-US" dirty="0">
+              <a:solidFill>
+                <a:schemeClr val="bg2">
+                  <a:lumMod val="20000"/>
+                  <a:lumOff val="80000"/>
+                </a:schemeClr>
+              </a:solidFill>
+            </a:endParaRPr>
+          </a:p>
+        </p:txBody>
+      </p:sp>
+    </p:spTree>
+    <p:extLst>
+      <p:ext uri="{BB962C8B-B14F-4D97-AF65-F5344CB8AC3E}">
+        <p14:creationId xmlns:p14="http://schemas.microsoft.com/office/powerpoint/2010/main" val="1649108539"/>
+      </p:ext>
+    </p:extLst>
+  </p:cSld>
+  <p:clrMapOvr>
+    <a:masterClrMapping/>
+  </p:clrMapOvr>
+</p:sld>
+</file>
+
+<file path=ppt/slides/slide14.xml><?xml version="1.0" encoding="utf-8"?>
+<p:sld xmlns:a="http://schemas.openxmlformats.org/drawingml/2006/main" xmlns:r="http://schemas.openxmlformats.org/officeDocument/2006/relationships" xmlns:p="http://schemas.openxmlformats.org/presentationml/2006/main">
+  <p:cSld>
+    <p:spTree>
+      <p:nvGrpSpPr>
+        <p:cNvPr id="1" name=""/>
+        <p:cNvGrpSpPr/>
+        <p:nvPr/>
+      </p:nvGrpSpPr>
+      <p:grpSpPr>
+        <a:xfrm>
+          <a:off x="0" y="0"/>
+          <a:ext cx="0" cy="0"/>
+          <a:chOff x="0" y="0"/>
+          <a:chExt cx="0" cy="0"/>
+        </a:xfrm>
+      </p:grpSpPr>
+      <p:sp>
+        <p:nvSpPr>
+          <p:cNvPr id="2" name="Title 1"/>
+          <p:cNvSpPr>
+            <a:spLocks noGrp="1"/>
+          </p:cNvSpPr>
+          <p:nvPr>
+            <p:ph type="title"/>
+          </p:nvPr>
+        </p:nvSpPr>
+        <p:spPr/>
+        <p:txBody>
+          <a:bodyPr/>
+          <a:lstStyle/>
+          <a:p>
+            <a:r>
+              <a:rPr lang="en-US" dirty="0">
+                <a:solidFill>
+                  <a:schemeClr val="bg2">
+                    <a:lumMod val="20000"/>
+                    <a:lumOff val="80000"/>
+                  </a:schemeClr>
+                </a:solidFill>
+              </a:rPr>
               <a:t>Resources</a:t>
             </a:r>
             <a:endParaRPr lang="en-US" dirty="0"/>
@@ -8492,7 +8570,7 @@
 </p:sld>
 </file>
 
-<file path=ppt/slides/slide14.xml><?xml version="1.0" encoding="utf-8"?>
+<file path=ppt/slides/slide15.xml><?xml version="1.0" encoding="utf-8"?>
 <p:sld xmlns:a="http://schemas.openxmlformats.org/drawingml/2006/main" xmlns:r="http://schemas.openxmlformats.org/officeDocument/2006/relationships" xmlns:p="http://schemas.openxmlformats.org/presentationml/2006/main">
   <p:cSld>
     <p:spTree>
@@ -11700,7 +11778,7 @@
           <a:p>
             <a:r>
               <a:rPr lang="en-US" dirty="0"/>
-              <a:t>The three laws of TDD</a:t>
+              <a:t>Benefits</a:t>
             </a:r>
           </a:p>
         </p:txBody>
@@ -11722,19 +11800,32 @@
           <a:p>
             <a:r>
               <a:rPr lang="en-US" dirty="0"/>
-              <a:t>You may not write production code unless you’ve first written a failing unit test.</a:t>
-            </a:r>
-          </a:p>
-          <a:p>
+              <a:t>Higher Quality</a:t>
+            </a:r>
+          </a:p>
+          <a:p>
+            <a:pPr lvl="1"/>
             <a:r>
               <a:rPr lang="en-US" dirty="0"/>
-              <a:t>You may not write more of a unit test than is sufficient to fail.</a:t>
+              <a:t>Fever defects</a:t>
             </a:r>
           </a:p>
           <a:p>
             <a:r>
               <a:rPr lang="en-US" dirty="0"/>
-              <a:t> You may not write more production code than is sufficient to make the failing unit test pass.</a:t>
+              <a:t>Living Documentation</a:t>
+            </a:r>
+          </a:p>
+          <a:p>
+            <a:r>
+              <a:rPr lang="en-US" dirty="0"/>
+              <a:t>Well-crafted code</a:t>
+            </a:r>
+          </a:p>
+          <a:p>
+            <a:r>
+              <a:rPr lang="en-US" dirty="0"/>
+              <a:t>Automatic regression harness</a:t>
             </a:r>
           </a:p>
         </p:txBody>
@@ -11742,7 +11833,7 @@
     </p:spTree>
     <p:extLst>
       <p:ext uri="{BB962C8B-B14F-4D97-AF65-F5344CB8AC3E}">
-        <p14:creationId xmlns:p14="http://schemas.microsoft.com/office/powerpoint/2010/main" val="4174976456"/>
+        <p14:creationId xmlns:p14="http://schemas.microsoft.com/office/powerpoint/2010/main" val="1232217489"/>
       </p:ext>
     </p:extLst>
   </p:cSld>
@@ -11786,40 +11877,49 @@
           <a:p>
             <a:r>
               <a:rPr lang="en-US" dirty="0"/>
-              <a:t>Red &gt; Green &gt; Refactor</a:t>
-            </a:r>
-          </a:p>
-        </p:txBody>
-      </p:sp>
-      <p:graphicFrame>
-        <p:nvGraphicFramePr>
-          <p:cNvPr id="6" name="Content Placeholder 5"/>
-          <p:cNvGraphicFramePr>
-            <a:graphicFrameLocks noGrp="1"/>
-          </p:cNvGraphicFramePr>
+              <a:t>The three laws of TDD</a:t>
+            </a:r>
+          </a:p>
+        </p:txBody>
+      </p:sp>
+      <p:sp>
+        <p:nvSpPr>
+          <p:cNvPr id="3" name="Content Placeholder 2"/>
+          <p:cNvSpPr>
+            <a:spLocks noGrp="1"/>
+          </p:cNvSpPr>
           <p:nvPr>
             <p:ph idx="1"/>
-            <p:extLst>
-              <p:ext uri="{D42A27DB-BD31-4B8C-83A1-F6EECF244321}">
-                <p14:modId xmlns:p14="http://schemas.microsoft.com/office/powerpoint/2010/main" val="1493691967"/>
-              </p:ext>
-            </p:extLst>
-          </p:nvPr>
-        </p:nvGraphicFramePr>
-        <p:xfrm>
-          <a:off x="1103684" y="1152983"/>
-          <a:ext cx="8947150" cy="4195762"/>
-        </p:xfrm>
-        <a:graphic>
-          <a:graphicData uri="http://schemas.openxmlformats.org/drawingml/2006/chart">
-            <c:chart xmlns:c="http://schemas.openxmlformats.org/drawingml/2006/chart" xmlns:r="http://schemas.openxmlformats.org/officeDocument/2006/relationships" r:id="rId2"/>
-          </a:graphicData>
-        </a:graphic>
-      </p:graphicFrame>
+          </p:nvPr>
+        </p:nvSpPr>
+        <p:spPr/>
+        <p:txBody>
+          <a:bodyPr/>
+          <a:lstStyle/>
+          <a:p>
+            <a:r>
+              <a:rPr lang="en-US" dirty="0"/>
+              <a:t>You may not write production code unless you’ve first written a failing unit test.</a:t>
+            </a:r>
+          </a:p>
+          <a:p>
+            <a:r>
+              <a:rPr lang="en-US" dirty="0"/>
+              <a:t>You may not write more of a unit test than is sufficient to fail.</a:t>
+            </a:r>
+          </a:p>
+          <a:p>
+            <a:r>
+              <a:rPr lang="en-US" dirty="0"/>
+              <a:t> You may not write more production code than is sufficient to make the failing unit test pass.</a:t>
+            </a:r>
+          </a:p>
+        </p:txBody>
+      </p:sp>
     </p:spTree>
     <p:extLst>
       <p:ext uri="{BB962C8B-B14F-4D97-AF65-F5344CB8AC3E}">
-        <p14:creationId xmlns:p14="http://schemas.microsoft.com/office/powerpoint/2010/main" val="582805063"/>
+        <p14:creationId xmlns:p14="http://schemas.microsoft.com/office/powerpoint/2010/main" val="4174976456"/>
       </p:ext>
     </p:extLst>
   </p:cSld>

--- a/Deck/tdd_ktalk.pptx
+++ b/Deck/tdd_ktalk.pptx
@@ -11825,6 +11825,17 @@
           <a:p>
             <a:r>
               <a:rPr lang="en-US" dirty="0"/>
+              <a:t>Less Debugging( No </a:t>
+            </a:r>
+            <a:r>
+              <a:rPr lang="en-US"/>
+              <a:t>waiting till hit)</a:t>
+            </a:r>
+            <a:endParaRPr lang="en-US" dirty="0"/>
+          </a:p>
+          <a:p>
+            <a:r>
+              <a:rPr lang="en-US" dirty="0"/>
               <a:t>Automatic regression harness</a:t>
             </a:r>
           </a:p>
